--- a/metaX_UI_예시_전체작업본.pptx
+++ b/metaX_UI_예시_전체작업본.pptx
@@ -5,15 +5,17 @@
     <p:sldMasterId id="2147483660" r:id="rId1"/>
   </p:sldMasterIdLst>
   <p:notesMasterIdLst>
-    <p:notesMasterId r:id="rId8"/>
+    <p:notesMasterId r:id="rId10"/>
   </p:notesMasterIdLst>
   <p:sldIdLst>
     <p:sldId id="256" r:id="rId2"/>
     <p:sldId id="257" r:id="rId3"/>
     <p:sldId id="260" r:id="rId4"/>
     <p:sldId id="261" r:id="rId5"/>
-    <p:sldId id="258" r:id="rId6"/>
-    <p:sldId id="259" r:id="rId7"/>
+    <p:sldId id="262" r:id="rId6"/>
+    <p:sldId id="263" r:id="rId7"/>
+    <p:sldId id="258" r:id="rId8"/>
+    <p:sldId id="259" r:id="rId9"/>
   </p:sldIdLst>
   <p:sldSz cx="9144000" cy="6858000" type="screen4x3"/>
   <p:notesSz cx="6858000" cy="9144000"/>
@@ -213,7 +215,7 @@
           <a:p>
             <a:fld id="{CB5A5F2C-8847-43A3-A81A-8C6B229F13F6}" type="datetimeFigureOut">
               <a:rPr lang="ko-KR" altLang="en-US" smtClean="0"/>
-              <a:t>2020-10-15</a:t>
+              <a:t>2020-10-16</a:t>
             </a:fld>
             <a:endParaRPr lang="ko-KR" altLang="en-US"/>
           </a:p>
@@ -649,6 +651,90 @@
 </p:notes>
 </file>
 
+<file path=ppt/notesSlides/notesSlide3.xml><?xml version="1.0" encoding="utf-8"?>
+<p:notes xmlns:a="http://schemas.openxmlformats.org/drawingml/2006/main" xmlns:r="http://schemas.openxmlformats.org/officeDocument/2006/relationships" xmlns:p="http://schemas.openxmlformats.org/presentationml/2006/main">
+  <p:cSld>
+    <p:spTree>
+      <p:nvGrpSpPr>
+        <p:cNvPr id="1" name=""/>
+        <p:cNvGrpSpPr/>
+        <p:nvPr/>
+      </p:nvGrpSpPr>
+      <p:grpSpPr>
+        <a:xfrm>
+          <a:off x="0" y="0"/>
+          <a:ext cx="0" cy="0"/>
+          <a:chOff x="0" y="0"/>
+          <a:chExt cx="0" cy="0"/>
+        </a:xfrm>
+      </p:grpSpPr>
+      <p:sp>
+        <p:nvSpPr>
+          <p:cNvPr id="2" name="슬라이드 이미지 개체 틀 1"/>
+          <p:cNvSpPr>
+            <a:spLocks noGrp="1" noRot="1" noChangeAspect="1"/>
+          </p:cNvSpPr>
+          <p:nvPr>
+            <p:ph type="sldImg"/>
+          </p:nvPr>
+        </p:nvSpPr>
+        <p:spPr/>
+      </p:sp>
+      <p:sp>
+        <p:nvSpPr>
+          <p:cNvPr id="3" name="슬라이드 노트 개체 틀 2"/>
+          <p:cNvSpPr>
+            <a:spLocks noGrp="1"/>
+          </p:cNvSpPr>
+          <p:nvPr>
+            <p:ph type="body" idx="1"/>
+          </p:nvPr>
+        </p:nvSpPr>
+        <p:spPr/>
+        <p:txBody>
+          <a:bodyPr/>
+          <a:lstStyle/>
+          <a:p>
+            <a:endParaRPr lang="ko-KR" altLang="en-US" dirty="0"/>
+          </a:p>
+        </p:txBody>
+      </p:sp>
+      <p:sp>
+        <p:nvSpPr>
+          <p:cNvPr id="4" name="슬라이드 번호 개체 틀 3"/>
+          <p:cNvSpPr>
+            <a:spLocks noGrp="1"/>
+          </p:cNvSpPr>
+          <p:nvPr>
+            <p:ph type="sldNum" sz="quarter" idx="10"/>
+          </p:nvPr>
+        </p:nvSpPr>
+        <p:spPr/>
+        <p:txBody>
+          <a:bodyPr/>
+          <a:lstStyle/>
+          <a:p>
+            <a:fld id="{141D52DF-E1C5-4108-8832-76122DF9DC1A}" type="slidenum">
+              <a:rPr lang="ko-KR" altLang="en-US" smtClean="0"/>
+              <a:t>5</a:t>
+            </a:fld>
+            <a:endParaRPr lang="ko-KR" altLang="en-US"/>
+          </a:p>
+        </p:txBody>
+      </p:sp>
+    </p:spTree>
+    <p:extLst>
+      <p:ext uri="{BB962C8B-B14F-4D97-AF65-F5344CB8AC3E}">
+        <p14:creationId xmlns:p14="http://schemas.microsoft.com/office/powerpoint/2010/main" val="1529160545"/>
+      </p:ext>
+    </p:extLst>
+  </p:cSld>
+  <p:clrMapOvr>
+    <a:masterClrMapping/>
+  </p:clrMapOvr>
+</p:notes>
+</file>
+
 <file path=ppt/slideLayouts/slideLayout1.xml><?xml version="1.0" encoding="utf-8"?>
 <p:sldLayout xmlns:a="http://schemas.openxmlformats.org/drawingml/2006/main" xmlns:r="http://schemas.openxmlformats.org/officeDocument/2006/relationships" xmlns:p="http://schemas.openxmlformats.org/presentationml/2006/main" type="title" preserve="1">
   <p:cSld name="제목 슬라이드">
@@ -780,7 +866,7 @@
           <a:p>
             <a:fld id="{F5000782-209F-4F09-8E33-E95593FCF97D}" type="datetimeFigureOut">
               <a:rPr lang="ko-KR" altLang="en-US" smtClean="0"/>
-              <a:t>2020-10-15</a:t>
+              <a:t>2020-10-16</a:t>
             </a:fld>
             <a:endParaRPr lang="ko-KR" altLang="en-US"/>
           </a:p>
@@ -950,7 +1036,7 @@
           <a:p>
             <a:fld id="{F5000782-209F-4F09-8E33-E95593FCF97D}" type="datetimeFigureOut">
               <a:rPr lang="ko-KR" altLang="en-US" smtClean="0"/>
-              <a:t>2020-10-15</a:t>
+              <a:t>2020-10-16</a:t>
             </a:fld>
             <a:endParaRPr lang="ko-KR" altLang="en-US"/>
           </a:p>
@@ -1130,7 +1216,7 @@
           <a:p>
             <a:fld id="{F5000782-209F-4F09-8E33-E95593FCF97D}" type="datetimeFigureOut">
               <a:rPr lang="ko-KR" altLang="en-US" smtClean="0"/>
-              <a:t>2020-10-15</a:t>
+              <a:t>2020-10-16</a:t>
             </a:fld>
             <a:endParaRPr lang="ko-KR" altLang="en-US"/>
           </a:p>
@@ -1300,7 +1386,7 @@
           <a:p>
             <a:fld id="{F5000782-209F-4F09-8E33-E95593FCF97D}" type="datetimeFigureOut">
               <a:rPr lang="ko-KR" altLang="en-US" smtClean="0"/>
-              <a:t>2020-10-15</a:t>
+              <a:t>2020-10-16</a:t>
             </a:fld>
             <a:endParaRPr lang="ko-KR" altLang="en-US"/>
           </a:p>
@@ -1544,7 +1630,7 @@
           <a:p>
             <a:fld id="{F5000782-209F-4F09-8E33-E95593FCF97D}" type="datetimeFigureOut">
               <a:rPr lang="ko-KR" altLang="en-US" smtClean="0"/>
-              <a:t>2020-10-15</a:t>
+              <a:t>2020-10-16</a:t>
             </a:fld>
             <a:endParaRPr lang="ko-KR" altLang="en-US"/>
           </a:p>
@@ -1776,7 +1862,7 @@
           <a:p>
             <a:fld id="{F5000782-209F-4F09-8E33-E95593FCF97D}" type="datetimeFigureOut">
               <a:rPr lang="ko-KR" altLang="en-US" smtClean="0"/>
-              <a:t>2020-10-15</a:t>
+              <a:t>2020-10-16</a:t>
             </a:fld>
             <a:endParaRPr lang="ko-KR" altLang="en-US"/>
           </a:p>
@@ -2143,7 +2229,7 @@
           <a:p>
             <a:fld id="{F5000782-209F-4F09-8E33-E95593FCF97D}" type="datetimeFigureOut">
               <a:rPr lang="ko-KR" altLang="en-US" smtClean="0"/>
-              <a:t>2020-10-15</a:t>
+              <a:t>2020-10-16</a:t>
             </a:fld>
             <a:endParaRPr lang="ko-KR" altLang="en-US"/>
           </a:p>
@@ -2261,7 +2347,7 @@
           <a:p>
             <a:fld id="{F5000782-209F-4F09-8E33-E95593FCF97D}" type="datetimeFigureOut">
               <a:rPr lang="ko-KR" altLang="en-US" smtClean="0"/>
-              <a:t>2020-10-15</a:t>
+              <a:t>2020-10-16</a:t>
             </a:fld>
             <a:endParaRPr lang="ko-KR" altLang="en-US"/>
           </a:p>
@@ -2356,7 +2442,7 @@
           <a:p>
             <a:fld id="{F5000782-209F-4F09-8E33-E95593FCF97D}" type="datetimeFigureOut">
               <a:rPr lang="ko-KR" altLang="en-US" smtClean="0"/>
-              <a:t>2020-10-15</a:t>
+              <a:t>2020-10-16</a:t>
             </a:fld>
             <a:endParaRPr lang="ko-KR" altLang="en-US"/>
           </a:p>
@@ -2633,7 +2719,7 @@
           <a:p>
             <a:fld id="{F5000782-209F-4F09-8E33-E95593FCF97D}" type="datetimeFigureOut">
               <a:rPr lang="ko-KR" altLang="en-US" smtClean="0"/>
-              <a:t>2020-10-15</a:t>
+              <a:t>2020-10-16</a:t>
             </a:fld>
             <a:endParaRPr lang="ko-KR" altLang="en-US"/>
           </a:p>
@@ -2890,7 +2976,7 @@
           <a:p>
             <a:fld id="{F5000782-209F-4F09-8E33-E95593FCF97D}" type="datetimeFigureOut">
               <a:rPr lang="ko-KR" altLang="en-US" smtClean="0"/>
-              <a:t>2020-10-15</a:t>
+              <a:t>2020-10-16</a:t>
             </a:fld>
             <a:endParaRPr lang="ko-KR" altLang="en-US"/>
           </a:p>
@@ -3103,7 +3189,7 @@
           <a:p>
             <a:fld id="{F5000782-209F-4F09-8E33-E95593FCF97D}" type="datetimeFigureOut">
               <a:rPr lang="ko-KR" altLang="en-US" smtClean="0"/>
-              <a:t>2020-10-15</a:t>
+              <a:t>2020-10-16</a:t>
             </a:fld>
             <a:endParaRPr lang="ko-KR" altLang="en-US"/>
           </a:p>
@@ -3536,14 +3622,7 @@
                 <a:latin typeface="나눔스퀘어" panose="020B0600000101010101" pitchFamily="50" charset="-127"/>
                 <a:ea typeface="나눔스퀘어" panose="020B0600000101010101" pitchFamily="50" charset="-127"/>
               </a:rPr>
-              <a:t>1. </a:t>
-            </a:r>
-            <a:r>
-              <a:rPr lang="en-US" altLang="ko-KR" sz="2800" dirty="0" smtClean="0">
-                <a:latin typeface="나눔스퀘어" panose="020B0600000101010101" pitchFamily="50" charset="-127"/>
-                <a:ea typeface="나눔스퀘어" panose="020B0600000101010101" pitchFamily="50" charset="-127"/>
-              </a:rPr>
-              <a:t>Preview</a:t>
+              <a:t>1. Preview</a:t>
             </a:r>
             <a:endParaRPr lang="ko-KR" altLang="en-US" sz="2800" dirty="0">
               <a:latin typeface="나눔스퀘어" panose="020B0600000101010101" pitchFamily="50" charset="-127"/>
@@ -3713,14 +3792,7 @@
                 <a:latin typeface="나눔스퀘어" panose="020B0600000101010101" pitchFamily="50" charset="-127"/>
                 <a:ea typeface="나눔스퀘어" panose="020B0600000101010101" pitchFamily="50" charset="-127"/>
               </a:rPr>
-              <a:t>2. </a:t>
-            </a:r>
-            <a:r>
-              <a:rPr lang="en-US" altLang="ko-KR" sz="2800" dirty="0" smtClean="0">
-                <a:latin typeface="나눔스퀘어" panose="020B0600000101010101" pitchFamily="50" charset="-127"/>
-                <a:ea typeface="나눔스퀘어" panose="020B0600000101010101" pitchFamily="50" charset="-127"/>
-              </a:rPr>
-              <a:t>Preprocessing</a:t>
+              <a:t>2. Preprocessing</a:t>
             </a:r>
             <a:endParaRPr lang="ko-KR" altLang="en-US" sz="2800" dirty="0">
               <a:latin typeface="나눔스퀘어" panose="020B0600000101010101" pitchFamily="50" charset="-127"/>
@@ -4056,14 +4128,7 @@
                 <a:latin typeface="나눔스퀘어" panose="020B0600000101010101" pitchFamily="50" charset="-127"/>
                 <a:ea typeface="나눔스퀘어" panose="020B0600000101010101" pitchFamily="50" charset="-127"/>
               </a:rPr>
-              <a:t>1. </a:t>
-            </a:r>
-            <a:r>
-              <a:rPr lang="en-US" altLang="ko-KR" sz="2800" dirty="0" smtClean="0">
-                <a:latin typeface="나눔스퀘어" panose="020B0600000101010101" pitchFamily="50" charset="-127"/>
-                <a:ea typeface="나눔스퀘어" panose="020B0600000101010101" pitchFamily="50" charset="-127"/>
-              </a:rPr>
-              <a:t>Preview</a:t>
+              <a:t>1. Preview</a:t>
             </a:r>
             <a:endParaRPr lang="ko-KR" altLang="en-US" sz="2800" dirty="0">
               <a:latin typeface="나눔스퀘어" panose="020B0600000101010101" pitchFamily="50" charset="-127"/>
@@ -18345,7 +18410,7 @@
             <a:avLst/>
           </a:prstGeom>
           <a:solidFill>
-            <a:srgbClr val="002060"/>
+            <a:srgbClr val="E5E7EA"/>
           </a:solidFill>
           <a:ln w="9525">
             <a:solidFill>
@@ -18379,7 +18444,7 @@
             <a:r>
               <a:rPr lang="en-US" altLang="ko-KR" sz="675" b="1" dirty="0">
                 <a:solidFill>
-                  <a:schemeClr val="bg1"/>
+                  <a:schemeClr val="tx1"/>
                 </a:solidFill>
                 <a:latin typeface="Calibri" panose="020F0502020204030204" pitchFamily="34" charset="0"/>
                 <a:cs typeface="Calibri" panose="020F0502020204030204" pitchFamily="34" charset="0"/>
@@ -18388,7 +18453,7 @@
             </a:r>
             <a:endParaRPr lang="ko-KR" altLang="en-US" sz="675" b="1" dirty="0">
               <a:solidFill>
-                <a:schemeClr val="bg1"/>
+                <a:schemeClr val="tx1"/>
               </a:solidFill>
               <a:latin typeface="Calibri" panose="020F0502020204030204" pitchFamily="34" charset="0"/>
               <a:cs typeface="Calibri" panose="020F0502020204030204" pitchFamily="34" charset="0"/>
@@ -18565,6 +18630,9085 @@
               <a:rPr lang="ko-KR" altLang="en-US" smtClean="0"/>
               <a:pPr/>
               <a:t>5</a:t>
+            </a:fld>
+            <a:endParaRPr lang="ko-KR" altLang="en-US" dirty="0"/>
+          </a:p>
+        </p:txBody>
+      </p:sp>
+      <p:sp>
+        <p:nvSpPr>
+          <p:cNvPr id="333" name="한쪽 모서리가 잘린 사각형 332"/>
+          <p:cNvSpPr/>
+          <p:nvPr/>
+        </p:nvSpPr>
+        <p:spPr>
+          <a:xfrm>
+            <a:off x="3900195" y="2151628"/>
+            <a:ext cx="756000" cy="163004"/>
+          </a:xfrm>
+          <a:prstGeom prst="snip1Rect">
+            <a:avLst/>
+          </a:prstGeom>
+          <a:solidFill>
+            <a:srgbClr val="002060"/>
+          </a:solidFill>
+          <a:ln w="9525">
+            <a:solidFill>
+              <a:schemeClr val="bg2">
+                <a:lumMod val="75000"/>
+              </a:schemeClr>
+            </a:solidFill>
+          </a:ln>
+        </p:spPr>
+        <p:style>
+          <a:lnRef idx="2">
+            <a:schemeClr val="accent1">
+              <a:shade val="50000"/>
+            </a:schemeClr>
+          </a:lnRef>
+          <a:fillRef idx="1">
+            <a:schemeClr val="accent1"/>
+          </a:fillRef>
+          <a:effectRef idx="0">
+            <a:schemeClr val="accent1"/>
+          </a:effectRef>
+          <a:fontRef idx="minor">
+            <a:schemeClr val="lt1"/>
+          </a:fontRef>
+        </p:style>
+        <p:txBody>
+          <a:bodyPr rtlCol="0" anchor="ctr"/>
+          <a:lstStyle/>
+          <a:p>
+            <a:pPr algn="ctr"/>
+            <a:r>
+              <a:rPr lang="en-US" altLang="ko-KR" sz="675" b="1" dirty="0" smtClean="0">
+                <a:latin typeface="Calibri" panose="020F0502020204030204" pitchFamily="34" charset="0"/>
+                <a:cs typeface="Calibri" panose="020F0502020204030204" pitchFamily="34" charset="0"/>
+              </a:rPr>
+              <a:t>Preprocessing</a:t>
+            </a:r>
+            <a:endParaRPr lang="ko-KR" altLang="en-US" sz="675" b="1" dirty="0">
+              <a:solidFill>
+                <a:schemeClr val="bg1"/>
+              </a:solidFill>
+              <a:latin typeface="Calibri" panose="020F0502020204030204" pitchFamily="34" charset="0"/>
+              <a:cs typeface="Calibri" panose="020F0502020204030204" pitchFamily="34" charset="0"/>
+            </a:endParaRPr>
+          </a:p>
+        </p:txBody>
+      </p:sp>
+      <p:sp>
+        <p:nvSpPr>
+          <p:cNvPr id="334" name="직사각형 333"/>
+          <p:cNvSpPr/>
+          <p:nvPr/>
+        </p:nvSpPr>
+        <p:spPr>
+          <a:xfrm>
+            <a:off x="1715894" y="2151631"/>
+            <a:ext cx="1342376" cy="3337229"/>
+          </a:xfrm>
+          <a:prstGeom prst="rect">
+            <a:avLst/>
+          </a:prstGeom>
+          <a:solidFill>
+            <a:srgbClr val="F0F3F6"/>
+          </a:solidFill>
+          <a:ln w="9525">
+            <a:solidFill>
+              <a:srgbClr val="E5E7EA"/>
+            </a:solidFill>
+          </a:ln>
+        </p:spPr>
+        <p:style>
+          <a:lnRef idx="2">
+            <a:schemeClr val="accent1">
+              <a:shade val="50000"/>
+            </a:schemeClr>
+          </a:lnRef>
+          <a:fillRef idx="1">
+            <a:schemeClr val="accent1"/>
+          </a:fillRef>
+          <a:effectRef idx="0">
+            <a:schemeClr val="accent1"/>
+          </a:effectRef>
+          <a:fontRef idx="minor">
+            <a:schemeClr val="lt1"/>
+          </a:fontRef>
+        </p:style>
+        <p:txBody>
+          <a:bodyPr rtlCol="0" anchor="ctr"/>
+          <a:lstStyle/>
+          <a:p>
+            <a:pPr algn="ctr"/>
+            <a:endParaRPr lang="ko-KR" altLang="en-US" sz="1350">
+              <a:latin typeface="Calibri" panose="020F0502020204030204" pitchFamily="34" charset="0"/>
+              <a:cs typeface="Calibri" panose="020F0502020204030204" pitchFamily="34" charset="0"/>
+            </a:endParaRPr>
+          </a:p>
+        </p:txBody>
+      </p:sp>
+      <p:sp>
+        <p:nvSpPr>
+          <p:cNvPr id="336" name="직사각형 335"/>
+          <p:cNvSpPr/>
+          <p:nvPr/>
+        </p:nvSpPr>
+        <p:spPr>
+          <a:xfrm>
+            <a:off x="3135551" y="2314188"/>
+            <a:ext cx="4452356" cy="3175789"/>
+          </a:xfrm>
+          <a:prstGeom prst="rect">
+            <a:avLst/>
+          </a:prstGeom>
+          <a:solidFill>
+            <a:srgbClr val="F0F3F6"/>
+          </a:solidFill>
+          <a:ln w="9525">
+            <a:solidFill>
+              <a:srgbClr val="D9D9D9"/>
+            </a:solidFill>
+          </a:ln>
+        </p:spPr>
+        <p:style>
+          <a:lnRef idx="2">
+            <a:schemeClr val="accent1">
+              <a:shade val="50000"/>
+            </a:schemeClr>
+          </a:lnRef>
+          <a:fillRef idx="1">
+            <a:schemeClr val="accent1"/>
+          </a:fillRef>
+          <a:effectRef idx="0">
+            <a:schemeClr val="accent1"/>
+          </a:effectRef>
+          <a:fontRef idx="minor">
+            <a:schemeClr val="lt1"/>
+          </a:fontRef>
+        </p:style>
+        <p:txBody>
+          <a:bodyPr rtlCol="0" anchor="ctr"/>
+          <a:lstStyle/>
+          <a:p>
+            <a:pPr algn="ctr"/>
+            <a:endParaRPr lang="ko-KR" altLang="en-US" sz="1350">
+              <a:latin typeface="Calibri" panose="020F0502020204030204" pitchFamily="34" charset="0"/>
+              <a:cs typeface="Calibri" panose="020F0502020204030204" pitchFamily="34" charset="0"/>
+            </a:endParaRPr>
+          </a:p>
+        </p:txBody>
+      </p:sp>
+      <p:sp>
+        <p:nvSpPr>
+          <p:cNvPr id="337" name="직사각형 336"/>
+          <p:cNvSpPr/>
+          <p:nvPr/>
+        </p:nvSpPr>
+        <p:spPr>
+          <a:xfrm>
+            <a:off x="1708167" y="1917874"/>
+            <a:ext cx="5879741" cy="204587"/>
+          </a:xfrm>
+          <a:prstGeom prst="rect">
+            <a:avLst/>
+          </a:prstGeom>
+          <a:solidFill>
+            <a:srgbClr val="222E38"/>
+          </a:solidFill>
+          <a:ln w="9525">
+            <a:solidFill>
+              <a:srgbClr val="222E38"/>
+            </a:solidFill>
+          </a:ln>
+        </p:spPr>
+        <p:style>
+          <a:lnRef idx="2">
+            <a:schemeClr val="accent1">
+              <a:shade val="50000"/>
+            </a:schemeClr>
+          </a:lnRef>
+          <a:fillRef idx="1">
+            <a:schemeClr val="accent1"/>
+          </a:fillRef>
+          <a:effectRef idx="0">
+            <a:schemeClr val="accent1"/>
+          </a:effectRef>
+          <a:fontRef idx="minor">
+            <a:schemeClr val="lt1"/>
+          </a:fontRef>
+        </p:style>
+        <p:txBody>
+          <a:bodyPr rtlCol="0" anchor="ctr"/>
+          <a:lstStyle/>
+          <a:p>
+            <a:pPr algn="ctr"/>
+            <a:r>
+              <a:rPr lang="en-US" altLang="ko-KR" sz="1350" dirty="0">
+                <a:latin typeface="Calibri" panose="020F0502020204030204" pitchFamily="34" charset="0"/>
+                <a:cs typeface="Calibri" panose="020F0502020204030204" pitchFamily="34" charset="0"/>
+              </a:rPr>
+              <a:t>                                                                                                                                                                                                                                                                                                                                                                                                          </a:t>
+            </a:r>
+            <a:endParaRPr lang="ko-KR" altLang="en-US" sz="1350" dirty="0">
+              <a:latin typeface="Calibri" panose="020F0502020204030204" pitchFamily="34" charset="0"/>
+              <a:cs typeface="Calibri" panose="020F0502020204030204" pitchFamily="34" charset="0"/>
+            </a:endParaRPr>
+          </a:p>
+        </p:txBody>
+      </p:sp>
+      <p:sp>
+        <p:nvSpPr>
+          <p:cNvPr id="349" name="직사각형 348"/>
+          <p:cNvSpPr/>
+          <p:nvPr/>
+        </p:nvSpPr>
+        <p:spPr>
+          <a:xfrm>
+            <a:off x="5097113" y="5378827"/>
+            <a:ext cx="115813" cy="94265"/>
+          </a:xfrm>
+          <a:prstGeom prst="rect">
+            <a:avLst/>
+          </a:prstGeom>
+          <a:noFill/>
+          <a:ln>
+            <a:noFill/>
+          </a:ln>
+        </p:spPr>
+        <p:style>
+          <a:lnRef idx="2">
+            <a:schemeClr val="accent1">
+              <a:shade val="50000"/>
+            </a:schemeClr>
+          </a:lnRef>
+          <a:fillRef idx="1">
+            <a:schemeClr val="accent1"/>
+          </a:fillRef>
+          <a:effectRef idx="0">
+            <a:schemeClr val="accent1"/>
+          </a:effectRef>
+          <a:fontRef idx="minor">
+            <a:schemeClr val="lt1"/>
+          </a:fontRef>
+        </p:style>
+        <p:txBody>
+          <a:bodyPr rtlCol="0" anchor="ctr"/>
+          <a:lstStyle/>
+          <a:p>
+            <a:pPr algn="ctr"/>
+            <a:r>
+              <a:rPr lang="en-US" altLang="ko-KR" sz="525" b="1" u="sng" dirty="0">
+                <a:solidFill>
+                  <a:schemeClr val="tx2"/>
+                </a:solidFill>
+                <a:latin typeface="Calibri" panose="020F0502020204030204" pitchFamily="34" charset="0"/>
+                <a:cs typeface="Calibri" panose="020F0502020204030204" pitchFamily="34" charset="0"/>
+              </a:rPr>
+              <a:t>1</a:t>
+            </a:r>
+            <a:endParaRPr lang="ko-KR" altLang="en-US" sz="525" b="1" u="sng" dirty="0">
+              <a:solidFill>
+                <a:schemeClr val="tx2"/>
+              </a:solidFill>
+              <a:latin typeface="Calibri" panose="020F0502020204030204" pitchFamily="34" charset="0"/>
+              <a:cs typeface="Calibri" panose="020F0502020204030204" pitchFamily="34" charset="0"/>
+            </a:endParaRPr>
+          </a:p>
+        </p:txBody>
+      </p:sp>
+      <p:sp>
+        <p:nvSpPr>
+          <p:cNvPr id="350" name="직사각형 349"/>
+          <p:cNvSpPr/>
+          <p:nvPr/>
+        </p:nvSpPr>
+        <p:spPr>
+          <a:xfrm>
+            <a:off x="5173278" y="5378827"/>
+            <a:ext cx="115813" cy="94265"/>
+          </a:xfrm>
+          <a:prstGeom prst="rect">
+            <a:avLst/>
+          </a:prstGeom>
+          <a:noFill/>
+          <a:ln>
+            <a:noFill/>
+          </a:ln>
+        </p:spPr>
+        <p:style>
+          <a:lnRef idx="2">
+            <a:schemeClr val="accent1">
+              <a:shade val="50000"/>
+            </a:schemeClr>
+          </a:lnRef>
+          <a:fillRef idx="1">
+            <a:schemeClr val="accent1"/>
+          </a:fillRef>
+          <a:effectRef idx="0">
+            <a:schemeClr val="accent1"/>
+          </a:effectRef>
+          <a:fontRef idx="minor">
+            <a:schemeClr val="lt1"/>
+          </a:fontRef>
+        </p:style>
+        <p:txBody>
+          <a:bodyPr rtlCol="0" anchor="ctr"/>
+          <a:lstStyle/>
+          <a:p>
+            <a:pPr algn="ctr"/>
+            <a:r>
+              <a:rPr lang="en-US" altLang="ko-KR" sz="525" b="1" dirty="0">
+                <a:solidFill>
+                  <a:schemeClr val="bg2">
+                    <a:lumMod val="50000"/>
+                  </a:schemeClr>
+                </a:solidFill>
+                <a:latin typeface="Calibri" panose="020F0502020204030204" pitchFamily="34" charset="0"/>
+                <a:cs typeface="Calibri" panose="020F0502020204030204" pitchFamily="34" charset="0"/>
+              </a:rPr>
+              <a:t>2</a:t>
+            </a:r>
+            <a:endParaRPr lang="ko-KR" altLang="en-US" sz="525" b="1" dirty="0">
+              <a:solidFill>
+                <a:schemeClr val="bg2">
+                  <a:lumMod val="50000"/>
+                </a:schemeClr>
+              </a:solidFill>
+              <a:latin typeface="Calibri" panose="020F0502020204030204" pitchFamily="34" charset="0"/>
+              <a:cs typeface="Calibri" panose="020F0502020204030204" pitchFamily="34" charset="0"/>
+            </a:endParaRPr>
+          </a:p>
+        </p:txBody>
+      </p:sp>
+      <p:sp>
+        <p:nvSpPr>
+          <p:cNvPr id="351" name="직사각형 350"/>
+          <p:cNvSpPr/>
+          <p:nvPr/>
+        </p:nvSpPr>
+        <p:spPr>
+          <a:xfrm>
+            <a:off x="5247482" y="5378827"/>
+            <a:ext cx="115813" cy="94265"/>
+          </a:xfrm>
+          <a:prstGeom prst="rect">
+            <a:avLst/>
+          </a:prstGeom>
+          <a:noFill/>
+          <a:ln>
+            <a:noFill/>
+          </a:ln>
+        </p:spPr>
+        <p:style>
+          <a:lnRef idx="2">
+            <a:schemeClr val="accent1">
+              <a:shade val="50000"/>
+            </a:schemeClr>
+          </a:lnRef>
+          <a:fillRef idx="1">
+            <a:schemeClr val="accent1"/>
+          </a:fillRef>
+          <a:effectRef idx="0">
+            <a:schemeClr val="accent1"/>
+          </a:effectRef>
+          <a:fontRef idx="minor">
+            <a:schemeClr val="lt1"/>
+          </a:fontRef>
+        </p:style>
+        <p:txBody>
+          <a:bodyPr rtlCol="0" anchor="ctr"/>
+          <a:lstStyle/>
+          <a:p>
+            <a:pPr algn="ctr"/>
+            <a:r>
+              <a:rPr lang="en-US" altLang="ko-KR" sz="525" b="1" dirty="0">
+                <a:solidFill>
+                  <a:schemeClr val="bg2">
+                    <a:lumMod val="50000"/>
+                  </a:schemeClr>
+                </a:solidFill>
+                <a:latin typeface="Calibri" panose="020F0502020204030204" pitchFamily="34" charset="0"/>
+                <a:cs typeface="Calibri" panose="020F0502020204030204" pitchFamily="34" charset="0"/>
+              </a:rPr>
+              <a:t>3</a:t>
+            </a:r>
+            <a:endParaRPr lang="ko-KR" altLang="en-US" sz="525" b="1" dirty="0">
+              <a:solidFill>
+                <a:schemeClr val="bg2">
+                  <a:lumMod val="50000"/>
+                </a:schemeClr>
+              </a:solidFill>
+              <a:latin typeface="Calibri" panose="020F0502020204030204" pitchFamily="34" charset="0"/>
+              <a:cs typeface="Calibri" panose="020F0502020204030204" pitchFamily="34" charset="0"/>
+            </a:endParaRPr>
+          </a:p>
+        </p:txBody>
+      </p:sp>
+      <p:pic>
+        <p:nvPicPr>
+          <p:cNvPr id="352" name="Picture 2" descr="Next, next arrow, next button, next circle, next icon icon"/>
+          <p:cNvPicPr>
+            <a:picLocks noChangeAspect="1" noChangeArrowheads="1"/>
+          </p:cNvPicPr>
+          <p:nvPr/>
+        </p:nvPicPr>
+        <p:blipFill>
+          <a:blip r:embed="rId3" cstate="print">
+            <a:extLst>
+              <a:ext uri="{28A0092B-C50C-407E-A947-70E740481C1C}">
+                <a14:useLocalDpi xmlns:a14="http://schemas.microsoft.com/office/drawing/2010/main" val="0"/>
+              </a:ext>
+            </a:extLst>
+          </a:blip>
+          <a:srcRect/>
+          <a:stretch>
+            <a:fillRect/>
+          </a:stretch>
+        </p:blipFill>
+        <p:spPr bwMode="auto">
+          <a:xfrm>
+            <a:off x="5359906" y="5398819"/>
+            <a:ext cx="59255" cy="59255"/>
+          </a:xfrm>
+          <a:prstGeom prst="rect">
+            <a:avLst/>
+          </a:prstGeom>
+          <a:noFill/>
+          <a:extLst>
+            <a:ext uri="{909E8E84-426E-40DD-AFC4-6F175D3DCCD1}">
+              <a14:hiddenFill xmlns:a14="http://schemas.microsoft.com/office/drawing/2010/main">
+                <a:solidFill>
+                  <a:srgbClr val="FFFFFF"/>
+                </a:solidFill>
+              </a14:hiddenFill>
+            </a:ext>
+          </a:extLst>
+        </p:spPr>
+      </p:pic>
+      <p:sp>
+        <p:nvSpPr>
+          <p:cNvPr id="402" name="TextBox 401"/>
+          <p:cNvSpPr txBox="1"/>
+          <p:nvPr/>
+        </p:nvSpPr>
+        <p:spPr>
+          <a:xfrm>
+            <a:off x="3168819" y="2320554"/>
+            <a:ext cx="1708236" cy="207749"/>
+          </a:xfrm>
+          <a:prstGeom prst="rect">
+            <a:avLst/>
+          </a:prstGeom>
+          <a:noFill/>
+        </p:spPr>
+        <p:txBody>
+          <a:bodyPr wrap="square" rtlCol="0">
+            <a:spAutoFit/>
+          </a:bodyPr>
+          <a:lstStyle/>
+          <a:p>
+            <a:r>
+              <a:rPr lang="en-US" altLang="ko-KR" sz="750" b="1" dirty="0" smtClean="0">
+                <a:latin typeface="Calibri" panose="020F0502020204030204" pitchFamily="34" charset="0"/>
+                <a:cs typeface="Calibri" panose="020F0502020204030204" pitchFamily="34" charset="0"/>
+              </a:rPr>
+              <a:t>N-way K-shot Tasks</a:t>
+            </a:r>
+            <a:endParaRPr lang="ko-KR" altLang="en-US" sz="750" b="1" dirty="0">
+              <a:latin typeface="Calibri" panose="020F0502020204030204" pitchFamily="34" charset="0"/>
+              <a:cs typeface="Calibri" panose="020F0502020204030204" pitchFamily="34" charset="0"/>
+            </a:endParaRPr>
+          </a:p>
+        </p:txBody>
+      </p:sp>
+      <p:cxnSp>
+        <p:nvCxnSpPr>
+          <p:cNvPr id="403" name="직선 연결선 402"/>
+          <p:cNvCxnSpPr/>
+          <p:nvPr/>
+        </p:nvCxnSpPr>
+        <p:spPr>
+          <a:xfrm>
+            <a:off x="3175547" y="2477051"/>
+            <a:ext cx="4371320" cy="0"/>
+          </a:xfrm>
+          <a:prstGeom prst="line">
+            <a:avLst/>
+          </a:prstGeom>
+          <a:ln w="6350">
+            <a:solidFill>
+              <a:schemeClr val="bg2">
+                <a:lumMod val="75000"/>
+              </a:schemeClr>
+            </a:solidFill>
+          </a:ln>
+        </p:spPr>
+        <p:style>
+          <a:lnRef idx="1">
+            <a:schemeClr val="accent1"/>
+          </a:lnRef>
+          <a:fillRef idx="0">
+            <a:schemeClr val="accent1"/>
+          </a:fillRef>
+          <a:effectRef idx="0">
+            <a:schemeClr val="accent1"/>
+          </a:effectRef>
+          <a:fontRef idx="minor">
+            <a:schemeClr val="tx1"/>
+          </a:fontRef>
+        </p:style>
+      </p:cxnSp>
+      <p:sp>
+        <p:nvSpPr>
+          <p:cNvPr id="410" name="직사각형 409"/>
+          <p:cNvSpPr/>
+          <p:nvPr/>
+        </p:nvSpPr>
+        <p:spPr>
+          <a:xfrm>
+            <a:off x="3253771" y="2712764"/>
+            <a:ext cx="4136985" cy="2627313"/>
+          </a:xfrm>
+          <a:prstGeom prst="rect">
+            <a:avLst/>
+          </a:prstGeom>
+          <a:solidFill>
+            <a:schemeClr val="bg1"/>
+          </a:solidFill>
+          <a:ln w="6350">
+            <a:solidFill>
+              <a:srgbClr val="D9D9D9"/>
+            </a:solidFill>
+          </a:ln>
+        </p:spPr>
+        <p:style>
+          <a:lnRef idx="2">
+            <a:schemeClr val="accent1">
+              <a:shade val="50000"/>
+            </a:schemeClr>
+          </a:lnRef>
+          <a:fillRef idx="1">
+            <a:schemeClr val="accent1"/>
+          </a:fillRef>
+          <a:effectRef idx="0">
+            <a:schemeClr val="accent1"/>
+          </a:effectRef>
+          <a:fontRef idx="minor">
+            <a:schemeClr val="lt1"/>
+          </a:fontRef>
+        </p:style>
+        <p:txBody>
+          <a:bodyPr rtlCol="0" anchor="ctr"/>
+          <a:lstStyle/>
+          <a:p>
+            <a:pPr algn="ctr"/>
+            <a:endParaRPr lang="ko-KR" altLang="en-US" sz="1350">
+              <a:latin typeface="Calibri" panose="020F0502020204030204" pitchFamily="34" charset="0"/>
+              <a:cs typeface="Calibri" panose="020F0502020204030204" pitchFamily="34" charset="0"/>
+            </a:endParaRPr>
+          </a:p>
+        </p:txBody>
+      </p:sp>
+      <p:sp>
+        <p:nvSpPr>
+          <p:cNvPr id="411" name="TextBox 410"/>
+          <p:cNvSpPr txBox="1"/>
+          <p:nvPr/>
+        </p:nvSpPr>
+        <p:spPr>
+          <a:xfrm>
+            <a:off x="3220064" y="3740415"/>
+            <a:ext cx="409462" cy="196208"/>
+          </a:xfrm>
+          <a:prstGeom prst="rect">
+            <a:avLst/>
+          </a:prstGeom>
+          <a:noFill/>
+        </p:spPr>
+        <p:txBody>
+          <a:bodyPr wrap="square" rtlCol="0">
+            <a:spAutoFit/>
+          </a:bodyPr>
+          <a:lstStyle/>
+          <a:p>
+            <a:pPr algn="ctr"/>
+            <a:r>
+              <a:rPr lang="en-US" altLang="ko-KR" sz="675" dirty="0">
+                <a:latin typeface="Calibri" panose="020F0502020204030204" pitchFamily="34" charset="0"/>
+                <a:cs typeface="Calibri" panose="020F0502020204030204" pitchFamily="34" charset="0"/>
+              </a:rPr>
+              <a:t>task 1</a:t>
+            </a:r>
+            <a:endParaRPr lang="ko-KR" altLang="en-US" sz="675" dirty="0">
+              <a:latin typeface="Calibri" panose="020F0502020204030204" pitchFamily="34" charset="0"/>
+              <a:cs typeface="Calibri" panose="020F0502020204030204" pitchFamily="34" charset="0"/>
+            </a:endParaRPr>
+          </a:p>
+        </p:txBody>
+      </p:sp>
+      <p:sp>
+        <p:nvSpPr>
+          <p:cNvPr id="414" name="직사각형 413"/>
+          <p:cNvSpPr/>
+          <p:nvPr/>
+        </p:nvSpPr>
+        <p:spPr>
+          <a:xfrm>
+            <a:off x="7394229" y="2720176"/>
+            <a:ext cx="77689" cy="2620358"/>
+          </a:xfrm>
+          <a:prstGeom prst="rect">
+            <a:avLst/>
+          </a:prstGeom>
+          <a:solidFill>
+            <a:srgbClr val="E5E7EA"/>
+          </a:solidFill>
+          <a:ln>
+            <a:solidFill>
+              <a:srgbClr val="E5E7EA"/>
+            </a:solidFill>
+          </a:ln>
+        </p:spPr>
+        <p:style>
+          <a:lnRef idx="2">
+            <a:schemeClr val="accent1">
+              <a:shade val="50000"/>
+            </a:schemeClr>
+          </a:lnRef>
+          <a:fillRef idx="1">
+            <a:schemeClr val="accent1"/>
+          </a:fillRef>
+          <a:effectRef idx="0">
+            <a:schemeClr val="accent1"/>
+          </a:effectRef>
+          <a:fontRef idx="minor">
+            <a:schemeClr val="lt1"/>
+          </a:fontRef>
+        </p:style>
+        <p:txBody>
+          <a:bodyPr rtlCol="0" anchor="ctr"/>
+          <a:lstStyle/>
+          <a:p>
+            <a:pPr algn="ctr"/>
+            <a:endParaRPr lang="ko-KR" altLang="en-US" sz="1350"/>
+          </a:p>
+        </p:txBody>
+      </p:sp>
+      <p:sp>
+        <p:nvSpPr>
+          <p:cNvPr id="415" name="모서리가 둥근 직사각형 414"/>
+          <p:cNvSpPr/>
+          <p:nvPr/>
+        </p:nvSpPr>
+        <p:spPr>
+          <a:xfrm>
+            <a:off x="7398247" y="2870258"/>
+            <a:ext cx="65669" cy="1152576"/>
+          </a:xfrm>
+          <a:prstGeom prst="roundRect">
+            <a:avLst/>
+          </a:prstGeom>
+          <a:solidFill>
+            <a:schemeClr val="tx2">
+              <a:lumMod val="40000"/>
+              <a:lumOff val="60000"/>
+            </a:schemeClr>
+          </a:solidFill>
+          <a:ln w="3175">
+            <a:solidFill>
+              <a:schemeClr val="tx2">
+                <a:lumMod val="40000"/>
+                <a:lumOff val="60000"/>
+              </a:schemeClr>
+            </a:solidFill>
+          </a:ln>
+        </p:spPr>
+        <p:style>
+          <a:lnRef idx="2">
+            <a:schemeClr val="accent1">
+              <a:shade val="50000"/>
+            </a:schemeClr>
+          </a:lnRef>
+          <a:fillRef idx="1">
+            <a:schemeClr val="accent1"/>
+          </a:fillRef>
+          <a:effectRef idx="0">
+            <a:schemeClr val="accent1"/>
+          </a:effectRef>
+          <a:fontRef idx="minor">
+            <a:schemeClr val="lt1"/>
+          </a:fontRef>
+        </p:style>
+        <p:txBody>
+          <a:bodyPr rtlCol="0" anchor="ctr"/>
+          <a:lstStyle/>
+          <a:p>
+            <a:pPr algn="ctr"/>
+            <a:endParaRPr lang="ko-KR" altLang="en-US" sz="1350"/>
+          </a:p>
+        </p:txBody>
+      </p:sp>
+      <p:sp>
+        <p:nvSpPr>
+          <p:cNvPr id="417" name="직사각형 416"/>
+          <p:cNvSpPr/>
+          <p:nvPr/>
+        </p:nvSpPr>
+        <p:spPr>
+          <a:xfrm>
+            <a:off x="3254084" y="2709802"/>
+            <a:ext cx="4212536" cy="140741"/>
+          </a:xfrm>
+          <a:prstGeom prst="rect">
+            <a:avLst/>
+          </a:prstGeom>
+          <a:solidFill>
+            <a:schemeClr val="tx2">
+              <a:lumMod val="20000"/>
+              <a:lumOff val="80000"/>
+            </a:schemeClr>
+          </a:solidFill>
+          <a:ln w="3175">
+            <a:solidFill>
+              <a:schemeClr val="tx2">
+                <a:lumMod val="40000"/>
+                <a:lumOff val="60000"/>
+              </a:schemeClr>
+            </a:solidFill>
+          </a:ln>
+        </p:spPr>
+        <p:style>
+          <a:lnRef idx="2">
+            <a:schemeClr val="accent1">
+              <a:shade val="50000"/>
+            </a:schemeClr>
+          </a:lnRef>
+          <a:fillRef idx="1">
+            <a:schemeClr val="accent1"/>
+          </a:fillRef>
+          <a:effectRef idx="0">
+            <a:schemeClr val="accent1"/>
+          </a:effectRef>
+          <a:fontRef idx="minor">
+            <a:schemeClr val="lt1"/>
+          </a:fontRef>
+        </p:style>
+        <p:txBody>
+          <a:bodyPr rtlCol="0" anchor="ctr"/>
+          <a:lstStyle/>
+          <a:p>
+            <a:pPr algn="ctr"/>
+            <a:endParaRPr lang="ko-KR" altLang="en-US" sz="1350"/>
+          </a:p>
+        </p:txBody>
+      </p:sp>
+      <p:sp>
+        <p:nvSpPr>
+          <p:cNvPr id="418" name="TextBox 417"/>
+          <p:cNvSpPr txBox="1"/>
+          <p:nvPr/>
+        </p:nvSpPr>
+        <p:spPr>
+          <a:xfrm>
+            <a:off x="4180671" y="2696608"/>
+            <a:ext cx="694617" cy="196208"/>
+          </a:xfrm>
+          <a:prstGeom prst="rect">
+            <a:avLst/>
+          </a:prstGeom>
+          <a:noFill/>
+        </p:spPr>
+        <p:txBody>
+          <a:bodyPr wrap="square" rtlCol="0">
+            <a:spAutoFit/>
+          </a:bodyPr>
+          <a:lstStyle/>
+          <a:p>
+            <a:pPr algn="ctr"/>
+            <a:r>
+              <a:rPr lang="en-US" altLang="ko-KR" sz="675" b="1" dirty="0">
+                <a:latin typeface="Calibri" panose="020F0502020204030204" pitchFamily="34" charset="0"/>
+                <a:cs typeface="Calibri" panose="020F0502020204030204" pitchFamily="34" charset="0"/>
+              </a:rPr>
+              <a:t>Support set</a:t>
+            </a:r>
+            <a:endParaRPr lang="ko-KR" altLang="en-US" sz="675" b="1" dirty="0">
+              <a:latin typeface="Calibri" panose="020F0502020204030204" pitchFamily="34" charset="0"/>
+              <a:cs typeface="Calibri" panose="020F0502020204030204" pitchFamily="34" charset="0"/>
+            </a:endParaRPr>
+          </a:p>
+        </p:txBody>
+      </p:sp>
+      <p:sp>
+        <p:nvSpPr>
+          <p:cNvPr id="419" name="TextBox 418"/>
+          <p:cNvSpPr txBox="1"/>
+          <p:nvPr/>
+        </p:nvSpPr>
+        <p:spPr>
+          <a:xfrm>
+            <a:off x="3230472" y="2705951"/>
+            <a:ext cx="352891" cy="169277"/>
+          </a:xfrm>
+          <a:prstGeom prst="rect">
+            <a:avLst/>
+          </a:prstGeom>
+          <a:noFill/>
+        </p:spPr>
+        <p:txBody>
+          <a:bodyPr wrap="square" rtlCol="0">
+            <a:spAutoFit/>
+          </a:bodyPr>
+          <a:lstStyle/>
+          <a:p>
+            <a:pPr algn="ctr"/>
+            <a:r>
+              <a:rPr lang="en-US" altLang="ko-KR" sz="500" b="1" dirty="0">
+                <a:latin typeface="Calibri" panose="020F0502020204030204" pitchFamily="34" charset="0"/>
+                <a:cs typeface="Calibri" panose="020F0502020204030204" pitchFamily="34" charset="0"/>
+              </a:rPr>
+              <a:t>Tasks</a:t>
+            </a:r>
+            <a:endParaRPr lang="ko-KR" altLang="en-US" sz="500" b="1" dirty="0">
+              <a:latin typeface="Calibri" panose="020F0502020204030204" pitchFamily="34" charset="0"/>
+              <a:cs typeface="Calibri" panose="020F0502020204030204" pitchFamily="34" charset="0"/>
+            </a:endParaRPr>
+          </a:p>
+        </p:txBody>
+      </p:sp>
+      <p:cxnSp>
+        <p:nvCxnSpPr>
+          <p:cNvPr id="421" name="직선 연결선 420"/>
+          <p:cNvCxnSpPr/>
+          <p:nvPr/>
+        </p:nvCxnSpPr>
+        <p:spPr>
+          <a:xfrm>
+            <a:off x="3583363" y="2705570"/>
+            <a:ext cx="0" cy="2605500"/>
+          </a:xfrm>
+          <a:prstGeom prst="line">
+            <a:avLst/>
+          </a:prstGeom>
+          <a:ln w="3175">
+            <a:solidFill>
+              <a:schemeClr val="tx1">
+                <a:lumMod val="75000"/>
+                <a:lumOff val="25000"/>
+              </a:schemeClr>
+            </a:solidFill>
+          </a:ln>
+        </p:spPr>
+        <p:style>
+          <a:lnRef idx="1">
+            <a:schemeClr val="accent1"/>
+          </a:lnRef>
+          <a:fillRef idx="0">
+            <a:schemeClr val="accent1"/>
+          </a:fillRef>
+          <a:effectRef idx="0">
+            <a:schemeClr val="accent1"/>
+          </a:effectRef>
+          <a:fontRef idx="minor">
+            <a:schemeClr val="tx1"/>
+          </a:fontRef>
+        </p:style>
+      </p:cxnSp>
+      <p:cxnSp>
+        <p:nvCxnSpPr>
+          <p:cNvPr id="427" name="직선 연결선 426"/>
+          <p:cNvCxnSpPr/>
+          <p:nvPr/>
+        </p:nvCxnSpPr>
+        <p:spPr>
+          <a:xfrm>
+            <a:off x="4087627" y="2849919"/>
+            <a:ext cx="0" cy="2484000"/>
+          </a:xfrm>
+          <a:prstGeom prst="line">
+            <a:avLst/>
+          </a:prstGeom>
+          <a:ln w="6350">
+            <a:solidFill>
+              <a:schemeClr val="bg2">
+                <a:lumMod val="75000"/>
+              </a:schemeClr>
+            </a:solidFill>
+            <a:prstDash val="sysDot"/>
+          </a:ln>
+        </p:spPr>
+        <p:style>
+          <a:lnRef idx="1">
+            <a:schemeClr val="accent1"/>
+          </a:lnRef>
+          <a:fillRef idx="0">
+            <a:schemeClr val="accent1"/>
+          </a:fillRef>
+          <a:effectRef idx="0">
+            <a:schemeClr val="accent1"/>
+          </a:effectRef>
+          <a:fontRef idx="minor">
+            <a:schemeClr val="tx1"/>
+          </a:fontRef>
+        </p:style>
+      </p:cxnSp>
+      <p:pic>
+        <p:nvPicPr>
+          <p:cNvPr id="10" name="그림 9"/>
+          <p:cNvPicPr>
+            <a:picLocks noChangeAspect="1"/>
+          </p:cNvPicPr>
+          <p:nvPr/>
+        </p:nvPicPr>
+        <p:blipFill>
+          <a:blip r:embed="rId4">
+            <a:extLst>
+              <a:ext uri="{28A0092B-C50C-407E-A947-70E740481C1C}">
+                <a14:useLocalDpi xmlns:a14="http://schemas.microsoft.com/office/drawing/2010/main" val="0"/>
+              </a:ext>
+            </a:extLst>
+          </a:blip>
+          <a:stretch>
+            <a:fillRect/>
+          </a:stretch>
+        </p:blipFill>
+        <p:spPr>
+          <a:xfrm>
+            <a:off x="4739274" y="4018212"/>
+            <a:ext cx="360000" cy="360000"/>
+          </a:xfrm>
+          <a:prstGeom prst="rect">
+            <a:avLst/>
+          </a:prstGeom>
+        </p:spPr>
+      </p:pic>
+      <p:pic>
+        <p:nvPicPr>
+          <p:cNvPr id="21" name="그림 20"/>
+          <p:cNvPicPr>
+            <a:picLocks noChangeAspect="1"/>
+          </p:cNvPicPr>
+          <p:nvPr/>
+        </p:nvPicPr>
+        <p:blipFill>
+          <a:blip r:embed="rId5">
+            <a:extLst>
+              <a:ext uri="{28A0092B-C50C-407E-A947-70E740481C1C}">
+                <a14:useLocalDpi xmlns:a14="http://schemas.microsoft.com/office/drawing/2010/main" val="0"/>
+              </a:ext>
+            </a:extLst>
+          </a:blip>
+          <a:stretch>
+            <a:fillRect/>
+          </a:stretch>
+        </p:blipFill>
+        <p:spPr>
+          <a:xfrm>
+            <a:off x="4743116" y="4389939"/>
+            <a:ext cx="360000" cy="360000"/>
+          </a:xfrm>
+          <a:prstGeom prst="rect">
+            <a:avLst/>
+          </a:prstGeom>
+        </p:spPr>
+      </p:pic>
+      <p:pic>
+        <p:nvPicPr>
+          <p:cNvPr id="22" name="그림 21"/>
+          <p:cNvPicPr>
+            <a:picLocks noChangeAspect="1"/>
+          </p:cNvPicPr>
+          <p:nvPr/>
+        </p:nvPicPr>
+        <p:blipFill>
+          <a:blip r:embed="rId6">
+            <a:extLst>
+              <a:ext uri="{28A0092B-C50C-407E-A947-70E740481C1C}">
+                <a14:useLocalDpi xmlns:a14="http://schemas.microsoft.com/office/drawing/2010/main" val="0"/>
+              </a:ext>
+            </a:extLst>
+          </a:blip>
+          <a:stretch>
+            <a:fillRect/>
+          </a:stretch>
+        </p:blipFill>
+        <p:spPr>
+          <a:xfrm>
+            <a:off x="4739917" y="3642413"/>
+            <a:ext cx="360000" cy="360000"/>
+          </a:xfrm>
+          <a:prstGeom prst="rect">
+            <a:avLst/>
+          </a:prstGeom>
+        </p:spPr>
+      </p:pic>
+      <p:sp>
+        <p:nvSpPr>
+          <p:cNvPr id="142" name="TextBox 141"/>
+          <p:cNvSpPr txBox="1"/>
+          <p:nvPr/>
+        </p:nvSpPr>
+        <p:spPr>
+          <a:xfrm>
+            <a:off x="3220064" y="4959614"/>
+            <a:ext cx="409462" cy="196208"/>
+          </a:xfrm>
+          <a:prstGeom prst="rect">
+            <a:avLst/>
+          </a:prstGeom>
+          <a:noFill/>
+        </p:spPr>
+        <p:txBody>
+          <a:bodyPr wrap="square" rtlCol="0">
+            <a:spAutoFit/>
+          </a:bodyPr>
+          <a:lstStyle/>
+          <a:p>
+            <a:pPr algn="ctr"/>
+            <a:r>
+              <a:rPr lang="en-US" altLang="ko-KR" sz="675" dirty="0">
+                <a:latin typeface="Calibri" panose="020F0502020204030204" pitchFamily="34" charset="0"/>
+                <a:cs typeface="Calibri" panose="020F0502020204030204" pitchFamily="34" charset="0"/>
+              </a:rPr>
+              <a:t>task 2</a:t>
+            </a:r>
+            <a:endParaRPr lang="ko-KR" altLang="en-US" sz="675" dirty="0">
+              <a:latin typeface="Calibri" panose="020F0502020204030204" pitchFamily="34" charset="0"/>
+              <a:cs typeface="Calibri" panose="020F0502020204030204" pitchFamily="34" charset="0"/>
+            </a:endParaRPr>
+          </a:p>
+        </p:txBody>
+      </p:sp>
+      <p:cxnSp>
+        <p:nvCxnSpPr>
+          <p:cNvPr id="148" name="직선 연결선 147"/>
+          <p:cNvCxnSpPr/>
+          <p:nvPr/>
+        </p:nvCxnSpPr>
+        <p:spPr>
+          <a:xfrm>
+            <a:off x="3259755" y="4787296"/>
+            <a:ext cx="4131000" cy="0"/>
+          </a:xfrm>
+          <a:prstGeom prst="line">
+            <a:avLst/>
+          </a:prstGeom>
+          <a:ln>
+            <a:solidFill>
+              <a:schemeClr val="tx1"/>
+            </a:solidFill>
+            <a:prstDash val="sysDot"/>
+          </a:ln>
+        </p:spPr>
+        <p:style>
+          <a:lnRef idx="1">
+            <a:schemeClr val="accent1"/>
+          </a:lnRef>
+          <a:fillRef idx="0">
+            <a:schemeClr val="accent1"/>
+          </a:fillRef>
+          <a:effectRef idx="0">
+            <a:schemeClr val="accent1"/>
+          </a:effectRef>
+          <a:fontRef idx="minor">
+            <a:schemeClr val="tx1"/>
+          </a:fontRef>
+        </p:style>
+      </p:cxnSp>
+      <p:cxnSp>
+        <p:nvCxnSpPr>
+          <p:cNvPr id="149" name="직선 연결선 148"/>
+          <p:cNvCxnSpPr/>
+          <p:nvPr/>
+        </p:nvCxnSpPr>
+        <p:spPr>
+          <a:xfrm>
+            <a:off x="3259755" y="5318263"/>
+            <a:ext cx="4131000" cy="0"/>
+          </a:xfrm>
+          <a:prstGeom prst="line">
+            <a:avLst/>
+          </a:prstGeom>
+          <a:ln>
+            <a:solidFill>
+              <a:schemeClr val="tx1"/>
+            </a:solidFill>
+            <a:prstDash val="sysDot"/>
+          </a:ln>
+        </p:spPr>
+        <p:style>
+          <a:lnRef idx="1">
+            <a:schemeClr val="accent1"/>
+          </a:lnRef>
+          <a:fillRef idx="0">
+            <a:schemeClr val="accent1"/>
+          </a:fillRef>
+          <a:effectRef idx="0">
+            <a:schemeClr val="accent1"/>
+          </a:effectRef>
+          <a:fontRef idx="minor">
+            <a:schemeClr val="tx1"/>
+          </a:fontRef>
+        </p:style>
+      </p:cxnSp>
+      <p:pic>
+        <p:nvPicPr>
+          <p:cNvPr id="152" name="그림 151"/>
+          <p:cNvPicPr>
+            <a:picLocks noChangeAspect="1"/>
+          </p:cNvPicPr>
+          <p:nvPr/>
+        </p:nvPicPr>
+        <p:blipFill>
+          <a:blip r:embed="rId7">
+            <a:extLst>
+              <a:ext uri="{28A0092B-C50C-407E-A947-70E740481C1C}">
+                <a14:useLocalDpi xmlns:a14="http://schemas.microsoft.com/office/drawing/2010/main" val="0"/>
+              </a:ext>
+            </a:extLst>
+          </a:blip>
+          <a:stretch>
+            <a:fillRect/>
+          </a:stretch>
+        </p:blipFill>
+        <p:spPr>
+          <a:xfrm>
+            <a:off x="4738877" y="2879580"/>
+            <a:ext cx="360000" cy="360000"/>
+          </a:xfrm>
+          <a:prstGeom prst="rect">
+            <a:avLst/>
+          </a:prstGeom>
+        </p:spPr>
+      </p:pic>
+      <p:pic>
+        <p:nvPicPr>
+          <p:cNvPr id="153" name="그림 152"/>
+          <p:cNvPicPr>
+            <a:picLocks noChangeAspect="1"/>
+          </p:cNvPicPr>
+          <p:nvPr/>
+        </p:nvPicPr>
+        <p:blipFill>
+          <a:blip r:embed="rId8">
+            <a:extLst>
+              <a:ext uri="{28A0092B-C50C-407E-A947-70E740481C1C}">
+                <a14:useLocalDpi xmlns:a14="http://schemas.microsoft.com/office/drawing/2010/main" val="0"/>
+              </a:ext>
+            </a:extLst>
+          </a:blip>
+          <a:stretch>
+            <a:fillRect/>
+          </a:stretch>
+        </p:blipFill>
+        <p:spPr>
+          <a:xfrm>
+            <a:off x="4738877" y="3263359"/>
+            <a:ext cx="360000" cy="360000"/>
+          </a:xfrm>
+          <a:prstGeom prst="rect">
+            <a:avLst/>
+          </a:prstGeom>
+        </p:spPr>
+      </p:pic>
+      <p:cxnSp>
+        <p:nvCxnSpPr>
+          <p:cNvPr id="160" name="직선 연결선 159"/>
+          <p:cNvCxnSpPr/>
+          <p:nvPr/>
+        </p:nvCxnSpPr>
+        <p:spPr>
+          <a:xfrm>
+            <a:off x="5489054" y="2720084"/>
+            <a:ext cx="0" cy="2605500"/>
+          </a:xfrm>
+          <a:prstGeom prst="line">
+            <a:avLst/>
+          </a:prstGeom>
+          <a:ln w="3175">
+            <a:solidFill>
+              <a:schemeClr val="tx1">
+                <a:lumMod val="75000"/>
+                <a:lumOff val="25000"/>
+              </a:schemeClr>
+            </a:solidFill>
+          </a:ln>
+        </p:spPr>
+        <p:style>
+          <a:lnRef idx="1">
+            <a:schemeClr val="accent1"/>
+          </a:lnRef>
+          <a:fillRef idx="0">
+            <a:schemeClr val="accent1"/>
+          </a:fillRef>
+          <a:effectRef idx="0">
+            <a:schemeClr val="accent1"/>
+          </a:effectRef>
+          <a:fontRef idx="minor">
+            <a:schemeClr val="tx1"/>
+          </a:fontRef>
+        </p:style>
+      </p:cxnSp>
+      <p:sp>
+        <p:nvSpPr>
+          <p:cNvPr id="162" name="TextBox 161"/>
+          <p:cNvSpPr txBox="1"/>
+          <p:nvPr/>
+        </p:nvSpPr>
+        <p:spPr>
+          <a:xfrm>
+            <a:off x="6149725" y="2707508"/>
+            <a:ext cx="685931" cy="196208"/>
+          </a:xfrm>
+          <a:prstGeom prst="rect">
+            <a:avLst/>
+          </a:prstGeom>
+          <a:noFill/>
+        </p:spPr>
+        <p:txBody>
+          <a:bodyPr wrap="square" rtlCol="0">
+            <a:spAutoFit/>
+          </a:bodyPr>
+          <a:lstStyle/>
+          <a:p>
+            <a:pPr algn="ctr"/>
+            <a:r>
+              <a:rPr lang="en-US" altLang="ko-KR" sz="675" b="1" dirty="0">
+                <a:latin typeface="Calibri" panose="020F0502020204030204" pitchFamily="34" charset="0"/>
+                <a:cs typeface="Calibri" panose="020F0502020204030204" pitchFamily="34" charset="0"/>
+              </a:rPr>
+              <a:t>Query</a:t>
+            </a:r>
+            <a:endParaRPr lang="ko-KR" altLang="en-US" sz="675" b="1" dirty="0">
+              <a:latin typeface="Calibri" panose="020F0502020204030204" pitchFamily="34" charset="0"/>
+              <a:cs typeface="Calibri" panose="020F0502020204030204" pitchFamily="34" charset="0"/>
+            </a:endParaRPr>
+          </a:p>
+        </p:txBody>
+      </p:sp>
+      <p:pic>
+        <p:nvPicPr>
+          <p:cNvPr id="25" name="그림 24"/>
+          <p:cNvPicPr>
+            <a:picLocks noChangeAspect="1"/>
+          </p:cNvPicPr>
+          <p:nvPr/>
+        </p:nvPicPr>
+        <p:blipFill>
+          <a:blip r:embed="rId9">
+            <a:extLst>
+              <a:ext uri="{28A0092B-C50C-407E-A947-70E740481C1C}">
+                <a14:useLocalDpi xmlns:a14="http://schemas.microsoft.com/office/drawing/2010/main" val="0"/>
+              </a:ext>
+            </a:extLst>
+          </a:blip>
+          <a:stretch>
+            <a:fillRect/>
+          </a:stretch>
+        </p:blipFill>
+        <p:spPr>
+          <a:xfrm>
+            <a:off x="4366991" y="4391476"/>
+            <a:ext cx="360000" cy="360000"/>
+          </a:xfrm>
+          <a:prstGeom prst="rect">
+            <a:avLst/>
+          </a:prstGeom>
+        </p:spPr>
+      </p:pic>
+      <p:pic>
+        <p:nvPicPr>
+          <p:cNvPr id="26" name="그림 25"/>
+          <p:cNvPicPr>
+            <a:picLocks noChangeAspect="1"/>
+          </p:cNvPicPr>
+          <p:nvPr/>
+        </p:nvPicPr>
+        <p:blipFill>
+          <a:blip r:embed="rId10">
+            <a:extLst>
+              <a:ext uri="{28A0092B-C50C-407E-A947-70E740481C1C}">
+                <a14:useLocalDpi xmlns:a14="http://schemas.microsoft.com/office/drawing/2010/main" val="0"/>
+              </a:ext>
+            </a:extLst>
+          </a:blip>
+          <a:stretch>
+            <a:fillRect/>
+          </a:stretch>
+        </p:blipFill>
+        <p:spPr>
+          <a:xfrm>
+            <a:off x="4366991" y="4015875"/>
+            <a:ext cx="360000" cy="360000"/>
+          </a:xfrm>
+          <a:prstGeom prst="rect">
+            <a:avLst/>
+          </a:prstGeom>
+        </p:spPr>
+      </p:pic>
+      <p:pic>
+        <p:nvPicPr>
+          <p:cNvPr id="28" name="그림 27"/>
+          <p:cNvPicPr>
+            <a:picLocks noChangeAspect="1"/>
+          </p:cNvPicPr>
+          <p:nvPr/>
+        </p:nvPicPr>
+        <p:blipFill>
+          <a:blip r:embed="rId11">
+            <a:extLst>
+              <a:ext uri="{28A0092B-C50C-407E-A947-70E740481C1C}">
+                <a14:useLocalDpi xmlns:a14="http://schemas.microsoft.com/office/drawing/2010/main" val="0"/>
+              </a:ext>
+            </a:extLst>
+          </a:blip>
+          <a:stretch>
+            <a:fillRect/>
+          </a:stretch>
+        </p:blipFill>
+        <p:spPr>
+          <a:xfrm>
+            <a:off x="4366991" y="3263411"/>
+            <a:ext cx="360000" cy="360000"/>
+          </a:xfrm>
+          <a:prstGeom prst="rect">
+            <a:avLst/>
+          </a:prstGeom>
+        </p:spPr>
+      </p:pic>
+      <p:pic>
+        <p:nvPicPr>
+          <p:cNvPr id="32" name="그림 31"/>
+          <p:cNvPicPr>
+            <a:picLocks noChangeAspect="1"/>
+          </p:cNvPicPr>
+          <p:nvPr/>
+        </p:nvPicPr>
+        <p:blipFill>
+          <a:blip r:embed="rId12">
+            <a:extLst>
+              <a:ext uri="{28A0092B-C50C-407E-A947-70E740481C1C}">
+                <a14:useLocalDpi xmlns:a14="http://schemas.microsoft.com/office/drawing/2010/main" val="0"/>
+              </a:ext>
+            </a:extLst>
+          </a:blip>
+          <a:stretch>
+            <a:fillRect/>
+          </a:stretch>
+        </p:blipFill>
+        <p:spPr>
+          <a:xfrm>
+            <a:off x="4366991" y="2876488"/>
+            <a:ext cx="360000" cy="360000"/>
+          </a:xfrm>
+          <a:prstGeom prst="rect">
+            <a:avLst/>
+          </a:prstGeom>
+        </p:spPr>
+      </p:pic>
+      <p:pic>
+        <p:nvPicPr>
+          <p:cNvPr id="37" name="그림 36"/>
+          <p:cNvPicPr>
+            <a:picLocks noChangeAspect="1"/>
+          </p:cNvPicPr>
+          <p:nvPr/>
+        </p:nvPicPr>
+        <p:blipFill>
+          <a:blip r:embed="rId13">
+            <a:extLst>
+              <a:ext uri="{28A0092B-C50C-407E-A947-70E740481C1C}">
+                <a14:useLocalDpi xmlns:a14="http://schemas.microsoft.com/office/drawing/2010/main" val="0"/>
+              </a:ext>
+            </a:extLst>
+          </a:blip>
+          <a:stretch>
+            <a:fillRect/>
+          </a:stretch>
+        </p:blipFill>
+        <p:spPr>
+          <a:xfrm>
+            <a:off x="4363556" y="3644148"/>
+            <a:ext cx="360000" cy="360000"/>
+          </a:xfrm>
+          <a:prstGeom prst="rect">
+            <a:avLst/>
+          </a:prstGeom>
+        </p:spPr>
+      </p:pic>
+      <p:sp>
+        <p:nvSpPr>
+          <p:cNvPr id="163" name="한쪽 모서리가 잘린 사각형 162"/>
+          <p:cNvSpPr/>
+          <p:nvPr/>
+        </p:nvSpPr>
+        <p:spPr>
+          <a:xfrm>
+            <a:off x="6194584" y="2154369"/>
+            <a:ext cx="756000" cy="163004"/>
+          </a:xfrm>
+          <a:prstGeom prst="snip1Rect">
+            <a:avLst/>
+          </a:prstGeom>
+          <a:solidFill>
+            <a:srgbClr val="E5E7EA"/>
+          </a:solidFill>
+          <a:ln w="9525">
+            <a:solidFill>
+              <a:schemeClr val="bg2">
+                <a:lumMod val="75000"/>
+              </a:schemeClr>
+            </a:solidFill>
+          </a:ln>
+        </p:spPr>
+        <p:style>
+          <a:lnRef idx="2">
+            <a:schemeClr val="accent1">
+              <a:shade val="50000"/>
+            </a:schemeClr>
+          </a:lnRef>
+          <a:fillRef idx="1">
+            <a:schemeClr val="accent1"/>
+          </a:fillRef>
+          <a:effectRef idx="0">
+            <a:schemeClr val="accent1"/>
+          </a:effectRef>
+          <a:fontRef idx="minor">
+            <a:schemeClr val="lt1"/>
+          </a:fontRef>
+        </p:style>
+        <p:txBody>
+          <a:bodyPr rtlCol="0" anchor="ctr"/>
+          <a:lstStyle/>
+          <a:p>
+            <a:pPr algn="ctr"/>
+            <a:r>
+              <a:rPr lang="en-US" altLang="ko-KR" sz="675" b="1" dirty="0" smtClean="0">
+                <a:solidFill>
+                  <a:schemeClr val="tx1"/>
+                </a:solidFill>
+                <a:latin typeface="Calibri" panose="020F0502020204030204" pitchFamily="34" charset="0"/>
+                <a:cs typeface="Calibri" panose="020F0502020204030204" pitchFamily="34" charset="0"/>
+              </a:rPr>
+              <a:t>Predict</a:t>
+            </a:r>
+            <a:endParaRPr lang="ko-KR" altLang="en-US" sz="675" b="1" dirty="0">
+              <a:solidFill>
+                <a:schemeClr val="tx1"/>
+              </a:solidFill>
+              <a:latin typeface="Calibri" panose="020F0502020204030204" pitchFamily="34" charset="0"/>
+              <a:cs typeface="Calibri" panose="020F0502020204030204" pitchFamily="34" charset="0"/>
+            </a:endParaRPr>
+          </a:p>
+        </p:txBody>
+      </p:sp>
+      <p:sp>
+        <p:nvSpPr>
+          <p:cNvPr id="164" name="직사각형 163"/>
+          <p:cNvSpPr/>
+          <p:nvPr/>
+        </p:nvSpPr>
+        <p:spPr>
+          <a:xfrm>
+            <a:off x="1727276" y="2525511"/>
+            <a:ext cx="1318478" cy="132007"/>
+          </a:xfrm>
+          <a:prstGeom prst="rect">
+            <a:avLst/>
+          </a:prstGeom>
+          <a:noFill/>
+          <a:ln w="3175">
+            <a:noFill/>
+          </a:ln>
+        </p:spPr>
+        <p:style>
+          <a:lnRef idx="2">
+            <a:schemeClr val="accent1">
+              <a:shade val="50000"/>
+            </a:schemeClr>
+          </a:lnRef>
+          <a:fillRef idx="1">
+            <a:schemeClr val="accent1"/>
+          </a:fillRef>
+          <a:effectRef idx="0">
+            <a:schemeClr val="accent1"/>
+          </a:effectRef>
+          <a:fontRef idx="minor">
+            <a:schemeClr val="lt1"/>
+          </a:fontRef>
+        </p:style>
+        <p:txBody>
+          <a:bodyPr rtlCol="0" anchor="ctr"/>
+          <a:lstStyle/>
+          <a:p>
+            <a:pPr algn="ctr"/>
+            <a:endParaRPr lang="ko-KR" altLang="en-US" sz="1350">
+              <a:latin typeface="Calibri" panose="020F0502020204030204" pitchFamily="34" charset="0"/>
+              <a:cs typeface="Calibri" panose="020F0502020204030204" pitchFamily="34" charset="0"/>
+            </a:endParaRPr>
+          </a:p>
+        </p:txBody>
+      </p:sp>
+      <p:sp>
+        <p:nvSpPr>
+          <p:cNvPr id="165" name="TextBox 164"/>
+          <p:cNvSpPr txBox="1"/>
+          <p:nvPr/>
+        </p:nvSpPr>
+        <p:spPr>
+          <a:xfrm>
+            <a:off x="1845678" y="2536862"/>
+            <a:ext cx="1060711" cy="184666"/>
+          </a:xfrm>
+          <a:prstGeom prst="rect">
+            <a:avLst/>
+          </a:prstGeom>
+          <a:noFill/>
+        </p:spPr>
+        <p:txBody>
+          <a:bodyPr wrap="square" rtlCol="0">
+            <a:spAutoFit/>
+          </a:bodyPr>
+          <a:lstStyle/>
+          <a:p>
+            <a:r>
+              <a:rPr lang="en-US" altLang="ko-KR" sz="600" b="1" dirty="0" smtClean="0">
+                <a:latin typeface="Calibri" panose="020F0502020204030204" pitchFamily="34" charset="0"/>
+                <a:cs typeface="Calibri" panose="020F0502020204030204" pitchFamily="34" charset="0"/>
+              </a:rPr>
+              <a:t>Preprocessing</a:t>
+            </a:r>
+            <a:endParaRPr lang="ko-KR" altLang="en-US" sz="600" b="1" dirty="0">
+              <a:latin typeface="Calibri" panose="020F0502020204030204" pitchFamily="34" charset="0"/>
+              <a:cs typeface="Calibri" panose="020F0502020204030204" pitchFamily="34" charset="0"/>
+            </a:endParaRPr>
+          </a:p>
+        </p:txBody>
+      </p:sp>
+      <p:grpSp>
+        <p:nvGrpSpPr>
+          <p:cNvPr id="166" name="그룹 165"/>
+          <p:cNvGrpSpPr/>
+          <p:nvPr/>
+        </p:nvGrpSpPr>
+        <p:grpSpPr>
+          <a:xfrm>
+            <a:off x="1745877" y="2531911"/>
+            <a:ext cx="133909" cy="196208"/>
+            <a:chOff x="337741" y="1213851"/>
+            <a:chExt cx="211455" cy="309832"/>
+          </a:xfrm>
+        </p:grpSpPr>
+        <p:grpSp>
+          <p:nvGrpSpPr>
+            <p:cNvPr id="167" name="그룹 166"/>
+            <p:cNvGrpSpPr/>
+            <p:nvPr/>
+          </p:nvGrpSpPr>
+          <p:grpSpPr>
+            <a:xfrm>
+              <a:off x="357467" y="1238856"/>
+              <a:ext cx="178849" cy="178883"/>
+              <a:chOff x="3819809" y="3692077"/>
+              <a:chExt cx="178849" cy="178883"/>
+            </a:xfrm>
+          </p:grpSpPr>
+          <p:grpSp>
+            <p:nvGrpSpPr>
+              <p:cNvPr id="169" name="그룹 168"/>
+              <p:cNvGrpSpPr/>
+              <p:nvPr/>
+            </p:nvGrpSpPr>
+            <p:grpSpPr>
+              <a:xfrm>
+                <a:off x="3914561" y="3774297"/>
+                <a:ext cx="84097" cy="96663"/>
+                <a:chOff x="4577405" y="1705019"/>
+                <a:chExt cx="1747506" cy="2008628"/>
+              </a:xfrm>
+              <a:solidFill>
+                <a:schemeClr val="accent5">
+                  <a:lumMod val="75000"/>
+                </a:schemeClr>
+              </a:solidFill>
+            </p:grpSpPr>
+            <p:sp>
+              <p:nvSpPr>
+                <p:cNvPr id="176" name="육각형 175"/>
+                <p:cNvSpPr/>
+                <p:nvPr/>
+              </p:nvSpPr>
+              <p:spPr>
+                <a:xfrm rot="5400000">
+                  <a:off x="4446844" y="1835580"/>
+                  <a:ext cx="2008628" cy="1747506"/>
+                </a:xfrm>
+                <a:prstGeom prst="hexagon">
+                  <a:avLst>
+                    <a:gd name="adj" fmla="val 25000"/>
+                    <a:gd name="vf" fmla="val 115470"/>
+                  </a:avLst>
+                </a:prstGeom>
+                <a:grpFill/>
+                <a:ln>
+                  <a:solidFill>
+                    <a:schemeClr val="accent5">
+                      <a:lumMod val="75000"/>
+                    </a:schemeClr>
+                  </a:solidFill>
+                </a:ln>
+              </p:spPr>
+              <p:style>
+                <a:lnRef idx="2">
+                  <a:schemeClr val="lt1">
+                    <a:hueOff val="0"/>
+                    <a:satOff val="0"/>
+                    <a:lumOff val="0"/>
+                    <a:alphaOff val="0"/>
+                  </a:schemeClr>
+                </a:lnRef>
+                <a:fillRef idx="1">
+                  <a:schemeClr val="accent1">
+                    <a:hueOff val="0"/>
+                    <a:satOff val="0"/>
+                    <a:lumOff val="0"/>
+                    <a:alphaOff val="0"/>
+                  </a:schemeClr>
+                </a:fillRef>
+                <a:effectRef idx="0">
+                  <a:schemeClr val="accent1">
+                    <a:hueOff val="0"/>
+                    <a:satOff val="0"/>
+                    <a:lumOff val="0"/>
+                    <a:alphaOff val="0"/>
+                  </a:schemeClr>
+                </a:effectRef>
+                <a:fontRef idx="minor">
+                  <a:schemeClr val="lt1"/>
+                </a:fontRef>
+              </p:style>
+            </p:sp>
+            <p:sp>
+              <p:nvSpPr>
+                <p:cNvPr id="177" name="육각형 4"/>
+                <p:cNvSpPr txBox="1"/>
+                <p:nvPr/>
+              </p:nvSpPr>
+              <p:spPr>
+                <a:xfrm>
+                  <a:off x="4849725" y="2018030"/>
+                  <a:ext cx="1202866" cy="1382606"/>
+                </a:xfrm>
+                <a:prstGeom prst="rect">
+                  <a:avLst/>
+                </a:prstGeom>
+                <a:grpFill/>
+                <a:ln>
+                  <a:solidFill>
+                    <a:schemeClr val="accent5">
+                      <a:lumMod val="75000"/>
+                    </a:schemeClr>
+                  </a:solidFill>
+                </a:ln>
+              </p:spPr>
+              <p:style>
+                <a:lnRef idx="0">
+                  <a:scrgbClr r="0" g="0" b="0"/>
+                </a:lnRef>
+                <a:fillRef idx="0">
+                  <a:scrgbClr r="0" g="0" b="0"/>
+                </a:fillRef>
+                <a:effectRef idx="0">
+                  <a:scrgbClr r="0" g="0" b="0"/>
+                </a:effectRef>
+                <a:fontRef idx="minor">
+                  <a:schemeClr val="lt1"/>
+                </a:fontRef>
+              </p:style>
+              <p:txBody>
+                <a:bodyPr spcFirstLastPara="0" vert="horz" wrap="square" lIns="0" tIns="0" rIns="0" bIns="0" numCol="1" spcCol="1270" anchor="ctr" anchorCtr="0">
+                  <a:noAutofit/>
+                </a:bodyPr>
+                <a:lstStyle/>
+                <a:p>
+                  <a:pPr algn="ctr" defTabSz="1200120">
+                    <a:lnSpc>
+                      <a:spcPct val="90000"/>
+                    </a:lnSpc>
+                    <a:spcBef>
+                      <a:spcPct val="0"/>
+                    </a:spcBef>
+                    <a:spcAft>
+                      <a:spcPct val="35000"/>
+                    </a:spcAft>
+                  </a:pPr>
+                  <a:endParaRPr lang="ko-KR" altLang="en-US" sz="2700">
+                    <a:latin typeface="Calibri" panose="020F0502020204030204" pitchFamily="34" charset="0"/>
+                    <a:cs typeface="Calibri" panose="020F0502020204030204" pitchFamily="34" charset="0"/>
+                  </a:endParaRPr>
+                </a:p>
+              </p:txBody>
+            </p:sp>
+          </p:grpSp>
+          <p:grpSp>
+            <p:nvGrpSpPr>
+              <p:cNvPr id="170" name="그룹 169"/>
+              <p:cNvGrpSpPr/>
+              <p:nvPr/>
+            </p:nvGrpSpPr>
+            <p:grpSpPr>
+              <a:xfrm>
+                <a:off x="3819809" y="3774297"/>
+                <a:ext cx="84097" cy="96663"/>
+                <a:chOff x="4577405" y="1705019"/>
+                <a:chExt cx="1747506" cy="2008628"/>
+              </a:xfrm>
+              <a:solidFill>
+                <a:schemeClr val="accent5">
+                  <a:lumMod val="75000"/>
+                </a:schemeClr>
+              </a:solidFill>
+            </p:grpSpPr>
+            <p:sp>
+              <p:nvSpPr>
+                <p:cNvPr id="174" name="육각형 173"/>
+                <p:cNvSpPr/>
+                <p:nvPr/>
+              </p:nvSpPr>
+              <p:spPr>
+                <a:xfrm rot="5400000">
+                  <a:off x="4446844" y="1835580"/>
+                  <a:ext cx="2008628" cy="1747506"/>
+                </a:xfrm>
+                <a:prstGeom prst="hexagon">
+                  <a:avLst>
+                    <a:gd name="adj" fmla="val 25000"/>
+                    <a:gd name="vf" fmla="val 115470"/>
+                  </a:avLst>
+                </a:prstGeom>
+                <a:grpFill/>
+                <a:ln>
+                  <a:solidFill>
+                    <a:schemeClr val="accent5">
+                      <a:lumMod val="75000"/>
+                    </a:schemeClr>
+                  </a:solidFill>
+                </a:ln>
+              </p:spPr>
+              <p:style>
+                <a:lnRef idx="2">
+                  <a:schemeClr val="lt1">
+                    <a:hueOff val="0"/>
+                    <a:satOff val="0"/>
+                    <a:lumOff val="0"/>
+                    <a:alphaOff val="0"/>
+                  </a:schemeClr>
+                </a:lnRef>
+                <a:fillRef idx="1">
+                  <a:schemeClr val="accent1">
+                    <a:hueOff val="0"/>
+                    <a:satOff val="0"/>
+                    <a:lumOff val="0"/>
+                    <a:alphaOff val="0"/>
+                  </a:schemeClr>
+                </a:fillRef>
+                <a:effectRef idx="0">
+                  <a:schemeClr val="accent1">
+                    <a:hueOff val="0"/>
+                    <a:satOff val="0"/>
+                    <a:lumOff val="0"/>
+                    <a:alphaOff val="0"/>
+                  </a:schemeClr>
+                </a:effectRef>
+                <a:fontRef idx="minor">
+                  <a:schemeClr val="lt1"/>
+                </a:fontRef>
+              </p:style>
+            </p:sp>
+            <p:sp>
+              <p:nvSpPr>
+                <p:cNvPr id="175" name="육각형 4"/>
+                <p:cNvSpPr txBox="1"/>
+                <p:nvPr/>
+              </p:nvSpPr>
+              <p:spPr>
+                <a:xfrm>
+                  <a:off x="4849725" y="2018030"/>
+                  <a:ext cx="1202866" cy="1382606"/>
+                </a:xfrm>
+                <a:prstGeom prst="rect">
+                  <a:avLst/>
+                </a:prstGeom>
+                <a:grpFill/>
+                <a:ln>
+                  <a:solidFill>
+                    <a:schemeClr val="accent5">
+                      <a:lumMod val="75000"/>
+                    </a:schemeClr>
+                  </a:solidFill>
+                </a:ln>
+              </p:spPr>
+              <p:style>
+                <a:lnRef idx="0">
+                  <a:scrgbClr r="0" g="0" b="0"/>
+                </a:lnRef>
+                <a:fillRef idx="0">
+                  <a:scrgbClr r="0" g="0" b="0"/>
+                </a:fillRef>
+                <a:effectRef idx="0">
+                  <a:scrgbClr r="0" g="0" b="0"/>
+                </a:effectRef>
+                <a:fontRef idx="minor">
+                  <a:schemeClr val="lt1"/>
+                </a:fontRef>
+              </p:style>
+              <p:txBody>
+                <a:bodyPr spcFirstLastPara="0" vert="horz" wrap="square" lIns="0" tIns="0" rIns="0" bIns="0" numCol="1" spcCol="1270" anchor="ctr" anchorCtr="0">
+                  <a:noAutofit/>
+                </a:bodyPr>
+                <a:lstStyle/>
+                <a:p>
+                  <a:pPr algn="ctr" defTabSz="1200120">
+                    <a:lnSpc>
+                      <a:spcPct val="90000"/>
+                    </a:lnSpc>
+                    <a:spcBef>
+                      <a:spcPct val="0"/>
+                    </a:spcBef>
+                    <a:spcAft>
+                      <a:spcPct val="35000"/>
+                    </a:spcAft>
+                  </a:pPr>
+                  <a:endParaRPr lang="ko-KR" altLang="en-US" sz="2700">
+                    <a:latin typeface="Calibri" panose="020F0502020204030204" pitchFamily="34" charset="0"/>
+                    <a:cs typeface="Calibri" panose="020F0502020204030204" pitchFamily="34" charset="0"/>
+                  </a:endParaRPr>
+                </a:p>
+              </p:txBody>
+            </p:sp>
+          </p:grpSp>
+          <p:grpSp>
+            <p:nvGrpSpPr>
+              <p:cNvPr id="171" name="그룹 170"/>
+              <p:cNvGrpSpPr/>
+              <p:nvPr/>
+            </p:nvGrpSpPr>
+            <p:grpSpPr>
+              <a:xfrm>
+                <a:off x="3865961" y="3692077"/>
+                <a:ext cx="84097" cy="96663"/>
+                <a:chOff x="4577405" y="1705019"/>
+                <a:chExt cx="1747506" cy="2008628"/>
+              </a:xfrm>
+              <a:solidFill>
+                <a:schemeClr val="accent5">
+                  <a:lumMod val="75000"/>
+                </a:schemeClr>
+              </a:solidFill>
+            </p:grpSpPr>
+            <p:sp>
+              <p:nvSpPr>
+                <p:cNvPr id="172" name="육각형 171"/>
+                <p:cNvSpPr/>
+                <p:nvPr/>
+              </p:nvSpPr>
+              <p:spPr>
+                <a:xfrm rot="5400000">
+                  <a:off x="4446844" y="1835580"/>
+                  <a:ext cx="2008628" cy="1747506"/>
+                </a:xfrm>
+                <a:prstGeom prst="hexagon">
+                  <a:avLst>
+                    <a:gd name="adj" fmla="val 25000"/>
+                    <a:gd name="vf" fmla="val 115470"/>
+                  </a:avLst>
+                </a:prstGeom>
+                <a:grpFill/>
+                <a:ln>
+                  <a:solidFill>
+                    <a:schemeClr val="accent5">
+                      <a:lumMod val="75000"/>
+                    </a:schemeClr>
+                  </a:solidFill>
+                </a:ln>
+              </p:spPr>
+              <p:style>
+                <a:lnRef idx="2">
+                  <a:schemeClr val="lt1">
+                    <a:hueOff val="0"/>
+                    <a:satOff val="0"/>
+                    <a:lumOff val="0"/>
+                    <a:alphaOff val="0"/>
+                  </a:schemeClr>
+                </a:lnRef>
+                <a:fillRef idx="1">
+                  <a:schemeClr val="accent1">
+                    <a:hueOff val="0"/>
+                    <a:satOff val="0"/>
+                    <a:lumOff val="0"/>
+                    <a:alphaOff val="0"/>
+                  </a:schemeClr>
+                </a:fillRef>
+                <a:effectRef idx="0">
+                  <a:schemeClr val="accent1">
+                    <a:hueOff val="0"/>
+                    <a:satOff val="0"/>
+                    <a:lumOff val="0"/>
+                    <a:alphaOff val="0"/>
+                  </a:schemeClr>
+                </a:effectRef>
+                <a:fontRef idx="minor">
+                  <a:schemeClr val="lt1"/>
+                </a:fontRef>
+              </p:style>
+            </p:sp>
+            <p:sp>
+              <p:nvSpPr>
+                <p:cNvPr id="173" name="육각형 4"/>
+                <p:cNvSpPr txBox="1"/>
+                <p:nvPr/>
+              </p:nvSpPr>
+              <p:spPr>
+                <a:xfrm>
+                  <a:off x="4849725" y="2018030"/>
+                  <a:ext cx="1202866" cy="1382606"/>
+                </a:xfrm>
+                <a:prstGeom prst="rect">
+                  <a:avLst/>
+                </a:prstGeom>
+                <a:grpFill/>
+                <a:ln>
+                  <a:solidFill>
+                    <a:schemeClr val="accent5">
+                      <a:lumMod val="75000"/>
+                    </a:schemeClr>
+                  </a:solidFill>
+                </a:ln>
+              </p:spPr>
+              <p:style>
+                <a:lnRef idx="0">
+                  <a:scrgbClr r="0" g="0" b="0"/>
+                </a:lnRef>
+                <a:fillRef idx="0">
+                  <a:scrgbClr r="0" g="0" b="0"/>
+                </a:fillRef>
+                <a:effectRef idx="0">
+                  <a:scrgbClr r="0" g="0" b="0"/>
+                </a:effectRef>
+                <a:fontRef idx="minor">
+                  <a:schemeClr val="lt1"/>
+                </a:fontRef>
+              </p:style>
+              <p:txBody>
+                <a:bodyPr spcFirstLastPara="0" vert="horz" wrap="square" lIns="0" tIns="0" rIns="0" bIns="0" numCol="1" spcCol="1270" anchor="ctr" anchorCtr="0">
+                  <a:noAutofit/>
+                </a:bodyPr>
+                <a:lstStyle/>
+                <a:p>
+                  <a:pPr algn="ctr" defTabSz="1200120">
+                    <a:lnSpc>
+                      <a:spcPct val="90000"/>
+                    </a:lnSpc>
+                    <a:spcBef>
+                      <a:spcPct val="0"/>
+                    </a:spcBef>
+                    <a:spcAft>
+                      <a:spcPct val="35000"/>
+                    </a:spcAft>
+                  </a:pPr>
+                  <a:endParaRPr lang="ko-KR" altLang="en-US" sz="2700">
+                    <a:latin typeface="Calibri" panose="020F0502020204030204" pitchFamily="34" charset="0"/>
+                    <a:cs typeface="Calibri" panose="020F0502020204030204" pitchFamily="34" charset="0"/>
+                  </a:endParaRPr>
+                </a:p>
+              </p:txBody>
+            </p:sp>
+          </p:grpSp>
+        </p:grpSp>
+        <p:sp>
+          <p:nvSpPr>
+            <p:cNvPr id="168" name="TextBox 167"/>
+            <p:cNvSpPr txBox="1"/>
+            <p:nvPr/>
+          </p:nvSpPr>
+          <p:spPr>
+            <a:xfrm>
+              <a:off x="337741" y="1213851"/>
+              <a:ext cx="211455" cy="309832"/>
+            </a:xfrm>
+            <a:prstGeom prst="rect">
+              <a:avLst/>
+            </a:prstGeom>
+            <a:noFill/>
+          </p:spPr>
+          <p:txBody>
+            <a:bodyPr wrap="square" rtlCol="0">
+              <a:spAutoFit/>
+            </a:bodyPr>
+            <a:lstStyle/>
+            <a:p>
+              <a:pPr algn="ctr"/>
+              <a:r>
+                <a:rPr lang="en-US" altLang="ko-KR" sz="675" b="1" dirty="0">
+                  <a:solidFill>
+                    <a:schemeClr val="bg1"/>
+                  </a:solidFill>
+                  <a:latin typeface="Calibri" panose="020F0502020204030204" pitchFamily="34" charset="0"/>
+                  <a:cs typeface="Calibri" panose="020F0502020204030204" pitchFamily="34" charset="0"/>
+                </a:rPr>
+                <a:t>c</a:t>
+              </a:r>
+              <a:endParaRPr lang="ko-KR" altLang="en-US" sz="675" b="1" dirty="0">
+                <a:solidFill>
+                  <a:schemeClr val="bg1"/>
+                </a:solidFill>
+                <a:latin typeface="Calibri" panose="020F0502020204030204" pitchFamily="34" charset="0"/>
+                <a:cs typeface="Calibri" panose="020F0502020204030204" pitchFamily="34" charset="0"/>
+              </a:endParaRPr>
+            </a:p>
+          </p:txBody>
+        </p:sp>
+      </p:grpSp>
+      <p:sp>
+        <p:nvSpPr>
+          <p:cNvPr id="184" name="직사각형 183"/>
+          <p:cNvSpPr/>
+          <p:nvPr/>
+        </p:nvSpPr>
+        <p:spPr>
+          <a:xfrm>
+            <a:off x="1727276" y="2692662"/>
+            <a:ext cx="1318478" cy="132007"/>
+          </a:xfrm>
+          <a:prstGeom prst="rect">
+            <a:avLst/>
+          </a:prstGeom>
+          <a:noFill/>
+          <a:ln w="3175">
+            <a:noFill/>
+          </a:ln>
+        </p:spPr>
+        <p:style>
+          <a:lnRef idx="2">
+            <a:schemeClr val="accent1">
+              <a:shade val="50000"/>
+            </a:schemeClr>
+          </a:lnRef>
+          <a:fillRef idx="1">
+            <a:schemeClr val="accent1"/>
+          </a:fillRef>
+          <a:effectRef idx="0">
+            <a:schemeClr val="accent1"/>
+          </a:effectRef>
+          <a:fontRef idx="minor">
+            <a:schemeClr val="lt1"/>
+          </a:fontRef>
+        </p:style>
+        <p:txBody>
+          <a:bodyPr rtlCol="0" anchor="ctr"/>
+          <a:lstStyle/>
+          <a:p>
+            <a:pPr algn="ctr"/>
+            <a:endParaRPr lang="ko-KR" altLang="en-US" sz="1350">
+              <a:latin typeface="Calibri" panose="020F0502020204030204" pitchFamily="34" charset="0"/>
+              <a:cs typeface="Calibri" panose="020F0502020204030204" pitchFamily="34" charset="0"/>
+            </a:endParaRPr>
+          </a:p>
+        </p:txBody>
+      </p:sp>
+      <p:sp>
+        <p:nvSpPr>
+          <p:cNvPr id="185" name="직사각형 184"/>
+          <p:cNvSpPr/>
+          <p:nvPr/>
+        </p:nvSpPr>
+        <p:spPr>
+          <a:xfrm>
+            <a:off x="1727276" y="2705570"/>
+            <a:ext cx="1318478" cy="132007"/>
+          </a:xfrm>
+          <a:prstGeom prst="rect">
+            <a:avLst/>
+          </a:prstGeom>
+          <a:noFill/>
+          <a:ln w="3175">
+            <a:noFill/>
+          </a:ln>
+        </p:spPr>
+        <p:style>
+          <a:lnRef idx="2">
+            <a:schemeClr val="accent1">
+              <a:shade val="50000"/>
+            </a:schemeClr>
+          </a:lnRef>
+          <a:fillRef idx="1">
+            <a:schemeClr val="accent1"/>
+          </a:fillRef>
+          <a:effectRef idx="0">
+            <a:schemeClr val="accent1"/>
+          </a:effectRef>
+          <a:fontRef idx="minor">
+            <a:schemeClr val="lt1"/>
+          </a:fontRef>
+        </p:style>
+        <p:txBody>
+          <a:bodyPr rtlCol="0" anchor="ctr"/>
+          <a:lstStyle/>
+          <a:p>
+            <a:pPr algn="ctr"/>
+            <a:endParaRPr lang="ko-KR" altLang="en-US" sz="1350">
+              <a:latin typeface="Calibri" panose="020F0502020204030204" pitchFamily="34" charset="0"/>
+              <a:cs typeface="Calibri" panose="020F0502020204030204" pitchFamily="34" charset="0"/>
+            </a:endParaRPr>
+          </a:p>
+        </p:txBody>
+      </p:sp>
+      <p:sp>
+        <p:nvSpPr>
+          <p:cNvPr id="186" name="TextBox 185"/>
+          <p:cNvSpPr txBox="1"/>
+          <p:nvPr/>
+        </p:nvSpPr>
+        <p:spPr>
+          <a:xfrm>
+            <a:off x="1845676" y="4239372"/>
+            <a:ext cx="1042319" cy="184666"/>
+          </a:xfrm>
+          <a:prstGeom prst="rect">
+            <a:avLst/>
+          </a:prstGeom>
+          <a:noFill/>
+        </p:spPr>
+        <p:txBody>
+          <a:bodyPr wrap="square" rtlCol="0">
+            <a:spAutoFit/>
+          </a:bodyPr>
+          <a:lstStyle/>
+          <a:p>
+            <a:r>
+              <a:rPr lang="en-US" altLang="ko-KR" sz="600" b="1" dirty="0" smtClean="0">
+                <a:latin typeface="Calibri" panose="020F0502020204030204" pitchFamily="34" charset="0"/>
+                <a:cs typeface="Calibri" panose="020F0502020204030204" pitchFamily="34" charset="0"/>
+              </a:rPr>
+              <a:t>Meta Train</a:t>
+            </a:r>
+            <a:endParaRPr lang="ko-KR" altLang="en-US" sz="600" b="1" dirty="0">
+              <a:latin typeface="Calibri" panose="020F0502020204030204" pitchFamily="34" charset="0"/>
+              <a:cs typeface="Calibri" panose="020F0502020204030204" pitchFamily="34" charset="0"/>
+            </a:endParaRPr>
+          </a:p>
+        </p:txBody>
+      </p:sp>
+      <p:grpSp>
+        <p:nvGrpSpPr>
+          <p:cNvPr id="190" name="그룹 189"/>
+          <p:cNvGrpSpPr/>
+          <p:nvPr/>
+        </p:nvGrpSpPr>
+        <p:grpSpPr>
+          <a:xfrm>
+            <a:off x="1745877" y="4234422"/>
+            <a:ext cx="133909" cy="196208"/>
+            <a:chOff x="337741" y="1213851"/>
+            <a:chExt cx="211455" cy="309832"/>
+          </a:xfrm>
+        </p:grpSpPr>
+        <p:grpSp>
+          <p:nvGrpSpPr>
+            <p:cNvPr id="191" name="그룹 190"/>
+            <p:cNvGrpSpPr/>
+            <p:nvPr/>
+          </p:nvGrpSpPr>
+          <p:grpSpPr>
+            <a:xfrm>
+              <a:off x="357467" y="1238856"/>
+              <a:ext cx="178849" cy="178883"/>
+              <a:chOff x="3819809" y="3692077"/>
+              <a:chExt cx="178849" cy="178883"/>
+            </a:xfrm>
+          </p:grpSpPr>
+          <p:grpSp>
+            <p:nvGrpSpPr>
+              <p:cNvPr id="196" name="그룹 195"/>
+              <p:cNvGrpSpPr/>
+              <p:nvPr/>
+            </p:nvGrpSpPr>
+            <p:grpSpPr>
+              <a:xfrm>
+                <a:off x="3914561" y="3774297"/>
+                <a:ext cx="84097" cy="96663"/>
+                <a:chOff x="4577405" y="1705019"/>
+                <a:chExt cx="1747506" cy="2008628"/>
+              </a:xfrm>
+              <a:solidFill>
+                <a:schemeClr val="accent5">
+                  <a:lumMod val="75000"/>
+                </a:schemeClr>
+              </a:solidFill>
+            </p:grpSpPr>
+            <p:sp>
+              <p:nvSpPr>
+                <p:cNvPr id="203" name="육각형 202"/>
+                <p:cNvSpPr/>
+                <p:nvPr/>
+              </p:nvSpPr>
+              <p:spPr>
+                <a:xfrm rot="5400000">
+                  <a:off x="4446844" y="1835580"/>
+                  <a:ext cx="2008628" cy="1747506"/>
+                </a:xfrm>
+                <a:prstGeom prst="hexagon">
+                  <a:avLst>
+                    <a:gd name="adj" fmla="val 25000"/>
+                    <a:gd name="vf" fmla="val 115470"/>
+                  </a:avLst>
+                </a:prstGeom>
+                <a:grpFill/>
+                <a:ln>
+                  <a:solidFill>
+                    <a:schemeClr val="accent5">
+                      <a:lumMod val="75000"/>
+                    </a:schemeClr>
+                  </a:solidFill>
+                </a:ln>
+              </p:spPr>
+              <p:style>
+                <a:lnRef idx="2">
+                  <a:schemeClr val="lt1">
+                    <a:hueOff val="0"/>
+                    <a:satOff val="0"/>
+                    <a:lumOff val="0"/>
+                    <a:alphaOff val="0"/>
+                  </a:schemeClr>
+                </a:lnRef>
+                <a:fillRef idx="1">
+                  <a:schemeClr val="accent1">
+                    <a:hueOff val="0"/>
+                    <a:satOff val="0"/>
+                    <a:lumOff val="0"/>
+                    <a:alphaOff val="0"/>
+                  </a:schemeClr>
+                </a:fillRef>
+                <a:effectRef idx="0">
+                  <a:schemeClr val="accent1">
+                    <a:hueOff val="0"/>
+                    <a:satOff val="0"/>
+                    <a:lumOff val="0"/>
+                    <a:alphaOff val="0"/>
+                  </a:schemeClr>
+                </a:effectRef>
+                <a:fontRef idx="minor">
+                  <a:schemeClr val="lt1"/>
+                </a:fontRef>
+              </p:style>
+            </p:sp>
+            <p:sp>
+              <p:nvSpPr>
+                <p:cNvPr id="204" name="육각형 4"/>
+                <p:cNvSpPr txBox="1"/>
+                <p:nvPr/>
+              </p:nvSpPr>
+              <p:spPr>
+                <a:xfrm>
+                  <a:off x="4849725" y="2018030"/>
+                  <a:ext cx="1202866" cy="1382606"/>
+                </a:xfrm>
+                <a:prstGeom prst="rect">
+                  <a:avLst/>
+                </a:prstGeom>
+                <a:grpFill/>
+                <a:ln>
+                  <a:solidFill>
+                    <a:schemeClr val="accent5">
+                      <a:lumMod val="75000"/>
+                    </a:schemeClr>
+                  </a:solidFill>
+                </a:ln>
+              </p:spPr>
+              <p:style>
+                <a:lnRef idx="0">
+                  <a:scrgbClr r="0" g="0" b="0"/>
+                </a:lnRef>
+                <a:fillRef idx="0">
+                  <a:scrgbClr r="0" g="0" b="0"/>
+                </a:fillRef>
+                <a:effectRef idx="0">
+                  <a:scrgbClr r="0" g="0" b="0"/>
+                </a:effectRef>
+                <a:fontRef idx="minor">
+                  <a:schemeClr val="lt1"/>
+                </a:fontRef>
+              </p:style>
+              <p:txBody>
+                <a:bodyPr spcFirstLastPara="0" vert="horz" wrap="square" lIns="0" tIns="0" rIns="0" bIns="0" numCol="1" spcCol="1270" anchor="ctr" anchorCtr="0">
+                  <a:noAutofit/>
+                </a:bodyPr>
+                <a:lstStyle/>
+                <a:p>
+                  <a:pPr algn="ctr" defTabSz="1200120">
+                    <a:lnSpc>
+                      <a:spcPct val="90000"/>
+                    </a:lnSpc>
+                    <a:spcBef>
+                      <a:spcPct val="0"/>
+                    </a:spcBef>
+                    <a:spcAft>
+                      <a:spcPct val="35000"/>
+                    </a:spcAft>
+                  </a:pPr>
+                  <a:endParaRPr lang="ko-KR" altLang="en-US" sz="2700">
+                    <a:latin typeface="Calibri" panose="020F0502020204030204" pitchFamily="34" charset="0"/>
+                    <a:cs typeface="Calibri" panose="020F0502020204030204" pitchFamily="34" charset="0"/>
+                  </a:endParaRPr>
+                </a:p>
+              </p:txBody>
+            </p:sp>
+          </p:grpSp>
+          <p:grpSp>
+            <p:nvGrpSpPr>
+              <p:cNvPr id="197" name="그룹 196"/>
+              <p:cNvGrpSpPr/>
+              <p:nvPr/>
+            </p:nvGrpSpPr>
+            <p:grpSpPr>
+              <a:xfrm>
+                <a:off x="3819809" y="3774297"/>
+                <a:ext cx="84097" cy="96663"/>
+                <a:chOff x="4577405" y="1705019"/>
+                <a:chExt cx="1747506" cy="2008628"/>
+              </a:xfrm>
+              <a:solidFill>
+                <a:schemeClr val="accent5">
+                  <a:lumMod val="75000"/>
+                </a:schemeClr>
+              </a:solidFill>
+            </p:grpSpPr>
+            <p:sp>
+              <p:nvSpPr>
+                <p:cNvPr id="201" name="육각형 200"/>
+                <p:cNvSpPr/>
+                <p:nvPr/>
+              </p:nvSpPr>
+              <p:spPr>
+                <a:xfrm rot="5400000">
+                  <a:off x="4446844" y="1835580"/>
+                  <a:ext cx="2008628" cy="1747506"/>
+                </a:xfrm>
+                <a:prstGeom prst="hexagon">
+                  <a:avLst>
+                    <a:gd name="adj" fmla="val 25000"/>
+                    <a:gd name="vf" fmla="val 115470"/>
+                  </a:avLst>
+                </a:prstGeom>
+                <a:grpFill/>
+                <a:ln>
+                  <a:solidFill>
+                    <a:schemeClr val="accent5">
+                      <a:lumMod val="75000"/>
+                    </a:schemeClr>
+                  </a:solidFill>
+                </a:ln>
+              </p:spPr>
+              <p:style>
+                <a:lnRef idx="2">
+                  <a:schemeClr val="lt1">
+                    <a:hueOff val="0"/>
+                    <a:satOff val="0"/>
+                    <a:lumOff val="0"/>
+                    <a:alphaOff val="0"/>
+                  </a:schemeClr>
+                </a:lnRef>
+                <a:fillRef idx="1">
+                  <a:schemeClr val="accent1">
+                    <a:hueOff val="0"/>
+                    <a:satOff val="0"/>
+                    <a:lumOff val="0"/>
+                    <a:alphaOff val="0"/>
+                  </a:schemeClr>
+                </a:fillRef>
+                <a:effectRef idx="0">
+                  <a:schemeClr val="accent1">
+                    <a:hueOff val="0"/>
+                    <a:satOff val="0"/>
+                    <a:lumOff val="0"/>
+                    <a:alphaOff val="0"/>
+                  </a:schemeClr>
+                </a:effectRef>
+                <a:fontRef idx="minor">
+                  <a:schemeClr val="lt1"/>
+                </a:fontRef>
+              </p:style>
+            </p:sp>
+            <p:sp>
+              <p:nvSpPr>
+                <p:cNvPr id="202" name="육각형 4"/>
+                <p:cNvSpPr txBox="1"/>
+                <p:nvPr/>
+              </p:nvSpPr>
+              <p:spPr>
+                <a:xfrm>
+                  <a:off x="4849725" y="2018030"/>
+                  <a:ext cx="1202866" cy="1382606"/>
+                </a:xfrm>
+                <a:prstGeom prst="rect">
+                  <a:avLst/>
+                </a:prstGeom>
+                <a:grpFill/>
+                <a:ln>
+                  <a:solidFill>
+                    <a:schemeClr val="accent5">
+                      <a:lumMod val="75000"/>
+                    </a:schemeClr>
+                  </a:solidFill>
+                </a:ln>
+              </p:spPr>
+              <p:style>
+                <a:lnRef idx="0">
+                  <a:scrgbClr r="0" g="0" b="0"/>
+                </a:lnRef>
+                <a:fillRef idx="0">
+                  <a:scrgbClr r="0" g="0" b="0"/>
+                </a:fillRef>
+                <a:effectRef idx="0">
+                  <a:scrgbClr r="0" g="0" b="0"/>
+                </a:effectRef>
+                <a:fontRef idx="minor">
+                  <a:schemeClr val="lt1"/>
+                </a:fontRef>
+              </p:style>
+              <p:txBody>
+                <a:bodyPr spcFirstLastPara="0" vert="horz" wrap="square" lIns="0" tIns="0" rIns="0" bIns="0" numCol="1" spcCol="1270" anchor="ctr" anchorCtr="0">
+                  <a:noAutofit/>
+                </a:bodyPr>
+                <a:lstStyle/>
+                <a:p>
+                  <a:pPr algn="ctr" defTabSz="1200120">
+                    <a:lnSpc>
+                      <a:spcPct val="90000"/>
+                    </a:lnSpc>
+                    <a:spcBef>
+                      <a:spcPct val="0"/>
+                    </a:spcBef>
+                    <a:spcAft>
+                      <a:spcPct val="35000"/>
+                    </a:spcAft>
+                  </a:pPr>
+                  <a:endParaRPr lang="ko-KR" altLang="en-US" sz="2700">
+                    <a:latin typeface="Calibri" panose="020F0502020204030204" pitchFamily="34" charset="0"/>
+                    <a:cs typeface="Calibri" panose="020F0502020204030204" pitchFamily="34" charset="0"/>
+                  </a:endParaRPr>
+                </a:p>
+              </p:txBody>
+            </p:sp>
+          </p:grpSp>
+          <p:grpSp>
+            <p:nvGrpSpPr>
+              <p:cNvPr id="198" name="그룹 197"/>
+              <p:cNvGrpSpPr/>
+              <p:nvPr/>
+            </p:nvGrpSpPr>
+            <p:grpSpPr>
+              <a:xfrm>
+                <a:off x="3865961" y="3692077"/>
+                <a:ext cx="84097" cy="96663"/>
+                <a:chOff x="4577405" y="1705019"/>
+                <a:chExt cx="1747506" cy="2008628"/>
+              </a:xfrm>
+              <a:solidFill>
+                <a:schemeClr val="accent5">
+                  <a:lumMod val="75000"/>
+                </a:schemeClr>
+              </a:solidFill>
+            </p:grpSpPr>
+            <p:sp>
+              <p:nvSpPr>
+                <p:cNvPr id="199" name="육각형 198"/>
+                <p:cNvSpPr/>
+                <p:nvPr/>
+              </p:nvSpPr>
+              <p:spPr>
+                <a:xfrm rot="5400000">
+                  <a:off x="4446844" y="1835580"/>
+                  <a:ext cx="2008628" cy="1747506"/>
+                </a:xfrm>
+                <a:prstGeom prst="hexagon">
+                  <a:avLst>
+                    <a:gd name="adj" fmla="val 25000"/>
+                    <a:gd name="vf" fmla="val 115470"/>
+                  </a:avLst>
+                </a:prstGeom>
+                <a:grpFill/>
+                <a:ln>
+                  <a:solidFill>
+                    <a:schemeClr val="accent5">
+                      <a:lumMod val="75000"/>
+                    </a:schemeClr>
+                  </a:solidFill>
+                </a:ln>
+              </p:spPr>
+              <p:style>
+                <a:lnRef idx="2">
+                  <a:schemeClr val="lt1">
+                    <a:hueOff val="0"/>
+                    <a:satOff val="0"/>
+                    <a:lumOff val="0"/>
+                    <a:alphaOff val="0"/>
+                  </a:schemeClr>
+                </a:lnRef>
+                <a:fillRef idx="1">
+                  <a:schemeClr val="accent1">
+                    <a:hueOff val="0"/>
+                    <a:satOff val="0"/>
+                    <a:lumOff val="0"/>
+                    <a:alphaOff val="0"/>
+                  </a:schemeClr>
+                </a:fillRef>
+                <a:effectRef idx="0">
+                  <a:schemeClr val="accent1">
+                    <a:hueOff val="0"/>
+                    <a:satOff val="0"/>
+                    <a:lumOff val="0"/>
+                    <a:alphaOff val="0"/>
+                  </a:schemeClr>
+                </a:effectRef>
+                <a:fontRef idx="minor">
+                  <a:schemeClr val="lt1"/>
+                </a:fontRef>
+              </p:style>
+            </p:sp>
+            <p:sp>
+              <p:nvSpPr>
+                <p:cNvPr id="200" name="육각형 4"/>
+                <p:cNvSpPr txBox="1"/>
+                <p:nvPr/>
+              </p:nvSpPr>
+              <p:spPr>
+                <a:xfrm>
+                  <a:off x="4849725" y="2018030"/>
+                  <a:ext cx="1202866" cy="1382606"/>
+                </a:xfrm>
+                <a:prstGeom prst="rect">
+                  <a:avLst/>
+                </a:prstGeom>
+                <a:grpFill/>
+                <a:ln>
+                  <a:solidFill>
+                    <a:schemeClr val="accent5">
+                      <a:lumMod val="75000"/>
+                    </a:schemeClr>
+                  </a:solidFill>
+                </a:ln>
+              </p:spPr>
+              <p:style>
+                <a:lnRef idx="0">
+                  <a:scrgbClr r="0" g="0" b="0"/>
+                </a:lnRef>
+                <a:fillRef idx="0">
+                  <a:scrgbClr r="0" g="0" b="0"/>
+                </a:fillRef>
+                <a:effectRef idx="0">
+                  <a:scrgbClr r="0" g="0" b="0"/>
+                </a:effectRef>
+                <a:fontRef idx="minor">
+                  <a:schemeClr val="lt1"/>
+                </a:fontRef>
+              </p:style>
+              <p:txBody>
+                <a:bodyPr spcFirstLastPara="0" vert="horz" wrap="square" lIns="0" tIns="0" rIns="0" bIns="0" numCol="1" spcCol="1270" anchor="ctr" anchorCtr="0">
+                  <a:noAutofit/>
+                </a:bodyPr>
+                <a:lstStyle/>
+                <a:p>
+                  <a:pPr algn="ctr" defTabSz="1200120">
+                    <a:lnSpc>
+                      <a:spcPct val="90000"/>
+                    </a:lnSpc>
+                    <a:spcBef>
+                      <a:spcPct val="0"/>
+                    </a:spcBef>
+                    <a:spcAft>
+                      <a:spcPct val="35000"/>
+                    </a:spcAft>
+                  </a:pPr>
+                  <a:endParaRPr lang="ko-KR" altLang="en-US" sz="2700">
+                    <a:latin typeface="Calibri" panose="020F0502020204030204" pitchFamily="34" charset="0"/>
+                    <a:cs typeface="Calibri" panose="020F0502020204030204" pitchFamily="34" charset="0"/>
+                  </a:endParaRPr>
+                </a:p>
+              </p:txBody>
+            </p:sp>
+          </p:grpSp>
+        </p:grpSp>
+        <p:sp>
+          <p:nvSpPr>
+            <p:cNvPr id="195" name="TextBox 194"/>
+            <p:cNvSpPr txBox="1"/>
+            <p:nvPr/>
+          </p:nvSpPr>
+          <p:spPr>
+            <a:xfrm>
+              <a:off x="337741" y="1213851"/>
+              <a:ext cx="211455" cy="309832"/>
+            </a:xfrm>
+            <a:prstGeom prst="rect">
+              <a:avLst/>
+            </a:prstGeom>
+            <a:noFill/>
+          </p:spPr>
+          <p:txBody>
+            <a:bodyPr wrap="square" rtlCol="0">
+              <a:spAutoFit/>
+            </a:bodyPr>
+            <a:lstStyle/>
+            <a:p>
+              <a:pPr algn="ctr"/>
+              <a:r>
+                <a:rPr lang="en-US" altLang="ko-KR" sz="675" b="1" dirty="0">
+                  <a:solidFill>
+                    <a:schemeClr val="bg1"/>
+                  </a:solidFill>
+                  <a:latin typeface="Calibri" panose="020F0502020204030204" pitchFamily="34" charset="0"/>
+                  <a:cs typeface="Calibri" panose="020F0502020204030204" pitchFamily="34" charset="0"/>
+                </a:rPr>
+                <a:t>c</a:t>
+              </a:r>
+              <a:endParaRPr lang="ko-KR" altLang="en-US" sz="675" b="1" dirty="0">
+                <a:solidFill>
+                  <a:schemeClr val="bg1"/>
+                </a:solidFill>
+                <a:latin typeface="Calibri" panose="020F0502020204030204" pitchFamily="34" charset="0"/>
+                <a:cs typeface="Calibri" panose="020F0502020204030204" pitchFamily="34" charset="0"/>
+              </a:endParaRPr>
+            </a:p>
+          </p:txBody>
+        </p:sp>
+      </p:grpSp>
+      <p:sp>
+        <p:nvSpPr>
+          <p:cNvPr id="205" name="갈매기형 수장 204"/>
+          <p:cNvSpPr/>
+          <p:nvPr/>
+        </p:nvSpPr>
+        <p:spPr>
+          <a:xfrm rot="5400000">
+            <a:off x="2941050" y="2592364"/>
+            <a:ext cx="31282" cy="39464"/>
+          </a:xfrm>
+          <a:prstGeom prst="chevron">
+            <a:avLst/>
+          </a:prstGeom>
+          <a:solidFill>
+            <a:schemeClr val="tx2">
+              <a:lumMod val="75000"/>
+            </a:schemeClr>
+          </a:solidFill>
+          <a:ln w="3175">
+            <a:solidFill>
+              <a:schemeClr val="tx2">
+                <a:lumMod val="75000"/>
+              </a:schemeClr>
+            </a:solidFill>
+          </a:ln>
+        </p:spPr>
+        <p:style>
+          <a:lnRef idx="2">
+            <a:schemeClr val="accent1">
+              <a:shade val="50000"/>
+            </a:schemeClr>
+          </a:lnRef>
+          <a:fillRef idx="1">
+            <a:schemeClr val="accent1"/>
+          </a:fillRef>
+          <a:effectRef idx="0">
+            <a:schemeClr val="accent1"/>
+          </a:effectRef>
+          <a:fontRef idx="minor">
+            <a:schemeClr val="lt1"/>
+          </a:fontRef>
+        </p:style>
+        <p:txBody>
+          <a:bodyPr rtlCol="0" anchor="ctr"/>
+          <a:lstStyle/>
+          <a:p>
+            <a:pPr algn="ctr"/>
+            <a:endParaRPr lang="ko-KR" altLang="en-US" sz="1350">
+              <a:solidFill>
+                <a:schemeClr val="tx1"/>
+              </a:solidFill>
+            </a:endParaRPr>
+          </a:p>
+        </p:txBody>
+      </p:sp>
+      <p:sp>
+        <p:nvSpPr>
+          <p:cNvPr id="206" name="갈매기형 수장 205"/>
+          <p:cNvSpPr/>
+          <p:nvPr/>
+        </p:nvSpPr>
+        <p:spPr>
+          <a:xfrm rot="5400000">
+            <a:off x="2941050" y="4284490"/>
+            <a:ext cx="31282" cy="39464"/>
+          </a:xfrm>
+          <a:prstGeom prst="chevron">
+            <a:avLst/>
+          </a:prstGeom>
+          <a:solidFill>
+            <a:schemeClr val="tx2">
+              <a:lumMod val="75000"/>
+            </a:schemeClr>
+          </a:solidFill>
+          <a:ln w="3175">
+            <a:solidFill>
+              <a:schemeClr val="tx2">
+                <a:lumMod val="75000"/>
+              </a:schemeClr>
+            </a:solidFill>
+          </a:ln>
+        </p:spPr>
+        <p:style>
+          <a:lnRef idx="2">
+            <a:schemeClr val="accent1">
+              <a:shade val="50000"/>
+            </a:schemeClr>
+          </a:lnRef>
+          <a:fillRef idx="1">
+            <a:schemeClr val="accent1"/>
+          </a:fillRef>
+          <a:effectRef idx="0">
+            <a:schemeClr val="accent1"/>
+          </a:effectRef>
+          <a:fontRef idx="minor">
+            <a:schemeClr val="lt1"/>
+          </a:fontRef>
+        </p:style>
+        <p:txBody>
+          <a:bodyPr rtlCol="0" anchor="ctr"/>
+          <a:lstStyle/>
+          <a:p>
+            <a:pPr algn="ctr"/>
+            <a:endParaRPr lang="ko-KR" altLang="en-US" sz="1350">
+              <a:solidFill>
+                <a:schemeClr val="tx1"/>
+              </a:solidFill>
+            </a:endParaRPr>
+          </a:p>
+        </p:txBody>
+      </p:sp>
+      <p:cxnSp>
+        <p:nvCxnSpPr>
+          <p:cNvPr id="207" name="직선 연결선 206"/>
+          <p:cNvCxnSpPr/>
+          <p:nvPr/>
+        </p:nvCxnSpPr>
+        <p:spPr>
+          <a:xfrm>
+            <a:off x="1745874" y="2511504"/>
+            <a:ext cx="1274240" cy="0"/>
+          </a:xfrm>
+          <a:prstGeom prst="line">
+            <a:avLst/>
+          </a:prstGeom>
+          <a:ln>
+            <a:solidFill>
+              <a:schemeClr val="tx2">
+                <a:lumMod val="60000"/>
+                <a:lumOff val="40000"/>
+              </a:schemeClr>
+            </a:solidFill>
+            <a:prstDash val="sysDot"/>
+          </a:ln>
+        </p:spPr>
+        <p:style>
+          <a:lnRef idx="1">
+            <a:schemeClr val="accent1"/>
+          </a:lnRef>
+          <a:fillRef idx="0">
+            <a:schemeClr val="accent1"/>
+          </a:fillRef>
+          <a:effectRef idx="0">
+            <a:schemeClr val="accent1"/>
+          </a:effectRef>
+          <a:fontRef idx="minor">
+            <a:schemeClr val="tx1"/>
+          </a:fontRef>
+        </p:style>
+      </p:cxnSp>
+      <p:cxnSp>
+        <p:nvCxnSpPr>
+          <p:cNvPr id="208" name="직선 연결선 207"/>
+          <p:cNvCxnSpPr/>
+          <p:nvPr/>
+        </p:nvCxnSpPr>
+        <p:spPr>
+          <a:xfrm>
+            <a:off x="1745874" y="4219862"/>
+            <a:ext cx="1274240" cy="0"/>
+          </a:xfrm>
+          <a:prstGeom prst="line">
+            <a:avLst/>
+          </a:prstGeom>
+          <a:ln>
+            <a:solidFill>
+              <a:schemeClr val="tx2">
+                <a:lumMod val="60000"/>
+                <a:lumOff val="40000"/>
+              </a:schemeClr>
+            </a:solidFill>
+            <a:prstDash val="sysDot"/>
+          </a:ln>
+        </p:spPr>
+        <p:style>
+          <a:lnRef idx="1">
+            <a:schemeClr val="accent1"/>
+          </a:lnRef>
+          <a:fillRef idx="0">
+            <a:schemeClr val="accent1"/>
+          </a:fillRef>
+          <a:effectRef idx="0">
+            <a:schemeClr val="accent1"/>
+          </a:effectRef>
+          <a:fontRef idx="minor">
+            <a:schemeClr val="tx1"/>
+          </a:fontRef>
+        </p:style>
+      </p:cxnSp>
+      <p:cxnSp>
+        <p:nvCxnSpPr>
+          <p:cNvPr id="209" name="직선 연결선 208"/>
+          <p:cNvCxnSpPr/>
+          <p:nvPr/>
+        </p:nvCxnSpPr>
+        <p:spPr>
+          <a:xfrm>
+            <a:off x="1750637" y="4403001"/>
+            <a:ext cx="1274240" cy="0"/>
+          </a:xfrm>
+          <a:prstGeom prst="line">
+            <a:avLst/>
+          </a:prstGeom>
+          <a:ln>
+            <a:solidFill>
+              <a:schemeClr val="tx2">
+                <a:lumMod val="60000"/>
+                <a:lumOff val="40000"/>
+              </a:schemeClr>
+            </a:solidFill>
+            <a:prstDash val="sysDot"/>
+          </a:ln>
+        </p:spPr>
+        <p:style>
+          <a:lnRef idx="1">
+            <a:schemeClr val="accent1"/>
+          </a:lnRef>
+          <a:fillRef idx="0">
+            <a:schemeClr val="accent1"/>
+          </a:fillRef>
+          <a:effectRef idx="0">
+            <a:schemeClr val="accent1"/>
+          </a:effectRef>
+          <a:fontRef idx="minor">
+            <a:schemeClr val="tx1"/>
+          </a:fontRef>
+        </p:style>
+      </p:cxnSp>
+      <p:sp>
+        <p:nvSpPr>
+          <p:cNvPr id="210" name="직사각형 209"/>
+          <p:cNvSpPr/>
+          <p:nvPr/>
+        </p:nvSpPr>
+        <p:spPr>
+          <a:xfrm>
+            <a:off x="1727276" y="2346801"/>
+            <a:ext cx="1318478" cy="132007"/>
+          </a:xfrm>
+          <a:prstGeom prst="rect">
+            <a:avLst/>
+          </a:prstGeom>
+          <a:noFill/>
+          <a:ln w="3175">
+            <a:noFill/>
+          </a:ln>
+        </p:spPr>
+        <p:style>
+          <a:lnRef idx="2">
+            <a:schemeClr val="accent1">
+              <a:shade val="50000"/>
+            </a:schemeClr>
+          </a:lnRef>
+          <a:fillRef idx="1">
+            <a:schemeClr val="accent1"/>
+          </a:fillRef>
+          <a:effectRef idx="0">
+            <a:schemeClr val="accent1"/>
+          </a:effectRef>
+          <a:fontRef idx="minor">
+            <a:schemeClr val="lt1"/>
+          </a:fontRef>
+        </p:style>
+        <p:txBody>
+          <a:bodyPr rtlCol="0" anchor="ctr"/>
+          <a:lstStyle/>
+          <a:p>
+            <a:pPr algn="ctr"/>
+            <a:endParaRPr lang="ko-KR" altLang="en-US" sz="1350">
+              <a:latin typeface="Calibri" panose="020F0502020204030204" pitchFamily="34" charset="0"/>
+              <a:cs typeface="Calibri" panose="020F0502020204030204" pitchFamily="34" charset="0"/>
+            </a:endParaRPr>
+          </a:p>
+        </p:txBody>
+      </p:sp>
+      <p:sp>
+        <p:nvSpPr>
+          <p:cNvPr id="211" name="TextBox 210"/>
+          <p:cNvSpPr txBox="1"/>
+          <p:nvPr/>
+        </p:nvSpPr>
+        <p:spPr>
+          <a:xfrm>
+            <a:off x="1845676" y="2342503"/>
+            <a:ext cx="689506" cy="184666"/>
+          </a:xfrm>
+          <a:prstGeom prst="rect">
+            <a:avLst/>
+          </a:prstGeom>
+          <a:noFill/>
+        </p:spPr>
+        <p:txBody>
+          <a:bodyPr wrap="square" rtlCol="0">
+            <a:spAutoFit/>
+          </a:bodyPr>
+          <a:lstStyle/>
+          <a:p>
+            <a:r>
+              <a:rPr lang="en-US" altLang="ko-KR" sz="600" b="1" dirty="0" smtClean="0">
+                <a:latin typeface="Calibri" panose="020F0502020204030204" pitchFamily="34" charset="0"/>
+                <a:cs typeface="Calibri" panose="020F0502020204030204" pitchFamily="34" charset="0"/>
+              </a:rPr>
+              <a:t>Preview</a:t>
+            </a:r>
+            <a:endParaRPr lang="ko-KR" altLang="en-US" sz="600" b="1" dirty="0">
+              <a:latin typeface="Calibri" panose="020F0502020204030204" pitchFamily="34" charset="0"/>
+              <a:cs typeface="Calibri" panose="020F0502020204030204" pitchFamily="34" charset="0"/>
+            </a:endParaRPr>
+          </a:p>
+        </p:txBody>
+      </p:sp>
+      <p:grpSp>
+        <p:nvGrpSpPr>
+          <p:cNvPr id="212" name="그룹 211"/>
+          <p:cNvGrpSpPr/>
+          <p:nvPr/>
+        </p:nvGrpSpPr>
+        <p:grpSpPr>
+          <a:xfrm>
+            <a:off x="1745877" y="2331428"/>
+            <a:ext cx="133909" cy="196208"/>
+            <a:chOff x="337741" y="1213851"/>
+            <a:chExt cx="211455" cy="309832"/>
+          </a:xfrm>
+        </p:grpSpPr>
+        <p:grpSp>
+          <p:nvGrpSpPr>
+            <p:cNvPr id="213" name="그룹 212"/>
+            <p:cNvGrpSpPr/>
+            <p:nvPr/>
+          </p:nvGrpSpPr>
+          <p:grpSpPr>
+            <a:xfrm>
+              <a:off x="357467" y="1238856"/>
+              <a:ext cx="178849" cy="178883"/>
+              <a:chOff x="3819809" y="3692077"/>
+              <a:chExt cx="178849" cy="178883"/>
+            </a:xfrm>
+          </p:grpSpPr>
+          <p:grpSp>
+            <p:nvGrpSpPr>
+              <p:cNvPr id="215" name="그룹 214"/>
+              <p:cNvGrpSpPr/>
+              <p:nvPr/>
+            </p:nvGrpSpPr>
+            <p:grpSpPr>
+              <a:xfrm>
+                <a:off x="3914561" y="3774297"/>
+                <a:ext cx="84097" cy="96663"/>
+                <a:chOff x="4577405" y="1705019"/>
+                <a:chExt cx="1747506" cy="2008628"/>
+              </a:xfrm>
+              <a:solidFill>
+                <a:schemeClr val="accent5">
+                  <a:lumMod val="75000"/>
+                </a:schemeClr>
+              </a:solidFill>
+            </p:grpSpPr>
+            <p:sp>
+              <p:nvSpPr>
+                <p:cNvPr id="222" name="육각형 221"/>
+                <p:cNvSpPr/>
+                <p:nvPr/>
+              </p:nvSpPr>
+              <p:spPr>
+                <a:xfrm rot="5400000">
+                  <a:off x="4446844" y="1835580"/>
+                  <a:ext cx="2008628" cy="1747506"/>
+                </a:xfrm>
+                <a:prstGeom prst="hexagon">
+                  <a:avLst>
+                    <a:gd name="adj" fmla="val 25000"/>
+                    <a:gd name="vf" fmla="val 115470"/>
+                  </a:avLst>
+                </a:prstGeom>
+                <a:grpFill/>
+                <a:ln>
+                  <a:solidFill>
+                    <a:schemeClr val="accent5">
+                      <a:lumMod val="75000"/>
+                    </a:schemeClr>
+                  </a:solidFill>
+                </a:ln>
+              </p:spPr>
+              <p:style>
+                <a:lnRef idx="2">
+                  <a:schemeClr val="lt1">
+                    <a:hueOff val="0"/>
+                    <a:satOff val="0"/>
+                    <a:lumOff val="0"/>
+                    <a:alphaOff val="0"/>
+                  </a:schemeClr>
+                </a:lnRef>
+                <a:fillRef idx="1">
+                  <a:schemeClr val="accent1">
+                    <a:hueOff val="0"/>
+                    <a:satOff val="0"/>
+                    <a:lumOff val="0"/>
+                    <a:alphaOff val="0"/>
+                  </a:schemeClr>
+                </a:fillRef>
+                <a:effectRef idx="0">
+                  <a:schemeClr val="accent1">
+                    <a:hueOff val="0"/>
+                    <a:satOff val="0"/>
+                    <a:lumOff val="0"/>
+                    <a:alphaOff val="0"/>
+                  </a:schemeClr>
+                </a:effectRef>
+                <a:fontRef idx="minor">
+                  <a:schemeClr val="lt1"/>
+                </a:fontRef>
+              </p:style>
+            </p:sp>
+            <p:sp>
+              <p:nvSpPr>
+                <p:cNvPr id="223" name="육각형 4"/>
+                <p:cNvSpPr txBox="1"/>
+                <p:nvPr/>
+              </p:nvSpPr>
+              <p:spPr>
+                <a:xfrm>
+                  <a:off x="4849725" y="2018030"/>
+                  <a:ext cx="1202866" cy="1382606"/>
+                </a:xfrm>
+                <a:prstGeom prst="rect">
+                  <a:avLst/>
+                </a:prstGeom>
+                <a:grpFill/>
+                <a:ln>
+                  <a:solidFill>
+                    <a:schemeClr val="accent5">
+                      <a:lumMod val="75000"/>
+                    </a:schemeClr>
+                  </a:solidFill>
+                </a:ln>
+              </p:spPr>
+              <p:style>
+                <a:lnRef idx="0">
+                  <a:scrgbClr r="0" g="0" b="0"/>
+                </a:lnRef>
+                <a:fillRef idx="0">
+                  <a:scrgbClr r="0" g="0" b="0"/>
+                </a:fillRef>
+                <a:effectRef idx="0">
+                  <a:scrgbClr r="0" g="0" b="0"/>
+                </a:effectRef>
+                <a:fontRef idx="minor">
+                  <a:schemeClr val="lt1"/>
+                </a:fontRef>
+              </p:style>
+              <p:txBody>
+                <a:bodyPr spcFirstLastPara="0" vert="horz" wrap="square" lIns="0" tIns="0" rIns="0" bIns="0" numCol="1" spcCol="1270" anchor="ctr" anchorCtr="0">
+                  <a:noAutofit/>
+                </a:bodyPr>
+                <a:lstStyle/>
+                <a:p>
+                  <a:pPr algn="ctr" defTabSz="1200120">
+                    <a:lnSpc>
+                      <a:spcPct val="90000"/>
+                    </a:lnSpc>
+                    <a:spcBef>
+                      <a:spcPct val="0"/>
+                    </a:spcBef>
+                    <a:spcAft>
+                      <a:spcPct val="35000"/>
+                    </a:spcAft>
+                  </a:pPr>
+                  <a:endParaRPr lang="ko-KR" altLang="en-US" sz="2700">
+                    <a:latin typeface="Calibri" panose="020F0502020204030204" pitchFamily="34" charset="0"/>
+                    <a:cs typeface="Calibri" panose="020F0502020204030204" pitchFamily="34" charset="0"/>
+                  </a:endParaRPr>
+                </a:p>
+              </p:txBody>
+            </p:sp>
+          </p:grpSp>
+          <p:grpSp>
+            <p:nvGrpSpPr>
+              <p:cNvPr id="216" name="그룹 215"/>
+              <p:cNvGrpSpPr/>
+              <p:nvPr/>
+            </p:nvGrpSpPr>
+            <p:grpSpPr>
+              <a:xfrm>
+                <a:off x="3819809" y="3774297"/>
+                <a:ext cx="84097" cy="96663"/>
+                <a:chOff x="4577405" y="1705019"/>
+                <a:chExt cx="1747506" cy="2008628"/>
+              </a:xfrm>
+              <a:solidFill>
+                <a:schemeClr val="accent5">
+                  <a:lumMod val="75000"/>
+                </a:schemeClr>
+              </a:solidFill>
+            </p:grpSpPr>
+            <p:sp>
+              <p:nvSpPr>
+                <p:cNvPr id="220" name="육각형 219"/>
+                <p:cNvSpPr/>
+                <p:nvPr/>
+              </p:nvSpPr>
+              <p:spPr>
+                <a:xfrm rot="5400000">
+                  <a:off x="4446844" y="1835580"/>
+                  <a:ext cx="2008628" cy="1747506"/>
+                </a:xfrm>
+                <a:prstGeom prst="hexagon">
+                  <a:avLst>
+                    <a:gd name="adj" fmla="val 25000"/>
+                    <a:gd name="vf" fmla="val 115470"/>
+                  </a:avLst>
+                </a:prstGeom>
+                <a:grpFill/>
+                <a:ln>
+                  <a:solidFill>
+                    <a:schemeClr val="accent5">
+                      <a:lumMod val="75000"/>
+                    </a:schemeClr>
+                  </a:solidFill>
+                </a:ln>
+              </p:spPr>
+              <p:style>
+                <a:lnRef idx="2">
+                  <a:schemeClr val="lt1">
+                    <a:hueOff val="0"/>
+                    <a:satOff val="0"/>
+                    <a:lumOff val="0"/>
+                    <a:alphaOff val="0"/>
+                  </a:schemeClr>
+                </a:lnRef>
+                <a:fillRef idx="1">
+                  <a:schemeClr val="accent1">
+                    <a:hueOff val="0"/>
+                    <a:satOff val="0"/>
+                    <a:lumOff val="0"/>
+                    <a:alphaOff val="0"/>
+                  </a:schemeClr>
+                </a:fillRef>
+                <a:effectRef idx="0">
+                  <a:schemeClr val="accent1">
+                    <a:hueOff val="0"/>
+                    <a:satOff val="0"/>
+                    <a:lumOff val="0"/>
+                    <a:alphaOff val="0"/>
+                  </a:schemeClr>
+                </a:effectRef>
+                <a:fontRef idx="minor">
+                  <a:schemeClr val="lt1"/>
+                </a:fontRef>
+              </p:style>
+            </p:sp>
+            <p:sp>
+              <p:nvSpPr>
+                <p:cNvPr id="221" name="육각형 4"/>
+                <p:cNvSpPr txBox="1"/>
+                <p:nvPr/>
+              </p:nvSpPr>
+              <p:spPr>
+                <a:xfrm>
+                  <a:off x="4849725" y="2018030"/>
+                  <a:ext cx="1202866" cy="1382606"/>
+                </a:xfrm>
+                <a:prstGeom prst="rect">
+                  <a:avLst/>
+                </a:prstGeom>
+                <a:grpFill/>
+                <a:ln>
+                  <a:solidFill>
+                    <a:schemeClr val="accent5">
+                      <a:lumMod val="75000"/>
+                    </a:schemeClr>
+                  </a:solidFill>
+                </a:ln>
+              </p:spPr>
+              <p:style>
+                <a:lnRef idx="0">
+                  <a:scrgbClr r="0" g="0" b="0"/>
+                </a:lnRef>
+                <a:fillRef idx="0">
+                  <a:scrgbClr r="0" g="0" b="0"/>
+                </a:fillRef>
+                <a:effectRef idx="0">
+                  <a:scrgbClr r="0" g="0" b="0"/>
+                </a:effectRef>
+                <a:fontRef idx="minor">
+                  <a:schemeClr val="lt1"/>
+                </a:fontRef>
+              </p:style>
+              <p:txBody>
+                <a:bodyPr spcFirstLastPara="0" vert="horz" wrap="square" lIns="0" tIns="0" rIns="0" bIns="0" numCol="1" spcCol="1270" anchor="ctr" anchorCtr="0">
+                  <a:noAutofit/>
+                </a:bodyPr>
+                <a:lstStyle/>
+                <a:p>
+                  <a:pPr algn="ctr" defTabSz="1200120">
+                    <a:lnSpc>
+                      <a:spcPct val="90000"/>
+                    </a:lnSpc>
+                    <a:spcBef>
+                      <a:spcPct val="0"/>
+                    </a:spcBef>
+                    <a:spcAft>
+                      <a:spcPct val="35000"/>
+                    </a:spcAft>
+                  </a:pPr>
+                  <a:endParaRPr lang="ko-KR" altLang="en-US" sz="2700">
+                    <a:latin typeface="Calibri" panose="020F0502020204030204" pitchFamily="34" charset="0"/>
+                    <a:cs typeface="Calibri" panose="020F0502020204030204" pitchFamily="34" charset="0"/>
+                  </a:endParaRPr>
+                </a:p>
+              </p:txBody>
+            </p:sp>
+          </p:grpSp>
+          <p:grpSp>
+            <p:nvGrpSpPr>
+              <p:cNvPr id="217" name="그룹 216"/>
+              <p:cNvGrpSpPr/>
+              <p:nvPr/>
+            </p:nvGrpSpPr>
+            <p:grpSpPr>
+              <a:xfrm>
+                <a:off x="3865961" y="3692077"/>
+                <a:ext cx="84097" cy="96663"/>
+                <a:chOff x="4577405" y="1705019"/>
+                <a:chExt cx="1747506" cy="2008628"/>
+              </a:xfrm>
+              <a:solidFill>
+                <a:schemeClr val="accent5">
+                  <a:lumMod val="75000"/>
+                </a:schemeClr>
+              </a:solidFill>
+            </p:grpSpPr>
+            <p:sp>
+              <p:nvSpPr>
+                <p:cNvPr id="218" name="육각형 217"/>
+                <p:cNvSpPr/>
+                <p:nvPr/>
+              </p:nvSpPr>
+              <p:spPr>
+                <a:xfrm rot="5400000">
+                  <a:off x="4446844" y="1835580"/>
+                  <a:ext cx="2008628" cy="1747506"/>
+                </a:xfrm>
+                <a:prstGeom prst="hexagon">
+                  <a:avLst>
+                    <a:gd name="adj" fmla="val 25000"/>
+                    <a:gd name="vf" fmla="val 115470"/>
+                  </a:avLst>
+                </a:prstGeom>
+                <a:grpFill/>
+                <a:ln>
+                  <a:solidFill>
+                    <a:schemeClr val="accent5">
+                      <a:lumMod val="75000"/>
+                    </a:schemeClr>
+                  </a:solidFill>
+                </a:ln>
+              </p:spPr>
+              <p:style>
+                <a:lnRef idx="2">
+                  <a:schemeClr val="lt1">
+                    <a:hueOff val="0"/>
+                    <a:satOff val="0"/>
+                    <a:lumOff val="0"/>
+                    <a:alphaOff val="0"/>
+                  </a:schemeClr>
+                </a:lnRef>
+                <a:fillRef idx="1">
+                  <a:schemeClr val="accent1">
+                    <a:hueOff val="0"/>
+                    <a:satOff val="0"/>
+                    <a:lumOff val="0"/>
+                    <a:alphaOff val="0"/>
+                  </a:schemeClr>
+                </a:fillRef>
+                <a:effectRef idx="0">
+                  <a:schemeClr val="accent1">
+                    <a:hueOff val="0"/>
+                    <a:satOff val="0"/>
+                    <a:lumOff val="0"/>
+                    <a:alphaOff val="0"/>
+                  </a:schemeClr>
+                </a:effectRef>
+                <a:fontRef idx="minor">
+                  <a:schemeClr val="lt1"/>
+                </a:fontRef>
+              </p:style>
+            </p:sp>
+            <p:sp>
+              <p:nvSpPr>
+                <p:cNvPr id="219" name="육각형 4"/>
+                <p:cNvSpPr txBox="1"/>
+                <p:nvPr/>
+              </p:nvSpPr>
+              <p:spPr>
+                <a:xfrm>
+                  <a:off x="4849725" y="2018030"/>
+                  <a:ext cx="1202866" cy="1382606"/>
+                </a:xfrm>
+                <a:prstGeom prst="rect">
+                  <a:avLst/>
+                </a:prstGeom>
+                <a:grpFill/>
+                <a:ln>
+                  <a:solidFill>
+                    <a:schemeClr val="accent5">
+                      <a:lumMod val="75000"/>
+                    </a:schemeClr>
+                  </a:solidFill>
+                </a:ln>
+              </p:spPr>
+              <p:style>
+                <a:lnRef idx="0">
+                  <a:scrgbClr r="0" g="0" b="0"/>
+                </a:lnRef>
+                <a:fillRef idx="0">
+                  <a:scrgbClr r="0" g="0" b="0"/>
+                </a:fillRef>
+                <a:effectRef idx="0">
+                  <a:scrgbClr r="0" g="0" b="0"/>
+                </a:effectRef>
+                <a:fontRef idx="minor">
+                  <a:schemeClr val="lt1"/>
+                </a:fontRef>
+              </p:style>
+              <p:txBody>
+                <a:bodyPr spcFirstLastPara="0" vert="horz" wrap="square" lIns="0" tIns="0" rIns="0" bIns="0" numCol="1" spcCol="1270" anchor="ctr" anchorCtr="0">
+                  <a:noAutofit/>
+                </a:bodyPr>
+                <a:lstStyle/>
+                <a:p>
+                  <a:pPr algn="ctr" defTabSz="1200120">
+                    <a:lnSpc>
+                      <a:spcPct val="90000"/>
+                    </a:lnSpc>
+                    <a:spcBef>
+                      <a:spcPct val="0"/>
+                    </a:spcBef>
+                    <a:spcAft>
+                      <a:spcPct val="35000"/>
+                    </a:spcAft>
+                  </a:pPr>
+                  <a:endParaRPr lang="ko-KR" altLang="en-US" sz="2700">
+                    <a:latin typeface="Calibri" panose="020F0502020204030204" pitchFamily="34" charset="0"/>
+                    <a:cs typeface="Calibri" panose="020F0502020204030204" pitchFamily="34" charset="0"/>
+                  </a:endParaRPr>
+                </a:p>
+              </p:txBody>
+            </p:sp>
+          </p:grpSp>
+        </p:grpSp>
+        <p:sp>
+          <p:nvSpPr>
+            <p:cNvPr id="214" name="TextBox 213"/>
+            <p:cNvSpPr txBox="1"/>
+            <p:nvPr/>
+          </p:nvSpPr>
+          <p:spPr>
+            <a:xfrm>
+              <a:off x="337741" y="1213851"/>
+              <a:ext cx="211455" cy="309832"/>
+            </a:xfrm>
+            <a:prstGeom prst="rect">
+              <a:avLst/>
+            </a:prstGeom>
+            <a:noFill/>
+          </p:spPr>
+          <p:txBody>
+            <a:bodyPr wrap="square" rtlCol="0">
+              <a:spAutoFit/>
+            </a:bodyPr>
+            <a:lstStyle/>
+            <a:p>
+              <a:pPr algn="ctr"/>
+              <a:r>
+                <a:rPr lang="en-US" altLang="ko-KR" sz="675" b="1" dirty="0">
+                  <a:solidFill>
+                    <a:schemeClr val="bg1"/>
+                  </a:solidFill>
+                  <a:latin typeface="Calibri" panose="020F0502020204030204" pitchFamily="34" charset="0"/>
+                  <a:cs typeface="Calibri" panose="020F0502020204030204" pitchFamily="34" charset="0"/>
+                </a:rPr>
+                <a:t>c</a:t>
+              </a:r>
+              <a:endParaRPr lang="ko-KR" altLang="en-US" sz="675" b="1" dirty="0">
+                <a:solidFill>
+                  <a:schemeClr val="bg1"/>
+                </a:solidFill>
+                <a:latin typeface="Calibri" panose="020F0502020204030204" pitchFamily="34" charset="0"/>
+                <a:cs typeface="Calibri" panose="020F0502020204030204" pitchFamily="34" charset="0"/>
+              </a:endParaRPr>
+            </a:p>
+          </p:txBody>
+        </p:sp>
+      </p:grpSp>
+      <p:sp>
+        <p:nvSpPr>
+          <p:cNvPr id="224" name="갈매기형 수장 223"/>
+          <p:cNvSpPr/>
+          <p:nvPr/>
+        </p:nvSpPr>
+        <p:spPr>
+          <a:xfrm rot="16200000">
+            <a:off x="2941539" y="2393173"/>
+            <a:ext cx="28952" cy="38534"/>
+          </a:xfrm>
+          <a:prstGeom prst="chevron">
+            <a:avLst/>
+          </a:prstGeom>
+          <a:solidFill>
+            <a:schemeClr val="tx2">
+              <a:lumMod val="75000"/>
+            </a:schemeClr>
+          </a:solidFill>
+          <a:ln w="3175">
+            <a:solidFill>
+              <a:schemeClr val="tx2">
+                <a:lumMod val="75000"/>
+              </a:schemeClr>
+            </a:solidFill>
+          </a:ln>
+        </p:spPr>
+        <p:style>
+          <a:lnRef idx="2">
+            <a:schemeClr val="accent1">
+              <a:shade val="50000"/>
+            </a:schemeClr>
+          </a:lnRef>
+          <a:fillRef idx="1">
+            <a:schemeClr val="accent1"/>
+          </a:fillRef>
+          <a:effectRef idx="0">
+            <a:schemeClr val="accent1"/>
+          </a:effectRef>
+          <a:fontRef idx="minor">
+            <a:schemeClr val="lt1"/>
+          </a:fontRef>
+        </p:style>
+        <p:txBody>
+          <a:bodyPr rtlCol="0" anchor="ctr"/>
+          <a:lstStyle/>
+          <a:p>
+            <a:pPr algn="ctr"/>
+            <a:endParaRPr lang="ko-KR" altLang="en-US" sz="1350">
+              <a:solidFill>
+                <a:schemeClr val="tx1"/>
+              </a:solidFill>
+            </a:endParaRPr>
+          </a:p>
+        </p:txBody>
+      </p:sp>
+      <p:sp>
+        <p:nvSpPr>
+          <p:cNvPr id="225" name="직사각형 224"/>
+          <p:cNvSpPr/>
+          <p:nvPr/>
+        </p:nvSpPr>
+        <p:spPr>
+          <a:xfrm>
+            <a:off x="1727202" y="2882178"/>
+            <a:ext cx="1318478" cy="132007"/>
+          </a:xfrm>
+          <a:prstGeom prst="rect">
+            <a:avLst/>
+          </a:prstGeom>
+          <a:noFill/>
+          <a:ln w="3175">
+            <a:noFill/>
+          </a:ln>
+        </p:spPr>
+        <p:style>
+          <a:lnRef idx="2">
+            <a:schemeClr val="accent1">
+              <a:shade val="50000"/>
+            </a:schemeClr>
+          </a:lnRef>
+          <a:fillRef idx="1">
+            <a:schemeClr val="accent1"/>
+          </a:fillRef>
+          <a:effectRef idx="0">
+            <a:schemeClr val="accent1"/>
+          </a:effectRef>
+          <a:fontRef idx="minor">
+            <a:schemeClr val="lt1"/>
+          </a:fontRef>
+        </p:style>
+        <p:txBody>
+          <a:bodyPr rtlCol="0" anchor="ctr"/>
+          <a:lstStyle/>
+          <a:p>
+            <a:pPr algn="ctr"/>
+            <a:endParaRPr lang="ko-KR" altLang="en-US" sz="1350">
+              <a:latin typeface="Calibri" panose="020F0502020204030204" pitchFamily="34" charset="0"/>
+              <a:cs typeface="Calibri" panose="020F0502020204030204" pitchFamily="34" charset="0"/>
+            </a:endParaRPr>
+          </a:p>
+        </p:txBody>
+      </p:sp>
+      <p:sp>
+        <p:nvSpPr>
+          <p:cNvPr id="226" name="TextBox 225"/>
+          <p:cNvSpPr txBox="1"/>
+          <p:nvPr/>
+        </p:nvSpPr>
+        <p:spPr>
+          <a:xfrm>
+            <a:off x="1845602" y="4415981"/>
+            <a:ext cx="1046483" cy="184666"/>
+          </a:xfrm>
+          <a:prstGeom prst="rect">
+            <a:avLst/>
+          </a:prstGeom>
+          <a:noFill/>
+        </p:spPr>
+        <p:txBody>
+          <a:bodyPr wrap="square" rtlCol="0">
+            <a:spAutoFit/>
+          </a:bodyPr>
+          <a:lstStyle/>
+          <a:p>
+            <a:r>
+              <a:rPr lang="en-US" altLang="ko-KR" sz="600" b="1" dirty="0">
+                <a:latin typeface="Calibri" panose="020F0502020204030204" pitchFamily="34" charset="0"/>
+                <a:cs typeface="Calibri" panose="020F0502020204030204" pitchFamily="34" charset="0"/>
+              </a:rPr>
+              <a:t>Meta </a:t>
+            </a:r>
+            <a:r>
+              <a:rPr lang="en-US" altLang="ko-KR" sz="600" b="1" dirty="0" smtClean="0">
+                <a:latin typeface="Calibri" panose="020F0502020204030204" pitchFamily="34" charset="0"/>
+                <a:cs typeface="Calibri" panose="020F0502020204030204" pitchFamily="34" charset="0"/>
+              </a:rPr>
+              <a:t>Test</a:t>
+            </a:r>
+            <a:endParaRPr lang="ko-KR" altLang="en-US" sz="600" b="1" dirty="0">
+              <a:latin typeface="Calibri" panose="020F0502020204030204" pitchFamily="34" charset="0"/>
+              <a:cs typeface="Calibri" panose="020F0502020204030204" pitchFamily="34" charset="0"/>
+            </a:endParaRPr>
+          </a:p>
+        </p:txBody>
+      </p:sp>
+      <p:grpSp>
+        <p:nvGrpSpPr>
+          <p:cNvPr id="227" name="그룹 226"/>
+          <p:cNvGrpSpPr/>
+          <p:nvPr/>
+        </p:nvGrpSpPr>
+        <p:grpSpPr>
+          <a:xfrm>
+            <a:off x="1745802" y="4411030"/>
+            <a:ext cx="133909" cy="196208"/>
+            <a:chOff x="337741" y="1213851"/>
+            <a:chExt cx="211455" cy="309832"/>
+          </a:xfrm>
+        </p:grpSpPr>
+        <p:grpSp>
+          <p:nvGrpSpPr>
+            <p:cNvPr id="228" name="그룹 227"/>
+            <p:cNvGrpSpPr/>
+            <p:nvPr/>
+          </p:nvGrpSpPr>
+          <p:grpSpPr>
+            <a:xfrm>
+              <a:off x="357467" y="1238856"/>
+              <a:ext cx="178849" cy="178883"/>
+              <a:chOff x="3819809" y="3692077"/>
+              <a:chExt cx="178849" cy="178883"/>
+            </a:xfrm>
+          </p:grpSpPr>
+          <p:grpSp>
+            <p:nvGrpSpPr>
+              <p:cNvPr id="230" name="그룹 229"/>
+              <p:cNvGrpSpPr/>
+              <p:nvPr/>
+            </p:nvGrpSpPr>
+            <p:grpSpPr>
+              <a:xfrm>
+                <a:off x="3914561" y="3774297"/>
+                <a:ext cx="84097" cy="96663"/>
+                <a:chOff x="4577405" y="1705019"/>
+                <a:chExt cx="1747506" cy="2008628"/>
+              </a:xfrm>
+              <a:solidFill>
+                <a:schemeClr val="accent5">
+                  <a:lumMod val="75000"/>
+                </a:schemeClr>
+              </a:solidFill>
+            </p:grpSpPr>
+            <p:sp>
+              <p:nvSpPr>
+                <p:cNvPr id="237" name="육각형 236"/>
+                <p:cNvSpPr/>
+                <p:nvPr/>
+              </p:nvSpPr>
+              <p:spPr>
+                <a:xfrm rot="5400000">
+                  <a:off x="4446844" y="1835580"/>
+                  <a:ext cx="2008628" cy="1747506"/>
+                </a:xfrm>
+                <a:prstGeom prst="hexagon">
+                  <a:avLst>
+                    <a:gd name="adj" fmla="val 25000"/>
+                    <a:gd name="vf" fmla="val 115470"/>
+                  </a:avLst>
+                </a:prstGeom>
+                <a:grpFill/>
+                <a:ln>
+                  <a:solidFill>
+                    <a:schemeClr val="accent5">
+                      <a:lumMod val="75000"/>
+                    </a:schemeClr>
+                  </a:solidFill>
+                </a:ln>
+              </p:spPr>
+              <p:style>
+                <a:lnRef idx="2">
+                  <a:schemeClr val="lt1">
+                    <a:hueOff val="0"/>
+                    <a:satOff val="0"/>
+                    <a:lumOff val="0"/>
+                    <a:alphaOff val="0"/>
+                  </a:schemeClr>
+                </a:lnRef>
+                <a:fillRef idx="1">
+                  <a:schemeClr val="accent1">
+                    <a:hueOff val="0"/>
+                    <a:satOff val="0"/>
+                    <a:lumOff val="0"/>
+                    <a:alphaOff val="0"/>
+                  </a:schemeClr>
+                </a:fillRef>
+                <a:effectRef idx="0">
+                  <a:schemeClr val="accent1">
+                    <a:hueOff val="0"/>
+                    <a:satOff val="0"/>
+                    <a:lumOff val="0"/>
+                    <a:alphaOff val="0"/>
+                  </a:schemeClr>
+                </a:effectRef>
+                <a:fontRef idx="minor">
+                  <a:schemeClr val="lt1"/>
+                </a:fontRef>
+              </p:style>
+            </p:sp>
+            <p:sp>
+              <p:nvSpPr>
+                <p:cNvPr id="238" name="육각형 4"/>
+                <p:cNvSpPr txBox="1"/>
+                <p:nvPr/>
+              </p:nvSpPr>
+              <p:spPr>
+                <a:xfrm>
+                  <a:off x="4849725" y="2018030"/>
+                  <a:ext cx="1202866" cy="1382606"/>
+                </a:xfrm>
+                <a:prstGeom prst="rect">
+                  <a:avLst/>
+                </a:prstGeom>
+                <a:grpFill/>
+                <a:ln>
+                  <a:solidFill>
+                    <a:schemeClr val="accent5">
+                      <a:lumMod val="75000"/>
+                    </a:schemeClr>
+                  </a:solidFill>
+                </a:ln>
+              </p:spPr>
+              <p:style>
+                <a:lnRef idx="0">
+                  <a:scrgbClr r="0" g="0" b="0"/>
+                </a:lnRef>
+                <a:fillRef idx="0">
+                  <a:scrgbClr r="0" g="0" b="0"/>
+                </a:fillRef>
+                <a:effectRef idx="0">
+                  <a:scrgbClr r="0" g="0" b="0"/>
+                </a:effectRef>
+                <a:fontRef idx="minor">
+                  <a:schemeClr val="lt1"/>
+                </a:fontRef>
+              </p:style>
+              <p:txBody>
+                <a:bodyPr spcFirstLastPara="0" vert="horz" wrap="square" lIns="0" tIns="0" rIns="0" bIns="0" numCol="1" spcCol="1270" anchor="ctr" anchorCtr="0">
+                  <a:noAutofit/>
+                </a:bodyPr>
+                <a:lstStyle/>
+                <a:p>
+                  <a:pPr algn="ctr" defTabSz="1200120">
+                    <a:lnSpc>
+                      <a:spcPct val="90000"/>
+                    </a:lnSpc>
+                    <a:spcBef>
+                      <a:spcPct val="0"/>
+                    </a:spcBef>
+                    <a:spcAft>
+                      <a:spcPct val="35000"/>
+                    </a:spcAft>
+                  </a:pPr>
+                  <a:endParaRPr lang="ko-KR" altLang="en-US" sz="2700">
+                    <a:latin typeface="Calibri" panose="020F0502020204030204" pitchFamily="34" charset="0"/>
+                    <a:cs typeface="Calibri" panose="020F0502020204030204" pitchFamily="34" charset="0"/>
+                  </a:endParaRPr>
+                </a:p>
+              </p:txBody>
+            </p:sp>
+          </p:grpSp>
+          <p:grpSp>
+            <p:nvGrpSpPr>
+              <p:cNvPr id="231" name="그룹 230"/>
+              <p:cNvGrpSpPr/>
+              <p:nvPr/>
+            </p:nvGrpSpPr>
+            <p:grpSpPr>
+              <a:xfrm>
+                <a:off x="3819809" y="3774297"/>
+                <a:ext cx="84097" cy="96663"/>
+                <a:chOff x="4577405" y="1705019"/>
+                <a:chExt cx="1747506" cy="2008628"/>
+              </a:xfrm>
+              <a:solidFill>
+                <a:schemeClr val="accent5">
+                  <a:lumMod val="75000"/>
+                </a:schemeClr>
+              </a:solidFill>
+            </p:grpSpPr>
+            <p:sp>
+              <p:nvSpPr>
+                <p:cNvPr id="235" name="육각형 234"/>
+                <p:cNvSpPr/>
+                <p:nvPr/>
+              </p:nvSpPr>
+              <p:spPr>
+                <a:xfrm rot="5400000">
+                  <a:off x="4446844" y="1835580"/>
+                  <a:ext cx="2008628" cy="1747506"/>
+                </a:xfrm>
+                <a:prstGeom prst="hexagon">
+                  <a:avLst>
+                    <a:gd name="adj" fmla="val 25000"/>
+                    <a:gd name="vf" fmla="val 115470"/>
+                  </a:avLst>
+                </a:prstGeom>
+                <a:grpFill/>
+                <a:ln>
+                  <a:solidFill>
+                    <a:schemeClr val="accent5">
+                      <a:lumMod val="75000"/>
+                    </a:schemeClr>
+                  </a:solidFill>
+                </a:ln>
+              </p:spPr>
+              <p:style>
+                <a:lnRef idx="2">
+                  <a:schemeClr val="lt1">
+                    <a:hueOff val="0"/>
+                    <a:satOff val="0"/>
+                    <a:lumOff val="0"/>
+                    <a:alphaOff val="0"/>
+                  </a:schemeClr>
+                </a:lnRef>
+                <a:fillRef idx="1">
+                  <a:schemeClr val="accent1">
+                    <a:hueOff val="0"/>
+                    <a:satOff val="0"/>
+                    <a:lumOff val="0"/>
+                    <a:alphaOff val="0"/>
+                  </a:schemeClr>
+                </a:fillRef>
+                <a:effectRef idx="0">
+                  <a:schemeClr val="accent1">
+                    <a:hueOff val="0"/>
+                    <a:satOff val="0"/>
+                    <a:lumOff val="0"/>
+                    <a:alphaOff val="0"/>
+                  </a:schemeClr>
+                </a:effectRef>
+                <a:fontRef idx="minor">
+                  <a:schemeClr val="lt1"/>
+                </a:fontRef>
+              </p:style>
+            </p:sp>
+            <p:sp>
+              <p:nvSpPr>
+                <p:cNvPr id="236" name="육각형 4"/>
+                <p:cNvSpPr txBox="1"/>
+                <p:nvPr/>
+              </p:nvSpPr>
+              <p:spPr>
+                <a:xfrm>
+                  <a:off x="4849725" y="2018030"/>
+                  <a:ext cx="1202866" cy="1382606"/>
+                </a:xfrm>
+                <a:prstGeom prst="rect">
+                  <a:avLst/>
+                </a:prstGeom>
+                <a:grpFill/>
+                <a:ln>
+                  <a:solidFill>
+                    <a:schemeClr val="accent5">
+                      <a:lumMod val="75000"/>
+                    </a:schemeClr>
+                  </a:solidFill>
+                </a:ln>
+              </p:spPr>
+              <p:style>
+                <a:lnRef idx="0">
+                  <a:scrgbClr r="0" g="0" b="0"/>
+                </a:lnRef>
+                <a:fillRef idx="0">
+                  <a:scrgbClr r="0" g="0" b="0"/>
+                </a:fillRef>
+                <a:effectRef idx="0">
+                  <a:scrgbClr r="0" g="0" b="0"/>
+                </a:effectRef>
+                <a:fontRef idx="minor">
+                  <a:schemeClr val="lt1"/>
+                </a:fontRef>
+              </p:style>
+              <p:txBody>
+                <a:bodyPr spcFirstLastPara="0" vert="horz" wrap="square" lIns="0" tIns="0" rIns="0" bIns="0" numCol="1" spcCol="1270" anchor="ctr" anchorCtr="0">
+                  <a:noAutofit/>
+                </a:bodyPr>
+                <a:lstStyle/>
+                <a:p>
+                  <a:pPr algn="ctr" defTabSz="1200120">
+                    <a:lnSpc>
+                      <a:spcPct val="90000"/>
+                    </a:lnSpc>
+                    <a:spcBef>
+                      <a:spcPct val="0"/>
+                    </a:spcBef>
+                    <a:spcAft>
+                      <a:spcPct val="35000"/>
+                    </a:spcAft>
+                  </a:pPr>
+                  <a:endParaRPr lang="ko-KR" altLang="en-US" sz="2700">
+                    <a:latin typeface="Calibri" panose="020F0502020204030204" pitchFamily="34" charset="0"/>
+                    <a:cs typeface="Calibri" panose="020F0502020204030204" pitchFamily="34" charset="0"/>
+                  </a:endParaRPr>
+                </a:p>
+              </p:txBody>
+            </p:sp>
+          </p:grpSp>
+          <p:grpSp>
+            <p:nvGrpSpPr>
+              <p:cNvPr id="232" name="그룹 231"/>
+              <p:cNvGrpSpPr/>
+              <p:nvPr/>
+            </p:nvGrpSpPr>
+            <p:grpSpPr>
+              <a:xfrm>
+                <a:off x="3865961" y="3692077"/>
+                <a:ext cx="84097" cy="96663"/>
+                <a:chOff x="4577405" y="1705019"/>
+                <a:chExt cx="1747506" cy="2008628"/>
+              </a:xfrm>
+              <a:solidFill>
+                <a:schemeClr val="accent5">
+                  <a:lumMod val="75000"/>
+                </a:schemeClr>
+              </a:solidFill>
+            </p:grpSpPr>
+            <p:sp>
+              <p:nvSpPr>
+                <p:cNvPr id="233" name="육각형 232"/>
+                <p:cNvSpPr/>
+                <p:nvPr/>
+              </p:nvSpPr>
+              <p:spPr>
+                <a:xfrm rot="5400000">
+                  <a:off x="4446844" y="1835580"/>
+                  <a:ext cx="2008628" cy="1747506"/>
+                </a:xfrm>
+                <a:prstGeom prst="hexagon">
+                  <a:avLst>
+                    <a:gd name="adj" fmla="val 25000"/>
+                    <a:gd name="vf" fmla="val 115470"/>
+                  </a:avLst>
+                </a:prstGeom>
+                <a:grpFill/>
+                <a:ln>
+                  <a:solidFill>
+                    <a:schemeClr val="accent5">
+                      <a:lumMod val="75000"/>
+                    </a:schemeClr>
+                  </a:solidFill>
+                </a:ln>
+              </p:spPr>
+              <p:style>
+                <a:lnRef idx="2">
+                  <a:schemeClr val="lt1">
+                    <a:hueOff val="0"/>
+                    <a:satOff val="0"/>
+                    <a:lumOff val="0"/>
+                    <a:alphaOff val="0"/>
+                  </a:schemeClr>
+                </a:lnRef>
+                <a:fillRef idx="1">
+                  <a:schemeClr val="accent1">
+                    <a:hueOff val="0"/>
+                    <a:satOff val="0"/>
+                    <a:lumOff val="0"/>
+                    <a:alphaOff val="0"/>
+                  </a:schemeClr>
+                </a:fillRef>
+                <a:effectRef idx="0">
+                  <a:schemeClr val="accent1">
+                    <a:hueOff val="0"/>
+                    <a:satOff val="0"/>
+                    <a:lumOff val="0"/>
+                    <a:alphaOff val="0"/>
+                  </a:schemeClr>
+                </a:effectRef>
+                <a:fontRef idx="minor">
+                  <a:schemeClr val="lt1"/>
+                </a:fontRef>
+              </p:style>
+            </p:sp>
+            <p:sp>
+              <p:nvSpPr>
+                <p:cNvPr id="234" name="육각형 4"/>
+                <p:cNvSpPr txBox="1"/>
+                <p:nvPr/>
+              </p:nvSpPr>
+              <p:spPr>
+                <a:xfrm>
+                  <a:off x="4849725" y="2018030"/>
+                  <a:ext cx="1202866" cy="1382606"/>
+                </a:xfrm>
+                <a:prstGeom prst="rect">
+                  <a:avLst/>
+                </a:prstGeom>
+                <a:grpFill/>
+                <a:ln>
+                  <a:solidFill>
+                    <a:schemeClr val="accent5">
+                      <a:lumMod val="75000"/>
+                    </a:schemeClr>
+                  </a:solidFill>
+                </a:ln>
+              </p:spPr>
+              <p:style>
+                <a:lnRef idx="0">
+                  <a:scrgbClr r="0" g="0" b="0"/>
+                </a:lnRef>
+                <a:fillRef idx="0">
+                  <a:scrgbClr r="0" g="0" b="0"/>
+                </a:fillRef>
+                <a:effectRef idx="0">
+                  <a:scrgbClr r="0" g="0" b="0"/>
+                </a:effectRef>
+                <a:fontRef idx="minor">
+                  <a:schemeClr val="lt1"/>
+                </a:fontRef>
+              </p:style>
+              <p:txBody>
+                <a:bodyPr spcFirstLastPara="0" vert="horz" wrap="square" lIns="0" tIns="0" rIns="0" bIns="0" numCol="1" spcCol="1270" anchor="ctr" anchorCtr="0">
+                  <a:noAutofit/>
+                </a:bodyPr>
+                <a:lstStyle/>
+                <a:p>
+                  <a:pPr algn="ctr" defTabSz="1200120">
+                    <a:lnSpc>
+                      <a:spcPct val="90000"/>
+                    </a:lnSpc>
+                    <a:spcBef>
+                      <a:spcPct val="0"/>
+                    </a:spcBef>
+                    <a:spcAft>
+                      <a:spcPct val="35000"/>
+                    </a:spcAft>
+                  </a:pPr>
+                  <a:endParaRPr lang="ko-KR" altLang="en-US" sz="2700">
+                    <a:latin typeface="Calibri" panose="020F0502020204030204" pitchFamily="34" charset="0"/>
+                    <a:cs typeface="Calibri" panose="020F0502020204030204" pitchFamily="34" charset="0"/>
+                  </a:endParaRPr>
+                </a:p>
+              </p:txBody>
+            </p:sp>
+          </p:grpSp>
+        </p:grpSp>
+        <p:sp>
+          <p:nvSpPr>
+            <p:cNvPr id="229" name="TextBox 228"/>
+            <p:cNvSpPr txBox="1"/>
+            <p:nvPr/>
+          </p:nvSpPr>
+          <p:spPr>
+            <a:xfrm>
+              <a:off x="337741" y="1213851"/>
+              <a:ext cx="211455" cy="309832"/>
+            </a:xfrm>
+            <a:prstGeom prst="rect">
+              <a:avLst/>
+            </a:prstGeom>
+            <a:noFill/>
+          </p:spPr>
+          <p:txBody>
+            <a:bodyPr wrap="square" rtlCol="0">
+              <a:spAutoFit/>
+            </a:bodyPr>
+            <a:lstStyle/>
+            <a:p>
+              <a:pPr algn="ctr"/>
+              <a:r>
+                <a:rPr lang="en-US" altLang="ko-KR" sz="675" b="1" dirty="0">
+                  <a:solidFill>
+                    <a:schemeClr val="bg1"/>
+                  </a:solidFill>
+                  <a:latin typeface="Calibri" panose="020F0502020204030204" pitchFamily="34" charset="0"/>
+                  <a:cs typeface="Calibri" panose="020F0502020204030204" pitchFamily="34" charset="0"/>
+                </a:rPr>
+                <a:t>c</a:t>
+              </a:r>
+              <a:endParaRPr lang="ko-KR" altLang="en-US" sz="675" b="1" dirty="0">
+                <a:solidFill>
+                  <a:schemeClr val="bg1"/>
+                </a:solidFill>
+                <a:latin typeface="Calibri" panose="020F0502020204030204" pitchFamily="34" charset="0"/>
+                <a:cs typeface="Calibri" panose="020F0502020204030204" pitchFamily="34" charset="0"/>
+              </a:endParaRPr>
+            </a:p>
+          </p:txBody>
+        </p:sp>
+      </p:grpSp>
+      <p:sp>
+        <p:nvSpPr>
+          <p:cNvPr id="239" name="갈매기형 수장 238"/>
+          <p:cNvSpPr/>
+          <p:nvPr/>
+        </p:nvSpPr>
+        <p:spPr>
+          <a:xfrm rot="5400000">
+            <a:off x="2940977" y="4461098"/>
+            <a:ext cx="31282" cy="39464"/>
+          </a:xfrm>
+          <a:prstGeom prst="chevron">
+            <a:avLst/>
+          </a:prstGeom>
+          <a:solidFill>
+            <a:schemeClr val="tx2">
+              <a:lumMod val="75000"/>
+            </a:schemeClr>
+          </a:solidFill>
+          <a:ln w="3175">
+            <a:solidFill>
+              <a:schemeClr val="tx2">
+                <a:lumMod val="75000"/>
+              </a:schemeClr>
+            </a:solidFill>
+          </a:ln>
+        </p:spPr>
+        <p:style>
+          <a:lnRef idx="2">
+            <a:schemeClr val="accent1">
+              <a:shade val="50000"/>
+            </a:schemeClr>
+          </a:lnRef>
+          <a:fillRef idx="1">
+            <a:schemeClr val="accent1"/>
+          </a:fillRef>
+          <a:effectRef idx="0">
+            <a:schemeClr val="accent1"/>
+          </a:effectRef>
+          <a:fontRef idx="minor">
+            <a:schemeClr val="lt1"/>
+          </a:fontRef>
+        </p:style>
+        <p:txBody>
+          <a:bodyPr rtlCol="0" anchor="ctr"/>
+          <a:lstStyle/>
+          <a:p>
+            <a:pPr algn="ctr"/>
+            <a:endParaRPr lang="ko-KR" altLang="en-US" sz="1350">
+              <a:solidFill>
+                <a:schemeClr val="tx1"/>
+              </a:solidFill>
+            </a:endParaRPr>
+          </a:p>
+        </p:txBody>
+      </p:sp>
+      <p:cxnSp>
+        <p:nvCxnSpPr>
+          <p:cNvPr id="240" name="직선 연결선 239"/>
+          <p:cNvCxnSpPr/>
+          <p:nvPr/>
+        </p:nvCxnSpPr>
+        <p:spPr>
+          <a:xfrm>
+            <a:off x="1745801" y="4579609"/>
+            <a:ext cx="1274240" cy="0"/>
+          </a:xfrm>
+          <a:prstGeom prst="line">
+            <a:avLst/>
+          </a:prstGeom>
+          <a:ln>
+            <a:solidFill>
+              <a:schemeClr val="tx2">
+                <a:lumMod val="60000"/>
+                <a:lumOff val="40000"/>
+              </a:schemeClr>
+            </a:solidFill>
+            <a:prstDash val="sysDot"/>
+          </a:ln>
+        </p:spPr>
+        <p:style>
+          <a:lnRef idx="1">
+            <a:schemeClr val="accent1"/>
+          </a:lnRef>
+          <a:fillRef idx="0">
+            <a:schemeClr val="accent1"/>
+          </a:fillRef>
+          <a:effectRef idx="0">
+            <a:schemeClr val="accent1"/>
+          </a:effectRef>
+          <a:fontRef idx="minor">
+            <a:schemeClr val="tx1"/>
+          </a:fontRef>
+        </p:style>
+      </p:cxnSp>
+      <p:cxnSp>
+        <p:nvCxnSpPr>
+          <p:cNvPr id="248" name="직선 연결선 247"/>
+          <p:cNvCxnSpPr/>
+          <p:nvPr/>
+        </p:nvCxnSpPr>
+        <p:spPr>
+          <a:xfrm>
+            <a:off x="1750637" y="4577725"/>
+            <a:ext cx="1274240" cy="0"/>
+          </a:xfrm>
+          <a:prstGeom prst="line">
+            <a:avLst/>
+          </a:prstGeom>
+          <a:ln>
+            <a:solidFill>
+              <a:schemeClr val="tx2">
+                <a:lumMod val="60000"/>
+                <a:lumOff val="40000"/>
+              </a:schemeClr>
+            </a:solidFill>
+            <a:prstDash val="sysDot"/>
+          </a:ln>
+        </p:spPr>
+        <p:style>
+          <a:lnRef idx="1">
+            <a:schemeClr val="accent1"/>
+          </a:lnRef>
+          <a:fillRef idx="0">
+            <a:schemeClr val="accent1"/>
+          </a:fillRef>
+          <a:effectRef idx="0">
+            <a:schemeClr val="accent1"/>
+          </a:effectRef>
+          <a:fontRef idx="minor">
+            <a:schemeClr val="tx1"/>
+          </a:fontRef>
+        </p:style>
+      </p:cxnSp>
+      <p:sp>
+        <p:nvSpPr>
+          <p:cNvPr id="249" name="TextBox 248"/>
+          <p:cNvSpPr txBox="1"/>
+          <p:nvPr/>
+        </p:nvSpPr>
+        <p:spPr>
+          <a:xfrm>
+            <a:off x="1845602" y="4590705"/>
+            <a:ext cx="1046483" cy="184666"/>
+          </a:xfrm>
+          <a:prstGeom prst="rect">
+            <a:avLst/>
+          </a:prstGeom>
+          <a:noFill/>
+        </p:spPr>
+        <p:txBody>
+          <a:bodyPr wrap="square" rtlCol="0">
+            <a:spAutoFit/>
+          </a:bodyPr>
+          <a:lstStyle/>
+          <a:p>
+            <a:r>
+              <a:rPr lang="en-US" altLang="ko-KR" sz="600" b="1" dirty="0" smtClean="0">
+                <a:latin typeface="Calibri" panose="020F0502020204030204" pitchFamily="34" charset="0"/>
+                <a:cs typeface="Calibri" panose="020F0502020204030204" pitchFamily="34" charset="0"/>
+              </a:rPr>
+              <a:t>Predict</a:t>
+            </a:r>
+            <a:endParaRPr lang="ko-KR" altLang="en-US" sz="600" b="1" dirty="0">
+              <a:latin typeface="Calibri" panose="020F0502020204030204" pitchFamily="34" charset="0"/>
+              <a:cs typeface="Calibri" panose="020F0502020204030204" pitchFamily="34" charset="0"/>
+            </a:endParaRPr>
+          </a:p>
+        </p:txBody>
+      </p:sp>
+      <p:grpSp>
+        <p:nvGrpSpPr>
+          <p:cNvPr id="250" name="그룹 249"/>
+          <p:cNvGrpSpPr/>
+          <p:nvPr/>
+        </p:nvGrpSpPr>
+        <p:grpSpPr>
+          <a:xfrm>
+            <a:off x="1745802" y="4585754"/>
+            <a:ext cx="133909" cy="196208"/>
+            <a:chOff x="337741" y="1213851"/>
+            <a:chExt cx="211455" cy="309832"/>
+          </a:xfrm>
+        </p:grpSpPr>
+        <p:grpSp>
+          <p:nvGrpSpPr>
+            <p:cNvPr id="251" name="그룹 250"/>
+            <p:cNvGrpSpPr/>
+            <p:nvPr/>
+          </p:nvGrpSpPr>
+          <p:grpSpPr>
+            <a:xfrm>
+              <a:off x="357467" y="1238856"/>
+              <a:ext cx="178849" cy="178883"/>
+              <a:chOff x="3819809" y="3692077"/>
+              <a:chExt cx="178849" cy="178883"/>
+            </a:xfrm>
+          </p:grpSpPr>
+          <p:grpSp>
+            <p:nvGrpSpPr>
+              <p:cNvPr id="253" name="그룹 252"/>
+              <p:cNvGrpSpPr/>
+              <p:nvPr/>
+            </p:nvGrpSpPr>
+            <p:grpSpPr>
+              <a:xfrm>
+                <a:off x="3914561" y="3774297"/>
+                <a:ext cx="84097" cy="96663"/>
+                <a:chOff x="4577405" y="1705019"/>
+                <a:chExt cx="1747506" cy="2008628"/>
+              </a:xfrm>
+              <a:solidFill>
+                <a:schemeClr val="accent5">
+                  <a:lumMod val="75000"/>
+                </a:schemeClr>
+              </a:solidFill>
+            </p:grpSpPr>
+            <p:sp>
+              <p:nvSpPr>
+                <p:cNvPr id="260" name="육각형 259"/>
+                <p:cNvSpPr/>
+                <p:nvPr/>
+              </p:nvSpPr>
+              <p:spPr>
+                <a:xfrm rot="5400000">
+                  <a:off x="4446844" y="1835580"/>
+                  <a:ext cx="2008628" cy="1747506"/>
+                </a:xfrm>
+                <a:prstGeom prst="hexagon">
+                  <a:avLst>
+                    <a:gd name="adj" fmla="val 25000"/>
+                    <a:gd name="vf" fmla="val 115470"/>
+                  </a:avLst>
+                </a:prstGeom>
+                <a:grpFill/>
+                <a:ln>
+                  <a:solidFill>
+                    <a:schemeClr val="accent5">
+                      <a:lumMod val="75000"/>
+                    </a:schemeClr>
+                  </a:solidFill>
+                </a:ln>
+              </p:spPr>
+              <p:style>
+                <a:lnRef idx="2">
+                  <a:schemeClr val="lt1">
+                    <a:hueOff val="0"/>
+                    <a:satOff val="0"/>
+                    <a:lumOff val="0"/>
+                    <a:alphaOff val="0"/>
+                  </a:schemeClr>
+                </a:lnRef>
+                <a:fillRef idx="1">
+                  <a:schemeClr val="accent1">
+                    <a:hueOff val="0"/>
+                    <a:satOff val="0"/>
+                    <a:lumOff val="0"/>
+                    <a:alphaOff val="0"/>
+                  </a:schemeClr>
+                </a:fillRef>
+                <a:effectRef idx="0">
+                  <a:schemeClr val="accent1">
+                    <a:hueOff val="0"/>
+                    <a:satOff val="0"/>
+                    <a:lumOff val="0"/>
+                    <a:alphaOff val="0"/>
+                  </a:schemeClr>
+                </a:effectRef>
+                <a:fontRef idx="minor">
+                  <a:schemeClr val="lt1"/>
+                </a:fontRef>
+              </p:style>
+            </p:sp>
+            <p:sp>
+              <p:nvSpPr>
+                <p:cNvPr id="261" name="육각형 4"/>
+                <p:cNvSpPr txBox="1"/>
+                <p:nvPr/>
+              </p:nvSpPr>
+              <p:spPr>
+                <a:xfrm>
+                  <a:off x="4849725" y="2018030"/>
+                  <a:ext cx="1202866" cy="1382606"/>
+                </a:xfrm>
+                <a:prstGeom prst="rect">
+                  <a:avLst/>
+                </a:prstGeom>
+                <a:grpFill/>
+                <a:ln>
+                  <a:solidFill>
+                    <a:schemeClr val="accent5">
+                      <a:lumMod val="75000"/>
+                    </a:schemeClr>
+                  </a:solidFill>
+                </a:ln>
+              </p:spPr>
+              <p:style>
+                <a:lnRef idx="0">
+                  <a:scrgbClr r="0" g="0" b="0"/>
+                </a:lnRef>
+                <a:fillRef idx="0">
+                  <a:scrgbClr r="0" g="0" b="0"/>
+                </a:fillRef>
+                <a:effectRef idx="0">
+                  <a:scrgbClr r="0" g="0" b="0"/>
+                </a:effectRef>
+                <a:fontRef idx="minor">
+                  <a:schemeClr val="lt1"/>
+                </a:fontRef>
+              </p:style>
+              <p:txBody>
+                <a:bodyPr spcFirstLastPara="0" vert="horz" wrap="square" lIns="0" tIns="0" rIns="0" bIns="0" numCol="1" spcCol="1270" anchor="ctr" anchorCtr="0">
+                  <a:noAutofit/>
+                </a:bodyPr>
+                <a:lstStyle/>
+                <a:p>
+                  <a:pPr algn="ctr" defTabSz="1200120">
+                    <a:lnSpc>
+                      <a:spcPct val="90000"/>
+                    </a:lnSpc>
+                    <a:spcBef>
+                      <a:spcPct val="0"/>
+                    </a:spcBef>
+                    <a:spcAft>
+                      <a:spcPct val="35000"/>
+                    </a:spcAft>
+                  </a:pPr>
+                  <a:endParaRPr lang="ko-KR" altLang="en-US" sz="2700">
+                    <a:latin typeface="Calibri" panose="020F0502020204030204" pitchFamily="34" charset="0"/>
+                    <a:cs typeface="Calibri" panose="020F0502020204030204" pitchFamily="34" charset="0"/>
+                  </a:endParaRPr>
+                </a:p>
+              </p:txBody>
+            </p:sp>
+          </p:grpSp>
+          <p:grpSp>
+            <p:nvGrpSpPr>
+              <p:cNvPr id="254" name="그룹 253"/>
+              <p:cNvGrpSpPr/>
+              <p:nvPr/>
+            </p:nvGrpSpPr>
+            <p:grpSpPr>
+              <a:xfrm>
+                <a:off x="3819809" y="3774297"/>
+                <a:ext cx="84097" cy="96663"/>
+                <a:chOff x="4577405" y="1705019"/>
+                <a:chExt cx="1747506" cy="2008628"/>
+              </a:xfrm>
+              <a:solidFill>
+                <a:schemeClr val="accent5">
+                  <a:lumMod val="75000"/>
+                </a:schemeClr>
+              </a:solidFill>
+            </p:grpSpPr>
+            <p:sp>
+              <p:nvSpPr>
+                <p:cNvPr id="258" name="육각형 257"/>
+                <p:cNvSpPr/>
+                <p:nvPr/>
+              </p:nvSpPr>
+              <p:spPr>
+                <a:xfrm rot="5400000">
+                  <a:off x="4446844" y="1835580"/>
+                  <a:ext cx="2008628" cy="1747506"/>
+                </a:xfrm>
+                <a:prstGeom prst="hexagon">
+                  <a:avLst>
+                    <a:gd name="adj" fmla="val 25000"/>
+                    <a:gd name="vf" fmla="val 115470"/>
+                  </a:avLst>
+                </a:prstGeom>
+                <a:grpFill/>
+                <a:ln>
+                  <a:solidFill>
+                    <a:schemeClr val="accent5">
+                      <a:lumMod val="75000"/>
+                    </a:schemeClr>
+                  </a:solidFill>
+                </a:ln>
+              </p:spPr>
+              <p:style>
+                <a:lnRef idx="2">
+                  <a:schemeClr val="lt1">
+                    <a:hueOff val="0"/>
+                    <a:satOff val="0"/>
+                    <a:lumOff val="0"/>
+                    <a:alphaOff val="0"/>
+                  </a:schemeClr>
+                </a:lnRef>
+                <a:fillRef idx="1">
+                  <a:schemeClr val="accent1">
+                    <a:hueOff val="0"/>
+                    <a:satOff val="0"/>
+                    <a:lumOff val="0"/>
+                    <a:alphaOff val="0"/>
+                  </a:schemeClr>
+                </a:fillRef>
+                <a:effectRef idx="0">
+                  <a:schemeClr val="accent1">
+                    <a:hueOff val="0"/>
+                    <a:satOff val="0"/>
+                    <a:lumOff val="0"/>
+                    <a:alphaOff val="0"/>
+                  </a:schemeClr>
+                </a:effectRef>
+                <a:fontRef idx="minor">
+                  <a:schemeClr val="lt1"/>
+                </a:fontRef>
+              </p:style>
+            </p:sp>
+            <p:sp>
+              <p:nvSpPr>
+                <p:cNvPr id="259" name="육각형 4"/>
+                <p:cNvSpPr txBox="1"/>
+                <p:nvPr/>
+              </p:nvSpPr>
+              <p:spPr>
+                <a:xfrm>
+                  <a:off x="4849725" y="2018030"/>
+                  <a:ext cx="1202866" cy="1382606"/>
+                </a:xfrm>
+                <a:prstGeom prst="rect">
+                  <a:avLst/>
+                </a:prstGeom>
+                <a:grpFill/>
+                <a:ln>
+                  <a:solidFill>
+                    <a:schemeClr val="accent5">
+                      <a:lumMod val="75000"/>
+                    </a:schemeClr>
+                  </a:solidFill>
+                </a:ln>
+              </p:spPr>
+              <p:style>
+                <a:lnRef idx="0">
+                  <a:scrgbClr r="0" g="0" b="0"/>
+                </a:lnRef>
+                <a:fillRef idx="0">
+                  <a:scrgbClr r="0" g="0" b="0"/>
+                </a:fillRef>
+                <a:effectRef idx="0">
+                  <a:scrgbClr r="0" g="0" b="0"/>
+                </a:effectRef>
+                <a:fontRef idx="minor">
+                  <a:schemeClr val="lt1"/>
+                </a:fontRef>
+              </p:style>
+              <p:txBody>
+                <a:bodyPr spcFirstLastPara="0" vert="horz" wrap="square" lIns="0" tIns="0" rIns="0" bIns="0" numCol="1" spcCol="1270" anchor="ctr" anchorCtr="0">
+                  <a:noAutofit/>
+                </a:bodyPr>
+                <a:lstStyle/>
+                <a:p>
+                  <a:pPr algn="ctr" defTabSz="1200120">
+                    <a:lnSpc>
+                      <a:spcPct val="90000"/>
+                    </a:lnSpc>
+                    <a:spcBef>
+                      <a:spcPct val="0"/>
+                    </a:spcBef>
+                    <a:spcAft>
+                      <a:spcPct val="35000"/>
+                    </a:spcAft>
+                  </a:pPr>
+                  <a:endParaRPr lang="ko-KR" altLang="en-US" sz="2700">
+                    <a:latin typeface="Calibri" panose="020F0502020204030204" pitchFamily="34" charset="0"/>
+                    <a:cs typeface="Calibri" panose="020F0502020204030204" pitchFamily="34" charset="0"/>
+                  </a:endParaRPr>
+                </a:p>
+              </p:txBody>
+            </p:sp>
+          </p:grpSp>
+          <p:grpSp>
+            <p:nvGrpSpPr>
+              <p:cNvPr id="255" name="그룹 254"/>
+              <p:cNvGrpSpPr/>
+              <p:nvPr/>
+            </p:nvGrpSpPr>
+            <p:grpSpPr>
+              <a:xfrm>
+                <a:off x="3865961" y="3692077"/>
+                <a:ext cx="84097" cy="96663"/>
+                <a:chOff x="4577405" y="1705019"/>
+                <a:chExt cx="1747506" cy="2008628"/>
+              </a:xfrm>
+              <a:solidFill>
+                <a:schemeClr val="accent5">
+                  <a:lumMod val="75000"/>
+                </a:schemeClr>
+              </a:solidFill>
+            </p:grpSpPr>
+            <p:sp>
+              <p:nvSpPr>
+                <p:cNvPr id="256" name="육각형 255"/>
+                <p:cNvSpPr/>
+                <p:nvPr/>
+              </p:nvSpPr>
+              <p:spPr>
+                <a:xfrm rot="5400000">
+                  <a:off x="4446844" y="1835580"/>
+                  <a:ext cx="2008628" cy="1747506"/>
+                </a:xfrm>
+                <a:prstGeom prst="hexagon">
+                  <a:avLst>
+                    <a:gd name="adj" fmla="val 25000"/>
+                    <a:gd name="vf" fmla="val 115470"/>
+                  </a:avLst>
+                </a:prstGeom>
+                <a:grpFill/>
+                <a:ln>
+                  <a:solidFill>
+                    <a:schemeClr val="accent5">
+                      <a:lumMod val="75000"/>
+                    </a:schemeClr>
+                  </a:solidFill>
+                </a:ln>
+              </p:spPr>
+              <p:style>
+                <a:lnRef idx="2">
+                  <a:schemeClr val="lt1">
+                    <a:hueOff val="0"/>
+                    <a:satOff val="0"/>
+                    <a:lumOff val="0"/>
+                    <a:alphaOff val="0"/>
+                  </a:schemeClr>
+                </a:lnRef>
+                <a:fillRef idx="1">
+                  <a:schemeClr val="accent1">
+                    <a:hueOff val="0"/>
+                    <a:satOff val="0"/>
+                    <a:lumOff val="0"/>
+                    <a:alphaOff val="0"/>
+                  </a:schemeClr>
+                </a:fillRef>
+                <a:effectRef idx="0">
+                  <a:schemeClr val="accent1">
+                    <a:hueOff val="0"/>
+                    <a:satOff val="0"/>
+                    <a:lumOff val="0"/>
+                    <a:alphaOff val="0"/>
+                  </a:schemeClr>
+                </a:effectRef>
+                <a:fontRef idx="minor">
+                  <a:schemeClr val="lt1"/>
+                </a:fontRef>
+              </p:style>
+            </p:sp>
+            <p:sp>
+              <p:nvSpPr>
+                <p:cNvPr id="257" name="육각형 4"/>
+                <p:cNvSpPr txBox="1"/>
+                <p:nvPr/>
+              </p:nvSpPr>
+              <p:spPr>
+                <a:xfrm>
+                  <a:off x="4849725" y="2018030"/>
+                  <a:ext cx="1202866" cy="1382606"/>
+                </a:xfrm>
+                <a:prstGeom prst="rect">
+                  <a:avLst/>
+                </a:prstGeom>
+                <a:grpFill/>
+                <a:ln>
+                  <a:solidFill>
+                    <a:schemeClr val="accent5">
+                      <a:lumMod val="75000"/>
+                    </a:schemeClr>
+                  </a:solidFill>
+                </a:ln>
+              </p:spPr>
+              <p:style>
+                <a:lnRef idx="0">
+                  <a:scrgbClr r="0" g="0" b="0"/>
+                </a:lnRef>
+                <a:fillRef idx="0">
+                  <a:scrgbClr r="0" g="0" b="0"/>
+                </a:fillRef>
+                <a:effectRef idx="0">
+                  <a:scrgbClr r="0" g="0" b="0"/>
+                </a:effectRef>
+                <a:fontRef idx="minor">
+                  <a:schemeClr val="lt1"/>
+                </a:fontRef>
+              </p:style>
+              <p:txBody>
+                <a:bodyPr spcFirstLastPara="0" vert="horz" wrap="square" lIns="0" tIns="0" rIns="0" bIns="0" numCol="1" spcCol="1270" anchor="ctr" anchorCtr="0">
+                  <a:noAutofit/>
+                </a:bodyPr>
+                <a:lstStyle/>
+                <a:p>
+                  <a:pPr algn="ctr" defTabSz="1200120">
+                    <a:lnSpc>
+                      <a:spcPct val="90000"/>
+                    </a:lnSpc>
+                    <a:spcBef>
+                      <a:spcPct val="0"/>
+                    </a:spcBef>
+                    <a:spcAft>
+                      <a:spcPct val="35000"/>
+                    </a:spcAft>
+                  </a:pPr>
+                  <a:endParaRPr lang="ko-KR" altLang="en-US" sz="2700">
+                    <a:latin typeface="Calibri" panose="020F0502020204030204" pitchFamily="34" charset="0"/>
+                    <a:cs typeface="Calibri" panose="020F0502020204030204" pitchFamily="34" charset="0"/>
+                  </a:endParaRPr>
+                </a:p>
+              </p:txBody>
+            </p:sp>
+          </p:grpSp>
+        </p:grpSp>
+        <p:sp>
+          <p:nvSpPr>
+            <p:cNvPr id="252" name="TextBox 251"/>
+            <p:cNvSpPr txBox="1"/>
+            <p:nvPr/>
+          </p:nvSpPr>
+          <p:spPr>
+            <a:xfrm>
+              <a:off x="337741" y="1213851"/>
+              <a:ext cx="211455" cy="309832"/>
+            </a:xfrm>
+            <a:prstGeom prst="rect">
+              <a:avLst/>
+            </a:prstGeom>
+            <a:noFill/>
+          </p:spPr>
+          <p:txBody>
+            <a:bodyPr wrap="square" rtlCol="0">
+              <a:spAutoFit/>
+            </a:bodyPr>
+            <a:lstStyle/>
+            <a:p>
+              <a:pPr algn="ctr"/>
+              <a:r>
+                <a:rPr lang="en-US" altLang="ko-KR" sz="675" b="1" dirty="0">
+                  <a:solidFill>
+                    <a:schemeClr val="bg1"/>
+                  </a:solidFill>
+                  <a:latin typeface="Calibri" panose="020F0502020204030204" pitchFamily="34" charset="0"/>
+                  <a:cs typeface="Calibri" panose="020F0502020204030204" pitchFamily="34" charset="0"/>
+                </a:rPr>
+                <a:t>c</a:t>
+              </a:r>
+              <a:endParaRPr lang="ko-KR" altLang="en-US" sz="675" b="1" dirty="0">
+                <a:solidFill>
+                  <a:schemeClr val="bg1"/>
+                </a:solidFill>
+                <a:latin typeface="Calibri" panose="020F0502020204030204" pitchFamily="34" charset="0"/>
+                <a:cs typeface="Calibri" panose="020F0502020204030204" pitchFamily="34" charset="0"/>
+              </a:endParaRPr>
+            </a:p>
+          </p:txBody>
+        </p:sp>
+      </p:grpSp>
+      <p:sp>
+        <p:nvSpPr>
+          <p:cNvPr id="262" name="갈매기형 수장 261"/>
+          <p:cNvSpPr/>
+          <p:nvPr/>
+        </p:nvSpPr>
+        <p:spPr>
+          <a:xfrm rot="5400000">
+            <a:off x="2940977" y="4635822"/>
+            <a:ext cx="31282" cy="39464"/>
+          </a:xfrm>
+          <a:prstGeom prst="chevron">
+            <a:avLst/>
+          </a:prstGeom>
+          <a:solidFill>
+            <a:schemeClr val="tx2">
+              <a:lumMod val="75000"/>
+            </a:schemeClr>
+          </a:solidFill>
+          <a:ln w="3175">
+            <a:solidFill>
+              <a:schemeClr val="tx2">
+                <a:lumMod val="75000"/>
+              </a:schemeClr>
+            </a:solidFill>
+          </a:ln>
+        </p:spPr>
+        <p:style>
+          <a:lnRef idx="2">
+            <a:schemeClr val="accent1">
+              <a:shade val="50000"/>
+            </a:schemeClr>
+          </a:lnRef>
+          <a:fillRef idx="1">
+            <a:schemeClr val="accent1"/>
+          </a:fillRef>
+          <a:effectRef idx="0">
+            <a:schemeClr val="accent1"/>
+          </a:effectRef>
+          <a:fontRef idx="minor">
+            <a:schemeClr val="lt1"/>
+          </a:fontRef>
+        </p:style>
+        <p:txBody>
+          <a:bodyPr rtlCol="0" anchor="ctr"/>
+          <a:lstStyle/>
+          <a:p>
+            <a:pPr algn="ctr"/>
+            <a:endParaRPr lang="ko-KR" altLang="en-US" sz="1350">
+              <a:solidFill>
+                <a:schemeClr val="tx1"/>
+              </a:solidFill>
+            </a:endParaRPr>
+          </a:p>
+        </p:txBody>
+      </p:sp>
+      <p:cxnSp>
+        <p:nvCxnSpPr>
+          <p:cNvPr id="263" name="직선 연결선 262"/>
+          <p:cNvCxnSpPr/>
+          <p:nvPr/>
+        </p:nvCxnSpPr>
+        <p:spPr>
+          <a:xfrm>
+            <a:off x="1745801" y="4754333"/>
+            <a:ext cx="1274240" cy="0"/>
+          </a:xfrm>
+          <a:prstGeom prst="line">
+            <a:avLst/>
+          </a:prstGeom>
+          <a:ln>
+            <a:solidFill>
+              <a:schemeClr val="tx2">
+                <a:lumMod val="60000"/>
+                <a:lumOff val="40000"/>
+              </a:schemeClr>
+            </a:solidFill>
+            <a:prstDash val="sysDot"/>
+          </a:ln>
+        </p:spPr>
+        <p:style>
+          <a:lnRef idx="1">
+            <a:schemeClr val="accent1"/>
+          </a:lnRef>
+          <a:fillRef idx="0">
+            <a:schemeClr val="accent1"/>
+          </a:fillRef>
+          <a:effectRef idx="0">
+            <a:schemeClr val="accent1"/>
+          </a:effectRef>
+          <a:fontRef idx="minor">
+            <a:schemeClr val="tx1"/>
+          </a:fontRef>
+        </p:style>
+      </p:cxnSp>
+      <p:sp>
+        <p:nvSpPr>
+          <p:cNvPr id="264" name="TextBox 263"/>
+          <p:cNvSpPr txBox="1"/>
+          <p:nvPr/>
+        </p:nvSpPr>
+        <p:spPr>
+          <a:xfrm>
+            <a:off x="1681996" y="2742690"/>
+            <a:ext cx="835637" cy="186621"/>
+          </a:xfrm>
+          <a:prstGeom prst="rect">
+            <a:avLst/>
+          </a:prstGeom>
+          <a:noFill/>
+        </p:spPr>
+        <p:txBody>
+          <a:bodyPr wrap="square" rtlCol="0">
+            <a:spAutoFit/>
+          </a:bodyPr>
+          <a:lstStyle/>
+          <a:p>
+            <a:r>
+              <a:rPr lang="en-US" altLang="ko-KR" sz="800" b="1" dirty="0">
+                <a:latin typeface="Calibri" panose="020F0502020204030204" pitchFamily="34" charset="0"/>
+                <a:cs typeface="Calibri" panose="020F0502020204030204" pitchFamily="34" charset="0"/>
+              </a:rPr>
+              <a:t>Parameters</a:t>
+            </a:r>
+            <a:endParaRPr lang="ko-KR" altLang="en-US" sz="800" b="1" dirty="0">
+              <a:latin typeface="Calibri" panose="020F0502020204030204" pitchFamily="34" charset="0"/>
+              <a:cs typeface="Calibri" panose="020F0502020204030204" pitchFamily="34" charset="0"/>
+            </a:endParaRPr>
+          </a:p>
+        </p:txBody>
+      </p:sp>
+      <p:sp>
+        <p:nvSpPr>
+          <p:cNvPr id="265" name="TextBox 264"/>
+          <p:cNvSpPr txBox="1"/>
+          <p:nvPr/>
+        </p:nvSpPr>
+        <p:spPr>
+          <a:xfrm>
+            <a:off x="1694952" y="2938304"/>
+            <a:ext cx="627995" cy="200055"/>
+          </a:xfrm>
+          <a:prstGeom prst="rect">
+            <a:avLst/>
+          </a:prstGeom>
+          <a:noFill/>
+        </p:spPr>
+        <p:txBody>
+          <a:bodyPr wrap="square" rtlCol="0">
+            <a:spAutoFit/>
+          </a:bodyPr>
+          <a:lstStyle/>
+          <a:p>
+            <a:r>
+              <a:rPr lang="en-US" altLang="ko-KR" sz="700" dirty="0" smtClean="0">
+                <a:latin typeface="Calibri" panose="020F0502020204030204" pitchFamily="34" charset="0"/>
+                <a:cs typeface="Calibri" panose="020F0502020204030204" pitchFamily="34" charset="0"/>
+              </a:rPr>
+              <a:t>n</a:t>
+            </a:r>
+            <a:endParaRPr lang="ko-KR" altLang="en-US" sz="700" dirty="0">
+              <a:latin typeface="Calibri" panose="020F0502020204030204" pitchFamily="34" charset="0"/>
+              <a:cs typeface="Calibri" panose="020F0502020204030204" pitchFamily="34" charset="0"/>
+            </a:endParaRPr>
+          </a:p>
+        </p:txBody>
+      </p:sp>
+      <p:sp>
+        <p:nvSpPr>
+          <p:cNvPr id="267" name="직사각형 266"/>
+          <p:cNvSpPr/>
+          <p:nvPr/>
+        </p:nvSpPr>
+        <p:spPr>
+          <a:xfrm>
+            <a:off x="1766152" y="3564409"/>
+            <a:ext cx="1235510" cy="130275"/>
+          </a:xfrm>
+          <a:prstGeom prst="rect">
+            <a:avLst/>
+          </a:prstGeom>
+          <a:solidFill>
+            <a:schemeClr val="bg1">
+              <a:lumMod val="95000"/>
+            </a:schemeClr>
+          </a:solidFill>
+          <a:ln w="3175">
+            <a:solidFill>
+              <a:schemeClr val="tx2">
+                <a:lumMod val="60000"/>
+                <a:lumOff val="40000"/>
+              </a:schemeClr>
+            </a:solidFill>
+          </a:ln>
+        </p:spPr>
+        <p:style>
+          <a:lnRef idx="2">
+            <a:schemeClr val="accent1">
+              <a:shade val="50000"/>
+            </a:schemeClr>
+          </a:lnRef>
+          <a:fillRef idx="1">
+            <a:schemeClr val="accent1"/>
+          </a:fillRef>
+          <a:effectRef idx="0">
+            <a:schemeClr val="accent1"/>
+          </a:effectRef>
+          <a:fontRef idx="minor">
+            <a:schemeClr val="lt1"/>
+          </a:fontRef>
+        </p:style>
+        <p:txBody>
+          <a:bodyPr rtlCol="0" anchor="ctr"/>
+          <a:lstStyle/>
+          <a:p>
+            <a:pPr algn="ctr"/>
+            <a:r>
+              <a:rPr lang="en-US" altLang="ko-KR" sz="700" dirty="0" smtClean="0">
+                <a:solidFill>
+                  <a:schemeClr val="tx1"/>
+                </a:solidFill>
+                <a:latin typeface="Calibri" panose="020F0502020204030204" pitchFamily="34" charset="0"/>
+                <a:cs typeface="Calibri" panose="020F0502020204030204" pitchFamily="34" charset="0"/>
+              </a:rPr>
+              <a:t>Sampling N-way K-Shot Task</a:t>
+            </a:r>
+            <a:endParaRPr lang="ko-KR" altLang="en-US" sz="700" dirty="0">
+              <a:solidFill>
+                <a:schemeClr val="tx1"/>
+              </a:solidFill>
+              <a:latin typeface="Calibri" panose="020F0502020204030204" pitchFamily="34" charset="0"/>
+              <a:cs typeface="Calibri" panose="020F0502020204030204" pitchFamily="34" charset="0"/>
+            </a:endParaRPr>
+          </a:p>
+        </p:txBody>
+      </p:sp>
+      <p:sp>
+        <p:nvSpPr>
+          <p:cNvPr id="268" name="TextBox 267"/>
+          <p:cNvSpPr txBox="1"/>
+          <p:nvPr/>
+        </p:nvSpPr>
+        <p:spPr>
+          <a:xfrm>
+            <a:off x="1694952" y="3150706"/>
+            <a:ext cx="627995" cy="200055"/>
+          </a:xfrm>
+          <a:prstGeom prst="rect">
+            <a:avLst/>
+          </a:prstGeom>
+          <a:noFill/>
+        </p:spPr>
+        <p:txBody>
+          <a:bodyPr wrap="square" rtlCol="0">
+            <a:spAutoFit/>
+          </a:bodyPr>
+          <a:lstStyle/>
+          <a:p>
+            <a:r>
+              <a:rPr lang="en-US" altLang="ko-KR" sz="700" dirty="0" smtClean="0">
+                <a:latin typeface="Calibri" panose="020F0502020204030204" pitchFamily="34" charset="0"/>
+                <a:cs typeface="Calibri" panose="020F0502020204030204" pitchFamily="34" charset="0"/>
+              </a:rPr>
+              <a:t>k</a:t>
+            </a:r>
+            <a:endParaRPr lang="ko-KR" altLang="en-US" sz="700" dirty="0">
+              <a:latin typeface="Calibri" panose="020F0502020204030204" pitchFamily="34" charset="0"/>
+              <a:cs typeface="Calibri" panose="020F0502020204030204" pitchFamily="34" charset="0"/>
+            </a:endParaRPr>
+          </a:p>
+        </p:txBody>
+      </p:sp>
+      <p:sp>
+        <p:nvSpPr>
+          <p:cNvPr id="269" name="직사각형 268"/>
+          <p:cNvSpPr/>
+          <p:nvPr/>
+        </p:nvSpPr>
+        <p:spPr>
+          <a:xfrm>
+            <a:off x="2442091" y="3171436"/>
+            <a:ext cx="575431" cy="130972"/>
+          </a:xfrm>
+          <a:prstGeom prst="rect">
+            <a:avLst/>
+          </a:prstGeom>
+          <a:solidFill>
+            <a:schemeClr val="bg1"/>
+          </a:solidFill>
+          <a:ln w="3175">
+            <a:solidFill>
+              <a:schemeClr val="tx2">
+                <a:lumMod val="60000"/>
+                <a:lumOff val="40000"/>
+              </a:schemeClr>
+            </a:solidFill>
+          </a:ln>
+        </p:spPr>
+        <p:style>
+          <a:lnRef idx="2">
+            <a:schemeClr val="accent1">
+              <a:shade val="50000"/>
+            </a:schemeClr>
+          </a:lnRef>
+          <a:fillRef idx="1">
+            <a:schemeClr val="accent1"/>
+          </a:fillRef>
+          <a:effectRef idx="0">
+            <a:schemeClr val="accent1"/>
+          </a:effectRef>
+          <a:fontRef idx="minor">
+            <a:schemeClr val="lt1"/>
+          </a:fontRef>
+        </p:style>
+        <p:txBody>
+          <a:bodyPr rtlCol="0" anchor="ctr"/>
+          <a:lstStyle/>
+          <a:p>
+            <a:r>
+              <a:rPr lang="en-US" altLang="ko-KR" sz="700" dirty="0" smtClean="0">
+                <a:solidFill>
+                  <a:schemeClr val="tx1"/>
+                </a:solidFill>
+                <a:latin typeface="Calibri" panose="020F0502020204030204" pitchFamily="34" charset="0"/>
+                <a:cs typeface="Calibri" panose="020F0502020204030204" pitchFamily="34" charset="0"/>
+              </a:rPr>
+              <a:t>5</a:t>
+            </a:r>
+            <a:endParaRPr lang="ko-KR" altLang="en-US" sz="700" dirty="0">
+              <a:solidFill>
+                <a:schemeClr val="tx1"/>
+              </a:solidFill>
+              <a:latin typeface="Calibri" panose="020F0502020204030204" pitchFamily="34" charset="0"/>
+              <a:cs typeface="Calibri" panose="020F0502020204030204" pitchFamily="34" charset="0"/>
+            </a:endParaRPr>
+          </a:p>
+        </p:txBody>
+      </p:sp>
+      <p:sp>
+        <p:nvSpPr>
+          <p:cNvPr id="270" name="TextBox 269"/>
+          <p:cNvSpPr txBox="1"/>
+          <p:nvPr/>
+        </p:nvSpPr>
+        <p:spPr>
+          <a:xfrm>
+            <a:off x="1694952" y="3331550"/>
+            <a:ext cx="760575" cy="200055"/>
+          </a:xfrm>
+          <a:prstGeom prst="rect">
+            <a:avLst/>
+          </a:prstGeom>
+          <a:noFill/>
+        </p:spPr>
+        <p:txBody>
+          <a:bodyPr wrap="square" rtlCol="0">
+            <a:spAutoFit/>
+          </a:bodyPr>
+          <a:lstStyle/>
+          <a:p>
+            <a:r>
+              <a:rPr lang="en-US" altLang="ko-KR" sz="700" dirty="0" smtClean="0">
+                <a:latin typeface="Calibri" panose="020F0502020204030204" pitchFamily="34" charset="0"/>
+                <a:cs typeface="Calibri" panose="020F0502020204030204" pitchFamily="34" charset="0"/>
+              </a:rPr>
+              <a:t>Meta batch size</a:t>
+            </a:r>
+            <a:endParaRPr lang="ko-KR" altLang="en-US" sz="700" dirty="0">
+              <a:latin typeface="Calibri" panose="020F0502020204030204" pitchFamily="34" charset="0"/>
+              <a:cs typeface="Calibri" panose="020F0502020204030204" pitchFamily="34" charset="0"/>
+            </a:endParaRPr>
+          </a:p>
+        </p:txBody>
+      </p:sp>
+      <p:sp>
+        <p:nvSpPr>
+          <p:cNvPr id="271" name="직사각형 270"/>
+          <p:cNvSpPr/>
+          <p:nvPr/>
+        </p:nvSpPr>
+        <p:spPr>
+          <a:xfrm>
+            <a:off x="2442091" y="3366569"/>
+            <a:ext cx="575431" cy="130972"/>
+          </a:xfrm>
+          <a:prstGeom prst="rect">
+            <a:avLst/>
+          </a:prstGeom>
+          <a:solidFill>
+            <a:schemeClr val="bg1"/>
+          </a:solidFill>
+          <a:ln w="3175">
+            <a:solidFill>
+              <a:schemeClr val="tx2">
+                <a:lumMod val="60000"/>
+                <a:lumOff val="40000"/>
+              </a:schemeClr>
+            </a:solidFill>
+          </a:ln>
+        </p:spPr>
+        <p:style>
+          <a:lnRef idx="2">
+            <a:schemeClr val="accent1">
+              <a:shade val="50000"/>
+            </a:schemeClr>
+          </a:lnRef>
+          <a:fillRef idx="1">
+            <a:schemeClr val="accent1"/>
+          </a:fillRef>
+          <a:effectRef idx="0">
+            <a:schemeClr val="accent1"/>
+          </a:effectRef>
+          <a:fontRef idx="minor">
+            <a:schemeClr val="lt1"/>
+          </a:fontRef>
+        </p:style>
+        <p:txBody>
+          <a:bodyPr rtlCol="0" anchor="ctr"/>
+          <a:lstStyle/>
+          <a:p>
+            <a:r>
+              <a:rPr lang="en-US" altLang="ko-KR" sz="700" dirty="0" smtClean="0">
+                <a:solidFill>
+                  <a:schemeClr val="tx1"/>
+                </a:solidFill>
+                <a:latin typeface="Calibri" panose="020F0502020204030204" pitchFamily="34" charset="0"/>
+                <a:cs typeface="Calibri" panose="020F0502020204030204" pitchFamily="34" charset="0"/>
+              </a:rPr>
+              <a:t>5</a:t>
+            </a:r>
+            <a:endParaRPr lang="ko-KR" altLang="en-US" sz="700" dirty="0">
+              <a:solidFill>
+                <a:schemeClr val="tx1"/>
+              </a:solidFill>
+              <a:latin typeface="Calibri" panose="020F0502020204030204" pitchFamily="34" charset="0"/>
+              <a:cs typeface="Calibri" panose="020F0502020204030204" pitchFamily="34" charset="0"/>
+            </a:endParaRPr>
+          </a:p>
+        </p:txBody>
+      </p:sp>
+      <p:grpSp>
+        <p:nvGrpSpPr>
+          <p:cNvPr id="6" name="그룹 5"/>
+          <p:cNvGrpSpPr/>
+          <p:nvPr/>
+        </p:nvGrpSpPr>
+        <p:grpSpPr>
+          <a:xfrm>
+            <a:off x="2314249" y="2924015"/>
+            <a:ext cx="174617" cy="607590"/>
+            <a:chOff x="-66240" y="2712463"/>
+            <a:chExt cx="174617" cy="607590"/>
+          </a:xfrm>
+        </p:grpSpPr>
+        <p:sp>
+          <p:nvSpPr>
+            <p:cNvPr id="272" name="TextBox 271"/>
+            <p:cNvSpPr txBox="1"/>
+            <p:nvPr/>
+          </p:nvSpPr>
+          <p:spPr>
+            <a:xfrm>
+              <a:off x="-66240" y="2712463"/>
+              <a:ext cx="174617" cy="200055"/>
+            </a:xfrm>
+            <a:prstGeom prst="rect">
+              <a:avLst/>
+            </a:prstGeom>
+            <a:noFill/>
+          </p:spPr>
+          <p:txBody>
+            <a:bodyPr wrap="square" rtlCol="0">
+              <a:spAutoFit/>
+            </a:bodyPr>
+            <a:lstStyle/>
+            <a:p>
+              <a:r>
+                <a:rPr lang="en-US" altLang="ko-KR" sz="700" dirty="0" smtClean="0">
+                  <a:latin typeface="Calibri" panose="020F0502020204030204" pitchFamily="34" charset="0"/>
+                  <a:cs typeface="Calibri" panose="020F0502020204030204" pitchFamily="34" charset="0"/>
+                </a:rPr>
+                <a:t>:</a:t>
+              </a:r>
+              <a:endParaRPr lang="ko-KR" altLang="en-US" sz="700" dirty="0">
+                <a:latin typeface="Calibri" panose="020F0502020204030204" pitchFamily="34" charset="0"/>
+                <a:cs typeface="Calibri" panose="020F0502020204030204" pitchFamily="34" charset="0"/>
+              </a:endParaRPr>
+            </a:p>
+          </p:txBody>
+        </p:sp>
+        <p:sp>
+          <p:nvSpPr>
+            <p:cNvPr id="273" name="TextBox 272"/>
+            <p:cNvSpPr txBox="1"/>
+            <p:nvPr/>
+          </p:nvSpPr>
+          <p:spPr>
+            <a:xfrm>
+              <a:off x="-66240" y="2924865"/>
+              <a:ext cx="174617" cy="200055"/>
+            </a:xfrm>
+            <a:prstGeom prst="rect">
+              <a:avLst/>
+            </a:prstGeom>
+            <a:noFill/>
+          </p:spPr>
+          <p:txBody>
+            <a:bodyPr wrap="square" rtlCol="0">
+              <a:spAutoFit/>
+            </a:bodyPr>
+            <a:lstStyle/>
+            <a:p>
+              <a:r>
+                <a:rPr lang="en-US" altLang="ko-KR" sz="700" dirty="0" smtClean="0">
+                  <a:latin typeface="Calibri" panose="020F0502020204030204" pitchFamily="34" charset="0"/>
+                  <a:cs typeface="Calibri" panose="020F0502020204030204" pitchFamily="34" charset="0"/>
+                </a:rPr>
+                <a:t>:</a:t>
+              </a:r>
+              <a:endParaRPr lang="ko-KR" altLang="en-US" sz="700" dirty="0">
+                <a:latin typeface="Calibri" panose="020F0502020204030204" pitchFamily="34" charset="0"/>
+                <a:cs typeface="Calibri" panose="020F0502020204030204" pitchFamily="34" charset="0"/>
+              </a:endParaRPr>
+            </a:p>
+          </p:txBody>
+        </p:sp>
+        <p:sp>
+          <p:nvSpPr>
+            <p:cNvPr id="274" name="TextBox 273"/>
+            <p:cNvSpPr txBox="1"/>
+            <p:nvPr/>
+          </p:nvSpPr>
+          <p:spPr>
+            <a:xfrm>
+              <a:off x="-66239" y="3119998"/>
+              <a:ext cx="174616" cy="200055"/>
+            </a:xfrm>
+            <a:prstGeom prst="rect">
+              <a:avLst/>
+            </a:prstGeom>
+            <a:noFill/>
+          </p:spPr>
+          <p:txBody>
+            <a:bodyPr wrap="square" rtlCol="0">
+              <a:spAutoFit/>
+            </a:bodyPr>
+            <a:lstStyle/>
+            <a:p>
+              <a:r>
+                <a:rPr lang="en-US" altLang="ko-KR" sz="700" dirty="0" smtClean="0">
+                  <a:latin typeface="Calibri" panose="020F0502020204030204" pitchFamily="34" charset="0"/>
+                  <a:cs typeface="Calibri" panose="020F0502020204030204" pitchFamily="34" charset="0"/>
+                </a:rPr>
+                <a:t>:</a:t>
+              </a:r>
+              <a:endParaRPr lang="ko-KR" altLang="en-US" sz="700" dirty="0">
+                <a:latin typeface="Calibri" panose="020F0502020204030204" pitchFamily="34" charset="0"/>
+                <a:cs typeface="Calibri" panose="020F0502020204030204" pitchFamily="34" charset="0"/>
+              </a:endParaRPr>
+            </a:p>
+          </p:txBody>
+        </p:sp>
+      </p:grpSp>
+      <p:sp>
+        <p:nvSpPr>
+          <p:cNvPr id="296" name="직사각형 295"/>
+          <p:cNvSpPr/>
+          <p:nvPr/>
+        </p:nvSpPr>
+        <p:spPr>
+          <a:xfrm>
+            <a:off x="2442091" y="2976677"/>
+            <a:ext cx="575431" cy="130972"/>
+          </a:xfrm>
+          <a:prstGeom prst="rect">
+            <a:avLst/>
+          </a:prstGeom>
+          <a:solidFill>
+            <a:schemeClr val="bg1"/>
+          </a:solidFill>
+          <a:ln w="3175">
+            <a:solidFill>
+              <a:schemeClr val="tx2">
+                <a:lumMod val="60000"/>
+                <a:lumOff val="40000"/>
+              </a:schemeClr>
+            </a:solidFill>
+          </a:ln>
+        </p:spPr>
+        <p:style>
+          <a:lnRef idx="2">
+            <a:schemeClr val="accent1">
+              <a:shade val="50000"/>
+            </a:schemeClr>
+          </a:lnRef>
+          <a:fillRef idx="1">
+            <a:schemeClr val="accent1"/>
+          </a:fillRef>
+          <a:effectRef idx="0">
+            <a:schemeClr val="accent1"/>
+          </a:effectRef>
+          <a:fontRef idx="minor">
+            <a:schemeClr val="lt1"/>
+          </a:fontRef>
+        </p:style>
+        <p:txBody>
+          <a:bodyPr rtlCol="0" anchor="ctr"/>
+          <a:lstStyle/>
+          <a:p>
+            <a:r>
+              <a:rPr lang="en-US" altLang="ko-KR" sz="700" dirty="0" smtClean="0">
+                <a:solidFill>
+                  <a:schemeClr val="tx1"/>
+                </a:solidFill>
+                <a:latin typeface="Calibri" panose="020F0502020204030204" pitchFamily="34" charset="0"/>
+                <a:cs typeface="Calibri" panose="020F0502020204030204" pitchFamily="34" charset="0"/>
+              </a:rPr>
+              <a:t>5</a:t>
+            </a:r>
+            <a:endParaRPr lang="ko-KR" altLang="en-US" sz="700" dirty="0">
+              <a:solidFill>
+                <a:schemeClr val="tx1"/>
+              </a:solidFill>
+              <a:latin typeface="Calibri" panose="020F0502020204030204" pitchFamily="34" charset="0"/>
+              <a:cs typeface="Calibri" panose="020F0502020204030204" pitchFamily="34" charset="0"/>
+            </a:endParaRPr>
+          </a:p>
+        </p:txBody>
+      </p:sp>
+      <p:pic>
+        <p:nvPicPr>
+          <p:cNvPr id="7" name="그림 6"/>
+          <p:cNvPicPr>
+            <a:picLocks noChangeAspect="1"/>
+          </p:cNvPicPr>
+          <p:nvPr/>
+        </p:nvPicPr>
+        <p:blipFill>
+          <a:blip r:embed="rId14">
+            <a:extLst>
+              <a:ext uri="{28A0092B-C50C-407E-A947-70E740481C1C}">
+                <a14:useLocalDpi xmlns:a14="http://schemas.microsoft.com/office/drawing/2010/main" val="0"/>
+              </a:ext>
+            </a:extLst>
+          </a:blip>
+          <a:stretch>
+            <a:fillRect/>
+          </a:stretch>
+        </p:blipFill>
+        <p:spPr>
+          <a:xfrm>
+            <a:off x="5117723" y="2880136"/>
+            <a:ext cx="360000" cy="360000"/>
+          </a:xfrm>
+          <a:prstGeom prst="rect">
+            <a:avLst/>
+          </a:prstGeom>
+        </p:spPr>
+      </p:pic>
+      <p:pic>
+        <p:nvPicPr>
+          <p:cNvPr id="8" name="그림 7"/>
+          <p:cNvPicPr>
+            <a:picLocks noChangeAspect="1"/>
+          </p:cNvPicPr>
+          <p:nvPr/>
+        </p:nvPicPr>
+        <p:blipFill>
+          <a:blip r:embed="rId15">
+            <a:extLst>
+              <a:ext uri="{28A0092B-C50C-407E-A947-70E740481C1C}">
+                <a14:useLocalDpi xmlns:a14="http://schemas.microsoft.com/office/drawing/2010/main" val="0"/>
+              </a:ext>
+            </a:extLst>
+          </a:blip>
+          <a:stretch>
+            <a:fillRect/>
+          </a:stretch>
+        </p:blipFill>
+        <p:spPr>
+          <a:xfrm>
+            <a:off x="5115238" y="3245652"/>
+            <a:ext cx="360000" cy="360000"/>
+          </a:xfrm>
+          <a:prstGeom prst="rect">
+            <a:avLst/>
+          </a:prstGeom>
+        </p:spPr>
+      </p:pic>
+      <p:pic>
+        <p:nvPicPr>
+          <p:cNvPr id="9" name="그림 8"/>
+          <p:cNvPicPr>
+            <a:picLocks noChangeAspect="1"/>
+          </p:cNvPicPr>
+          <p:nvPr/>
+        </p:nvPicPr>
+        <p:blipFill>
+          <a:blip r:embed="rId16">
+            <a:extLst>
+              <a:ext uri="{28A0092B-C50C-407E-A947-70E740481C1C}">
+                <a14:useLocalDpi xmlns:a14="http://schemas.microsoft.com/office/drawing/2010/main" val="0"/>
+              </a:ext>
+            </a:extLst>
+          </a:blip>
+          <a:stretch>
+            <a:fillRect/>
+          </a:stretch>
+        </p:blipFill>
+        <p:spPr>
+          <a:xfrm>
+            <a:off x="5110694" y="3641567"/>
+            <a:ext cx="360000" cy="360000"/>
+          </a:xfrm>
+          <a:prstGeom prst="rect">
+            <a:avLst/>
+          </a:prstGeom>
+        </p:spPr>
+      </p:pic>
+      <p:pic>
+        <p:nvPicPr>
+          <p:cNvPr id="12" name="그림 11"/>
+          <p:cNvPicPr>
+            <a:picLocks noChangeAspect="1"/>
+          </p:cNvPicPr>
+          <p:nvPr/>
+        </p:nvPicPr>
+        <p:blipFill>
+          <a:blip r:embed="rId17">
+            <a:extLst>
+              <a:ext uri="{28A0092B-C50C-407E-A947-70E740481C1C}">
+                <a14:useLocalDpi xmlns:a14="http://schemas.microsoft.com/office/drawing/2010/main" val="0"/>
+              </a:ext>
+            </a:extLst>
+          </a:blip>
+          <a:stretch>
+            <a:fillRect/>
+          </a:stretch>
+        </p:blipFill>
+        <p:spPr>
+          <a:xfrm>
+            <a:off x="5110694" y="4018212"/>
+            <a:ext cx="360000" cy="360000"/>
+          </a:xfrm>
+          <a:prstGeom prst="rect">
+            <a:avLst/>
+          </a:prstGeom>
+        </p:spPr>
+      </p:pic>
+      <p:cxnSp>
+        <p:nvCxnSpPr>
+          <p:cNvPr id="308" name="직선 연결선 307"/>
+          <p:cNvCxnSpPr/>
+          <p:nvPr/>
+        </p:nvCxnSpPr>
+        <p:spPr>
+          <a:xfrm>
+            <a:off x="4468072" y="2849919"/>
+            <a:ext cx="0" cy="2484000"/>
+          </a:xfrm>
+          <a:prstGeom prst="line">
+            <a:avLst/>
+          </a:prstGeom>
+          <a:ln w="6350">
+            <a:solidFill>
+              <a:schemeClr val="bg2">
+                <a:lumMod val="75000"/>
+              </a:schemeClr>
+            </a:solidFill>
+            <a:prstDash val="sysDot"/>
+          </a:ln>
+        </p:spPr>
+        <p:style>
+          <a:lnRef idx="1">
+            <a:schemeClr val="accent1"/>
+          </a:lnRef>
+          <a:fillRef idx="0">
+            <a:schemeClr val="accent1"/>
+          </a:fillRef>
+          <a:effectRef idx="0">
+            <a:schemeClr val="accent1"/>
+          </a:effectRef>
+          <a:fontRef idx="minor">
+            <a:schemeClr val="tx1"/>
+          </a:fontRef>
+        </p:style>
+      </p:cxnSp>
+      <p:cxnSp>
+        <p:nvCxnSpPr>
+          <p:cNvPr id="309" name="직선 연결선 308"/>
+          <p:cNvCxnSpPr/>
+          <p:nvPr/>
+        </p:nvCxnSpPr>
+        <p:spPr>
+          <a:xfrm>
+            <a:off x="4842545" y="2849919"/>
+            <a:ext cx="0" cy="2484000"/>
+          </a:xfrm>
+          <a:prstGeom prst="line">
+            <a:avLst/>
+          </a:prstGeom>
+          <a:ln w="6350">
+            <a:solidFill>
+              <a:schemeClr val="bg2">
+                <a:lumMod val="75000"/>
+              </a:schemeClr>
+            </a:solidFill>
+            <a:prstDash val="sysDot"/>
+          </a:ln>
+        </p:spPr>
+        <p:style>
+          <a:lnRef idx="1">
+            <a:schemeClr val="accent1"/>
+          </a:lnRef>
+          <a:fillRef idx="0">
+            <a:schemeClr val="accent1"/>
+          </a:fillRef>
+          <a:effectRef idx="0">
+            <a:schemeClr val="accent1"/>
+          </a:effectRef>
+          <a:fontRef idx="minor">
+            <a:schemeClr val="tx1"/>
+          </a:fontRef>
+        </p:style>
+      </p:cxnSp>
+      <p:cxnSp>
+        <p:nvCxnSpPr>
+          <p:cNvPr id="310" name="직선 연결선 309"/>
+          <p:cNvCxnSpPr/>
+          <p:nvPr/>
+        </p:nvCxnSpPr>
+        <p:spPr>
+          <a:xfrm>
+            <a:off x="5218907" y="2849919"/>
+            <a:ext cx="0" cy="2484000"/>
+          </a:xfrm>
+          <a:prstGeom prst="line">
+            <a:avLst/>
+          </a:prstGeom>
+          <a:ln w="6350">
+            <a:solidFill>
+              <a:schemeClr val="bg2">
+                <a:lumMod val="75000"/>
+              </a:schemeClr>
+            </a:solidFill>
+            <a:prstDash val="sysDot"/>
+          </a:ln>
+        </p:spPr>
+        <p:style>
+          <a:lnRef idx="1">
+            <a:schemeClr val="accent1"/>
+          </a:lnRef>
+          <a:fillRef idx="0">
+            <a:schemeClr val="accent1"/>
+          </a:fillRef>
+          <a:effectRef idx="0">
+            <a:schemeClr val="accent1"/>
+          </a:effectRef>
+          <a:fontRef idx="minor">
+            <a:schemeClr val="tx1"/>
+          </a:fontRef>
+        </p:style>
+      </p:cxnSp>
+      <p:pic>
+        <p:nvPicPr>
+          <p:cNvPr id="23" name="그림 22"/>
+          <p:cNvPicPr>
+            <a:picLocks noChangeAspect="1"/>
+          </p:cNvPicPr>
+          <p:nvPr/>
+        </p:nvPicPr>
+        <p:blipFill>
+          <a:blip r:embed="rId18">
+            <a:extLst>
+              <a:ext uri="{28A0092B-C50C-407E-A947-70E740481C1C}">
+                <a14:useLocalDpi xmlns:a14="http://schemas.microsoft.com/office/drawing/2010/main" val="0"/>
+              </a:ext>
+            </a:extLst>
+          </a:blip>
+          <a:stretch>
+            <a:fillRect/>
+          </a:stretch>
+        </p:blipFill>
+        <p:spPr>
+          <a:xfrm>
+            <a:off x="5124291" y="4400712"/>
+            <a:ext cx="360000" cy="360000"/>
+          </a:xfrm>
+          <a:prstGeom prst="rect">
+            <a:avLst/>
+          </a:prstGeom>
+        </p:spPr>
+      </p:pic>
+      <p:pic>
+        <p:nvPicPr>
+          <p:cNvPr id="24" name="그림 23"/>
+          <p:cNvPicPr>
+            <a:picLocks noChangeAspect="1"/>
+          </p:cNvPicPr>
+          <p:nvPr/>
+        </p:nvPicPr>
+        <p:blipFill>
+          <a:blip r:embed="rId19">
+            <a:extLst>
+              <a:ext uri="{28A0092B-C50C-407E-A947-70E740481C1C}">
+                <a14:useLocalDpi xmlns:a14="http://schemas.microsoft.com/office/drawing/2010/main" val="0"/>
+              </a:ext>
+            </a:extLst>
+          </a:blip>
+          <a:stretch>
+            <a:fillRect/>
+          </a:stretch>
+        </p:blipFill>
+        <p:spPr>
+          <a:xfrm>
+            <a:off x="7005098" y="2870332"/>
+            <a:ext cx="360000" cy="360000"/>
+          </a:xfrm>
+          <a:prstGeom prst="rect">
+            <a:avLst/>
+          </a:prstGeom>
+        </p:spPr>
+      </p:pic>
+      <p:pic>
+        <p:nvPicPr>
+          <p:cNvPr id="29" name="그림 28"/>
+          <p:cNvPicPr>
+            <a:picLocks noChangeAspect="1"/>
+          </p:cNvPicPr>
+          <p:nvPr/>
+        </p:nvPicPr>
+        <p:blipFill>
+          <a:blip r:embed="rId20">
+            <a:extLst>
+              <a:ext uri="{28A0092B-C50C-407E-A947-70E740481C1C}">
+                <a14:useLocalDpi xmlns:a14="http://schemas.microsoft.com/office/drawing/2010/main" val="0"/>
+              </a:ext>
+            </a:extLst>
+          </a:blip>
+          <a:stretch>
+            <a:fillRect/>
+          </a:stretch>
+        </p:blipFill>
+        <p:spPr>
+          <a:xfrm>
+            <a:off x="7002798" y="4029816"/>
+            <a:ext cx="360000" cy="360000"/>
+          </a:xfrm>
+          <a:prstGeom prst="rect">
+            <a:avLst/>
+          </a:prstGeom>
+        </p:spPr>
+      </p:pic>
+      <p:pic>
+        <p:nvPicPr>
+          <p:cNvPr id="31" name="그림 30"/>
+          <p:cNvPicPr>
+            <a:picLocks noChangeAspect="1"/>
+          </p:cNvPicPr>
+          <p:nvPr/>
+        </p:nvPicPr>
+        <p:blipFill>
+          <a:blip r:embed="rId21">
+            <a:extLst>
+              <a:ext uri="{28A0092B-C50C-407E-A947-70E740481C1C}">
+                <a14:useLocalDpi xmlns:a14="http://schemas.microsoft.com/office/drawing/2010/main" val="0"/>
+              </a:ext>
+            </a:extLst>
+          </a:blip>
+          <a:stretch>
+            <a:fillRect/>
+          </a:stretch>
+        </p:blipFill>
+        <p:spPr>
+          <a:xfrm>
+            <a:off x="6976367" y="4394277"/>
+            <a:ext cx="360000" cy="360000"/>
+          </a:xfrm>
+          <a:prstGeom prst="rect">
+            <a:avLst/>
+          </a:prstGeom>
+        </p:spPr>
+      </p:pic>
+      <p:pic>
+        <p:nvPicPr>
+          <p:cNvPr id="33" name="그림 32"/>
+          <p:cNvPicPr>
+            <a:picLocks noChangeAspect="1"/>
+          </p:cNvPicPr>
+          <p:nvPr/>
+        </p:nvPicPr>
+        <p:blipFill>
+          <a:blip r:embed="rId22">
+            <a:extLst>
+              <a:ext uri="{28A0092B-C50C-407E-A947-70E740481C1C}">
+                <a14:useLocalDpi xmlns:a14="http://schemas.microsoft.com/office/drawing/2010/main" val="0"/>
+              </a:ext>
+            </a:extLst>
+          </a:blip>
+          <a:stretch>
+            <a:fillRect/>
+          </a:stretch>
+        </p:blipFill>
+        <p:spPr>
+          <a:xfrm>
+            <a:off x="7011516" y="3640245"/>
+            <a:ext cx="360000" cy="360000"/>
+          </a:xfrm>
+          <a:prstGeom prst="rect">
+            <a:avLst/>
+          </a:prstGeom>
+        </p:spPr>
+      </p:pic>
+      <p:pic>
+        <p:nvPicPr>
+          <p:cNvPr id="34" name="그림 33"/>
+          <p:cNvPicPr>
+            <a:picLocks noChangeAspect="1"/>
+          </p:cNvPicPr>
+          <p:nvPr/>
+        </p:nvPicPr>
+        <p:blipFill>
+          <a:blip r:embed="rId23">
+            <a:extLst>
+              <a:ext uri="{28A0092B-C50C-407E-A947-70E740481C1C}">
+                <a14:useLocalDpi xmlns:a14="http://schemas.microsoft.com/office/drawing/2010/main" val="0"/>
+              </a:ext>
+            </a:extLst>
+          </a:blip>
+          <a:stretch>
+            <a:fillRect/>
+          </a:stretch>
+        </p:blipFill>
+        <p:spPr>
+          <a:xfrm>
+            <a:off x="7011516" y="3259627"/>
+            <a:ext cx="360000" cy="360000"/>
+          </a:xfrm>
+          <a:prstGeom prst="rect">
+            <a:avLst/>
+          </a:prstGeom>
+        </p:spPr>
+      </p:pic>
+      <p:pic>
+        <p:nvPicPr>
+          <p:cNvPr id="35" name="그림 34"/>
+          <p:cNvPicPr>
+            <a:picLocks noChangeAspect="1"/>
+          </p:cNvPicPr>
+          <p:nvPr/>
+        </p:nvPicPr>
+        <p:blipFill>
+          <a:blip r:embed="rId24">
+            <a:extLst>
+              <a:ext uri="{28A0092B-C50C-407E-A947-70E740481C1C}">
+                <a14:useLocalDpi xmlns:a14="http://schemas.microsoft.com/office/drawing/2010/main" val="0"/>
+              </a:ext>
+            </a:extLst>
+          </a:blip>
+          <a:stretch>
+            <a:fillRect/>
+          </a:stretch>
+        </p:blipFill>
+        <p:spPr>
+          <a:xfrm>
+            <a:off x="6621270" y="2876951"/>
+            <a:ext cx="360000" cy="360000"/>
+          </a:xfrm>
+          <a:prstGeom prst="rect">
+            <a:avLst/>
+          </a:prstGeom>
+        </p:spPr>
+      </p:pic>
+      <p:pic>
+        <p:nvPicPr>
+          <p:cNvPr id="38" name="그림 37"/>
+          <p:cNvPicPr>
+            <a:picLocks noChangeAspect="1"/>
+          </p:cNvPicPr>
+          <p:nvPr/>
+        </p:nvPicPr>
+        <p:blipFill>
+          <a:blip r:embed="rId25">
+            <a:extLst>
+              <a:ext uri="{28A0092B-C50C-407E-A947-70E740481C1C}">
+                <a14:useLocalDpi xmlns:a14="http://schemas.microsoft.com/office/drawing/2010/main" val="0"/>
+              </a:ext>
+            </a:extLst>
+          </a:blip>
+          <a:stretch>
+            <a:fillRect/>
+          </a:stretch>
+        </p:blipFill>
+        <p:spPr>
+          <a:xfrm>
+            <a:off x="6622609" y="3264638"/>
+            <a:ext cx="360000" cy="360000"/>
+          </a:xfrm>
+          <a:prstGeom prst="rect">
+            <a:avLst/>
+          </a:prstGeom>
+        </p:spPr>
+      </p:pic>
+      <p:pic>
+        <p:nvPicPr>
+          <p:cNvPr id="43" name="그림 42"/>
+          <p:cNvPicPr>
+            <a:picLocks noChangeAspect="1"/>
+          </p:cNvPicPr>
+          <p:nvPr/>
+        </p:nvPicPr>
+        <p:blipFill>
+          <a:blip r:embed="rId26">
+            <a:extLst>
+              <a:ext uri="{28A0092B-C50C-407E-A947-70E740481C1C}">
+                <a14:useLocalDpi xmlns:a14="http://schemas.microsoft.com/office/drawing/2010/main" val="0"/>
+              </a:ext>
+            </a:extLst>
+          </a:blip>
+          <a:stretch>
+            <a:fillRect/>
+          </a:stretch>
+        </p:blipFill>
+        <p:spPr>
+          <a:xfrm>
+            <a:off x="6624402" y="3646590"/>
+            <a:ext cx="360000" cy="360000"/>
+          </a:xfrm>
+          <a:prstGeom prst="rect">
+            <a:avLst/>
+          </a:prstGeom>
+        </p:spPr>
+      </p:pic>
+      <p:pic>
+        <p:nvPicPr>
+          <p:cNvPr id="45" name="그림 44"/>
+          <p:cNvPicPr>
+            <a:picLocks noChangeAspect="1"/>
+          </p:cNvPicPr>
+          <p:nvPr/>
+        </p:nvPicPr>
+        <p:blipFill>
+          <a:blip r:embed="rId27">
+            <a:extLst>
+              <a:ext uri="{28A0092B-C50C-407E-A947-70E740481C1C}">
+                <a14:useLocalDpi xmlns:a14="http://schemas.microsoft.com/office/drawing/2010/main" val="0"/>
+              </a:ext>
+            </a:extLst>
+          </a:blip>
+          <a:stretch>
+            <a:fillRect/>
+          </a:stretch>
+        </p:blipFill>
+        <p:spPr>
+          <a:xfrm>
+            <a:off x="6626850" y="4405093"/>
+            <a:ext cx="360000" cy="360000"/>
+          </a:xfrm>
+          <a:prstGeom prst="rect">
+            <a:avLst/>
+          </a:prstGeom>
+        </p:spPr>
+      </p:pic>
+      <p:pic>
+        <p:nvPicPr>
+          <p:cNvPr id="46" name="그림 45"/>
+          <p:cNvPicPr>
+            <a:picLocks noChangeAspect="1"/>
+          </p:cNvPicPr>
+          <p:nvPr/>
+        </p:nvPicPr>
+        <p:blipFill>
+          <a:blip r:embed="rId28">
+            <a:extLst>
+              <a:ext uri="{28A0092B-C50C-407E-A947-70E740481C1C}">
+                <a14:useLocalDpi xmlns:a14="http://schemas.microsoft.com/office/drawing/2010/main" val="0"/>
+              </a:ext>
+            </a:extLst>
+          </a:blip>
+          <a:stretch>
+            <a:fillRect/>
+          </a:stretch>
+        </p:blipFill>
+        <p:spPr>
+          <a:xfrm>
+            <a:off x="6623690" y="4019636"/>
+            <a:ext cx="360000" cy="360000"/>
+          </a:xfrm>
+          <a:prstGeom prst="rect">
+            <a:avLst/>
+          </a:prstGeom>
+        </p:spPr>
+      </p:pic>
+      <p:pic>
+        <p:nvPicPr>
+          <p:cNvPr id="47" name="그림 46"/>
+          <p:cNvPicPr>
+            <a:picLocks noChangeAspect="1"/>
+          </p:cNvPicPr>
+          <p:nvPr/>
+        </p:nvPicPr>
+        <p:blipFill>
+          <a:blip r:embed="rId29">
+            <a:extLst>
+              <a:ext uri="{28A0092B-C50C-407E-A947-70E740481C1C}">
+                <a14:useLocalDpi xmlns:a14="http://schemas.microsoft.com/office/drawing/2010/main" val="0"/>
+              </a:ext>
+            </a:extLst>
+          </a:blip>
+          <a:stretch>
+            <a:fillRect/>
+          </a:stretch>
+        </p:blipFill>
+        <p:spPr>
+          <a:xfrm>
+            <a:off x="6244004" y="2881555"/>
+            <a:ext cx="360000" cy="360000"/>
+          </a:xfrm>
+          <a:prstGeom prst="rect">
+            <a:avLst/>
+          </a:prstGeom>
+        </p:spPr>
+      </p:pic>
+      <p:pic>
+        <p:nvPicPr>
+          <p:cNvPr id="48" name="그림 47"/>
+          <p:cNvPicPr>
+            <a:picLocks noChangeAspect="1"/>
+          </p:cNvPicPr>
+          <p:nvPr/>
+        </p:nvPicPr>
+        <p:blipFill>
+          <a:blip r:embed="rId30">
+            <a:extLst>
+              <a:ext uri="{28A0092B-C50C-407E-A947-70E740481C1C}">
+                <a14:useLocalDpi xmlns:a14="http://schemas.microsoft.com/office/drawing/2010/main" val="0"/>
+              </a:ext>
+            </a:extLst>
+          </a:blip>
+          <a:stretch>
+            <a:fillRect/>
+          </a:stretch>
+        </p:blipFill>
+        <p:spPr>
+          <a:xfrm>
+            <a:off x="6244004" y="3266546"/>
+            <a:ext cx="360000" cy="360000"/>
+          </a:xfrm>
+          <a:prstGeom prst="rect">
+            <a:avLst/>
+          </a:prstGeom>
+        </p:spPr>
+      </p:pic>
+      <p:pic>
+        <p:nvPicPr>
+          <p:cNvPr id="49" name="그림 48"/>
+          <p:cNvPicPr>
+            <a:picLocks noChangeAspect="1"/>
+          </p:cNvPicPr>
+          <p:nvPr/>
+        </p:nvPicPr>
+        <p:blipFill>
+          <a:blip r:embed="rId31">
+            <a:extLst>
+              <a:ext uri="{28A0092B-C50C-407E-A947-70E740481C1C}">
+                <a14:useLocalDpi xmlns:a14="http://schemas.microsoft.com/office/drawing/2010/main" val="0"/>
+              </a:ext>
+            </a:extLst>
+          </a:blip>
+          <a:stretch>
+            <a:fillRect/>
+          </a:stretch>
+        </p:blipFill>
+        <p:spPr>
+          <a:xfrm>
+            <a:off x="6244004" y="3644721"/>
+            <a:ext cx="360000" cy="360000"/>
+          </a:xfrm>
+          <a:prstGeom prst="rect">
+            <a:avLst/>
+          </a:prstGeom>
+        </p:spPr>
+      </p:pic>
+      <p:pic>
+        <p:nvPicPr>
+          <p:cNvPr id="50" name="그림 49"/>
+          <p:cNvPicPr>
+            <a:picLocks noChangeAspect="1"/>
+          </p:cNvPicPr>
+          <p:nvPr/>
+        </p:nvPicPr>
+        <p:blipFill>
+          <a:blip r:embed="rId32">
+            <a:extLst>
+              <a:ext uri="{28A0092B-C50C-407E-A947-70E740481C1C}">
+                <a14:useLocalDpi xmlns:a14="http://schemas.microsoft.com/office/drawing/2010/main" val="0"/>
+              </a:ext>
+            </a:extLst>
+          </a:blip>
+          <a:stretch>
+            <a:fillRect/>
+          </a:stretch>
+        </p:blipFill>
+        <p:spPr>
+          <a:xfrm>
+            <a:off x="6244004" y="4022049"/>
+            <a:ext cx="360000" cy="360000"/>
+          </a:xfrm>
+          <a:prstGeom prst="rect">
+            <a:avLst/>
+          </a:prstGeom>
+        </p:spPr>
+      </p:pic>
+      <p:pic>
+        <p:nvPicPr>
+          <p:cNvPr id="51" name="그림 50"/>
+          <p:cNvPicPr>
+            <a:picLocks noChangeAspect="1"/>
+          </p:cNvPicPr>
+          <p:nvPr/>
+        </p:nvPicPr>
+        <p:blipFill>
+          <a:blip r:embed="rId33">
+            <a:extLst>
+              <a:ext uri="{28A0092B-C50C-407E-A947-70E740481C1C}">
+                <a14:useLocalDpi xmlns:a14="http://schemas.microsoft.com/office/drawing/2010/main" val="0"/>
+              </a:ext>
+            </a:extLst>
+          </a:blip>
+          <a:stretch>
+            <a:fillRect/>
+          </a:stretch>
+        </p:blipFill>
+        <p:spPr>
+          <a:xfrm>
+            <a:off x="6244004" y="4404635"/>
+            <a:ext cx="360000" cy="360000"/>
+          </a:xfrm>
+          <a:prstGeom prst="rect">
+            <a:avLst/>
+          </a:prstGeom>
+        </p:spPr>
+      </p:pic>
+      <p:pic>
+        <p:nvPicPr>
+          <p:cNvPr id="52" name="그림 51"/>
+          <p:cNvPicPr>
+            <a:picLocks noChangeAspect="1"/>
+          </p:cNvPicPr>
+          <p:nvPr/>
+        </p:nvPicPr>
+        <p:blipFill>
+          <a:blip r:embed="rId34">
+            <a:extLst>
+              <a:ext uri="{28A0092B-C50C-407E-A947-70E740481C1C}">
+                <a14:useLocalDpi xmlns:a14="http://schemas.microsoft.com/office/drawing/2010/main" val="0"/>
+              </a:ext>
+            </a:extLst>
+          </a:blip>
+          <a:stretch>
+            <a:fillRect/>
+          </a:stretch>
+        </p:blipFill>
+        <p:spPr>
+          <a:xfrm>
+            <a:off x="5866139" y="3277802"/>
+            <a:ext cx="360000" cy="360000"/>
+          </a:xfrm>
+          <a:prstGeom prst="rect">
+            <a:avLst/>
+          </a:prstGeom>
+        </p:spPr>
+      </p:pic>
+      <p:pic>
+        <p:nvPicPr>
+          <p:cNvPr id="53" name="그림 52"/>
+          <p:cNvPicPr>
+            <a:picLocks noChangeAspect="1"/>
+          </p:cNvPicPr>
+          <p:nvPr/>
+        </p:nvPicPr>
+        <p:blipFill>
+          <a:blip r:embed="rId35">
+            <a:extLst>
+              <a:ext uri="{28A0092B-C50C-407E-A947-70E740481C1C}">
+                <a14:useLocalDpi xmlns:a14="http://schemas.microsoft.com/office/drawing/2010/main" val="0"/>
+              </a:ext>
+            </a:extLst>
+          </a:blip>
+          <a:stretch>
+            <a:fillRect/>
+          </a:stretch>
+        </p:blipFill>
+        <p:spPr>
+          <a:xfrm>
+            <a:off x="5866738" y="2890729"/>
+            <a:ext cx="360000" cy="360000"/>
+          </a:xfrm>
+          <a:prstGeom prst="rect">
+            <a:avLst/>
+          </a:prstGeom>
+        </p:spPr>
+      </p:pic>
+      <p:pic>
+        <p:nvPicPr>
+          <p:cNvPr id="54" name="그림 53"/>
+          <p:cNvPicPr>
+            <a:picLocks noChangeAspect="1"/>
+          </p:cNvPicPr>
+          <p:nvPr/>
+        </p:nvPicPr>
+        <p:blipFill>
+          <a:blip r:embed="rId36">
+            <a:extLst>
+              <a:ext uri="{28A0092B-C50C-407E-A947-70E740481C1C}">
+                <a14:useLocalDpi xmlns:a14="http://schemas.microsoft.com/office/drawing/2010/main" val="0"/>
+              </a:ext>
+            </a:extLst>
+          </a:blip>
+          <a:stretch>
+            <a:fillRect/>
+          </a:stretch>
+        </p:blipFill>
+        <p:spPr>
+          <a:xfrm>
+            <a:off x="5874847" y="4407945"/>
+            <a:ext cx="360000" cy="360000"/>
+          </a:xfrm>
+          <a:prstGeom prst="rect">
+            <a:avLst/>
+          </a:prstGeom>
+        </p:spPr>
+      </p:pic>
+      <p:pic>
+        <p:nvPicPr>
+          <p:cNvPr id="55" name="그림 54"/>
+          <p:cNvPicPr>
+            <a:picLocks noChangeAspect="1"/>
+          </p:cNvPicPr>
+          <p:nvPr/>
+        </p:nvPicPr>
+        <p:blipFill>
+          <a:blip r:embed="rId37">
+            <a:extLst>
+              <a:ext uri="{28A0092B-C50C-407E-A947-70E740481C1C}">
+                <a14:useLocalDpi xmlns:a14="http://schemas.microsoft.com/office/drawing/2010/main" val="0"/>
+              </a:ext>
+            </a:extLst>
+          </a:blip>
+          <a:stretch>
+            <a:fillRect/>
+          </a:stretch>
+        </p:blipFill>
+        <p:spPr>
+          <a:xfrm>
+            <a:off x="5866738" y="3646590"/>
+            <a:ext cx="360000" cy="360000"/>
+          </a:xfrm>
+          <a:prstGeom prst="rect">
+            <a:avLst/>
+          </a:prstGeom>
+        </p:spPr>
+      </p:pic>
+      <p:pic>
+        <p:nvPicPr>
+          <p:cNvPr id="58" name="그림 57"/>
+          <p:cNvPicPr>
+            <a:picLocks noChangeAspect="1"/>
+          </p:cNvPicPr>
+          <p:nvPr/>
+        </p:nvPicPr>
+        <p:blipFill>
+          <a:blip r:embed="rId38">
+            <a:extLst>
+              <a:ext uri="{28A0092B-C50C-407E-A947-70E740481C1C}">
+                <a14:useLocalDpi xmlns:a14="http://schemas.microsoft.com/office/drawing/2010/main" val="0"/>
+              </a:ext>
+            </a:extLst>
+          </a:blip>
+          <a:stretch>
+            <a:fillRect/>
+          </a:stretch>
+        </p:blipFill>
+        <p:spPr>
+          <a:xfrm>
+            <a:off x="5868187" y="4019710"/>
+            <a:ext cx="360000" cy="360000"/>
+          </a:xfrm>
+          <a:prstGeom prst="rect">
+            <a:avLst/>
+          </a:prstGeom>
+        </p:spPr>
+      </p:pic>
+      <p:pic>
+        <p:nvPicPr>
+          <p:cNvPr id="59" name="그림 58"/>
+          <p:cNvPicPr>
+            <a:picLocks noChangeAspect="1"/>
+          </p:cNvPicPr>
+          <p:nvPr/>
+        </p:nvPicPr>
+        <p:blipFill>
+          <a:blip r:embed="rId39">
+            <a:extLst>
+              <a:ext uri="{28A0092B-C50C-407E-A947-70E740481C1C}">
+                <a14:useLocalDpi xmlns:a14="http://schemas.microsoft.com/office/drawing/2010/main" val="0"/>
+              </a:ext>
+            </a:extLst>
+          </a:blip>
+          <a:stretch>
+            <a:fillRect/>
+          </a:stretch>
+        </p:blipFill>
+        <p:spPr>
+          <a:xfrm>
+            <a:off x="3980325" y="3265326"/>
+            <a:ext cx="360000" cy="360000"/>
+          </a:xfrm>
+          <a:prstGeom prst="rect">
+            <a:avLst/>
+          </a:prstGeom>
+        </p:spPr>
+      </p:pic>
+      <p:pic>
+        <p:nvPicPr>
+          <p:cNvPr id="60" name="그림 59"/>
+          <p:cNvPicPr>
+            <a:picLocks noChangeAspect="1"/>
+          </p:cNvPicPr>
+          <p:nvPr/>
+        </p:nvPicPr>
+        <p:blipFill>
+          <a:blip r:embed="rId40">
+            <a:extLst>
+              <a:ext uri="{28A0092B-C50C-407E-A947-70E740481C1C}">
+                <a14:useLocalDpi xmlns:a14="http://schemas.microsoft.com/office/drawing/2010/main" val="0"/>
+              </a:ext>
+            </a:extLst>
+          </a:blip>
+          <a:stretch>
+            <a:fillRect/>
+          </a:stretch>
+        </p:blipFill>
+        <p:spPr>
+          <a:xfrm>
+            <a:off x="3980325" y="2883109"/>
+            <a:ext cx="360000" cy="360000"/>
+          </a:xfrm>
+          <a:prstGeom prst="rect">
+            <a:avLst/>
+          </a:prstGeom>
+        </p:spPr>
+      </p:pic>
+      <p:pic>
+        <p:nvPicPr>
+          <p:cNvPr id="62" name="그림 61"/>
+          <p:cNvPicPr>
+            <a:picLocks noChangeAspect="1"/>
+          </p:cNvPicPr>
+          <p:nvPr/>
+        </p:nvPicPr>
+        <p:blipFill>
+          <a:blip r:embed="rId41">
+            <a:extLst>
+              <a:ext uri="{28A0092B-C50C-407E-A947-70E740481C1C}">
+                <a14:useLocalDpi xmlns:a14="http://schemas.microsoft.com/office/drawing/2010/main" val="0"/>
+              </a:ext>
+            </a:extLst>
+          </a:blip>
+          <a:stretch>
+            <a:fillRect/>
+          </a:stretch>
+        </p:blipFill>
+        <p:spPr>
+          <a:xfrm>
+            <a:off x="3980325" y="4393092"/>
+            <a:ext cx="360000" cy="360000"/>
+          </a:xfrm>
+          <a:prstGeom prst="rect">
+            <a:avLst/>
+          </a:prstGeom>
+        </p:spPr>
+      </p:pic>
+      <p:pic>
+        <p:nvPicPr>
+          <p:cNvPr id="63" name="그림 62"/>
+          <p:cNvPicPr>
+            <a:picLocks noChangeAspect="1"/>
+          </p:cNvPicPr>
+          <p:nvPr/>
+        </p:nvPicPr>
+        <p:blipFill>
+          <a:blip r:embed="rId42">
+            <a:extLst>
+              <a:ext uri="{28A0092B-C50C-407E-A947-70E740481C1C}">
+                <a14:useLocalDpi xmlns:a14="http://schemas.microsoft.com/office/drawing/2010/main" val="0"/>
+              </a:ext>
+            </a:extLst>
+          </a:blip>
+          <a:stretch>
+            <a:fillRect/>
+          </a:stretch>
+        </p:blipFill>
+        <p:spPr>
+          <a:xfrm>
+            <a:off x="3980325" y="4023854"/>
+            <a:ext cx="360000" cy="360000"/>
+          </a:xfrm>
+          <a:prstGeom prst="rect">
+            <a:avLst/>
+          </a:prstGeom>
+        </p:spPr>
+      </p:pic>
+      <p:pic>
+        <p:nvPicPr>
+          <p:cNvPr id="453" name="그림 452"/>
+          <p:cNvPicPr>
+            <a:picLocks noChangeAspect="1"/>
+          </p:cNvPicPr>
+          <p:nvPr/>
+        </p:nvPicPr>
+        <p:blipFill>
+          <a:blip r:embed="rId43">
+            <a:extLst>
+              <a:ext uri="{28A0092B-C50C-407E-A947-70E740481C1C}">
+                <a14:useLocalDpi xmlns:a14="http://schemas.microsoft.com/office/drawing/2010/main" val="0"/>
+              </a:ext>
+            </a:extLst>
+          </a:blip>
+          <a:stretch>
+            <a:fillRect/>
+          </a:stretch>
+        </p:blipFill>
+        <p:spPr>
+          <a:xfrm>
+            <a:off x="3980325" y="3645856"/>
+            <a:ext cx="360000" cy="360000"/>
+          </a:xfrm>
+          <a:prstGeom prst="rect">
+            <a:avLst/>
+          </a:prstGeom>
+        </p:spPr>
+      </p:pic>
+      <p:pic>
+        <p:nvPicPr>
+          <p:cNvPr id="455" name="그림 454"/>
+          <p:cNvPicPr>
+            <a:picLocks noChangeAspect="1"/>
+          </p:cNvPicPr>
+          <p:nvPr/>
+        </p:nvPicPr>
+        <p:blipFill>
+          <a:blip r:embed="rId44">
+            <a:extLst>
+              <a:ext uri="{28A0092B-C50C-407E-A947-70E740481C1C}">
+                <a14:useLocalDpi xmlns:a14="http://schemas.microsoft.com/office/drawing/2010/main" val="0"/>
+              </a:ext>
+            </a:extLst>
+          </a:blip>
+          <a:stretch>
+            <a:fillRect/>
+          </a:stretch>
+        </p:blipFill>
+        <p:spPr>
+          <a:xfrm>
+            <a:off x="5503829" y="4407945"/>
+            <a:ext cx="360000" cy="360000"/>
+          </a:xfrm>
+          <a:prstGeom prst="rect">
+            <a:avLst/>
+          </a:prstGeom>
+        </p:spPr>
+      </p:pic>
+      <p:pic>
+        <p:nvPicPr>
+          <p:cNvPr id="456" name="그림 455"/>
+          <p:cNvPicPr>
+            <a:picLocks noChangeAspect="1"/>
+          </p:cNvPicPr>
+          <p:nvPr/>
+        </p:nvPicPr>
+        <p:blipFill>
+          <a:blip r:embed="rId45">
+            <a:extLst>
+              <a:ext uri="{28A0092B-C50C-407E-A947-70E740481C1C}">
+                <a14:useLocalDpi xmlns:a14="http://schemas.microsoft.com/office/drawing/2010/main" val="0"/>
+              </a:ext>
+            </a:extLst>
+          </a:blip>
+          <a:stretch>
+            <a:fillRect/>
+          </a:stretch>
+        </p:blipFill>
+        <p:spPr>
+          <a:xfrm>
+            <a:off x="5491316" y="3640037"/>
+            <a:ext cx="360000" cy="360000"/>
+          </a:xfrm>
+          <a:prstGeom prst="rect">
+            <a:avLst/>
+          </a:prstGeom>
+        </p:spPr>
+      </p:pic>
+      <p:pic>
+        <p:nvPicPr>
+          <p:cNvPr id="457" name="그림 456"/>
+          <p:cNvPicPr>
+            <a:picLocks noChangeAspect="1"/>
+          </p:cNvPicPr>
+          <p:nvPr/>
+        </p:nvPicPr>
+        <p:blipFill>
+          <a:blip r:embed="rId46">
+            <a:extLst>
+              <a:ext uri="{28A0092B-C50C-407E-A947-70E740481C1C}">
+                <a14:useLocalDpi xmlns:a14="http://schemas.microsoft.com/office/drawing/2010/main" val="0"/>
+              </a:ext>
+            </a:extLst>
+          </a:blip>
+          <a:stretch>
+            <a:fillRect/>
+          </a:stretch>
+        </p:blipFill>
+        <p:spPr>
+          <a:xfrm>
+            <a:off x="5498105" y="2880707"/>
+            <a:ext cx="360000" cy="360000"/>
+          </a:xfrm>
+          <a:prstGeom prst="rect">
+            <a:avLst/>
+          </a:prstGeom>
+        </p:spPr>
+      </p:pic>
+      <p:pic>
+        <p:nvPicPr>
+          <p:cNvPr id="458" name="그림 457"/>
+          <p:cNvPicPr>
+            <a:picLocks noChangeAspect="1"/>
+          </p:cNvPicPr>
+          <p:nvPr/>
+        </p:nvPicPr>
+        <p:blipFill>
+          <a:blip r:embed="rId47">
+            <a:extLst>
+              <a:ext uri="{28A0092B-C50C-407E-A947-70E740481C1C}">
+                <a14:useLocalDpi xmlns:a14="http://schemas.microsoft.com/office/drawing/2010/main" val="0"/>
+              </a:ext>
+            </a:extLst>
+          </a:blip>
+          <a:stretch>
+            <a:fillRect/>
+          </a:stretch>
+        </p:blipFill>
+        <p:spPr>
+          <a:xfrm>
+            <a:off x="5499591" y="4018212"/>
+            <a:ext cx="360000" cy="360000"/>
+          </a:xfrm>
+          <a:prstGeom prst="rect">
+            <a:avLst/>
+          </a:prstGeom>
+        </p:spPr>
+      </p:pic>
+      <p:pic>
+        <p:nvPicPr>
+          <p:cNvPr id="459" name="그림 458"/>
+          <p:cNvPicPr>
+            <a:picLocks noChangeAspect="1"/>
+          </p:cNvPicPr>
+          <p:nvPr/>
+        </p:nvPicPr>
+        <p:blipFill>
+          <a:blip r:embed="rId44">
+            <a:extLst>
+              <a:ext uri="{28A0092B-C50C-407E-A947-70E740481C1C}">
+                <a14:useLocalDpi xmlns:a14="http://schemas.microsoft.com/office/drawing/2010/main" val="0"/>
+              </a:ext>
+            </a:extLst>
+          </a:blip>
+          <a:stretch>
+            <a:fillRect/>
+          </a:stretch>
+        </p:blipFill>
+        <p:spPr>
+          <a:xfrm>
+            <a:off x="5500248" y="3252055"/>
+            <a:ext cx="360000" cy="360000"/>
+          </a:xfrm>
+          <a:prstGeom prst="rect">
+            <a:avLst/>
+          </a:prstGeom>
+        </p:spPr>
+      </p:pic>
+      <p:pic>
+        <p:nvPicPr>
+          <p:cNvPr id="460" name="그림 459"/>
+          <p:cNvPicPr>
+            <a:picLocks noChangeAspect="1"/>
+          </p:cNvPicPr>
+          <p:nvPr/>
+        </p:nvPicPr>
+        <p:blipFill>
+          <a:blip r:embed="rId48">
+            <a:extLst>
+              <a:ext uri="{28A0092B-C50C-407E-A947-70E740481C1C}">
+                <a14:useLocalDpi xmlns:a14="http://schemas.microsoft.com/office/drawing/2010/main" val="0"/>
+              </a:ext>
+            </a:extLst>
+          </a:blip>
+          <a:stretch>
+            <a:fillRect/>
+          </a:stretch>
+        </p:blipFill>
+        <p:spPr>
+          <a:xfrm>
+            <a:off x="3598461" y="2875270"/>
+            <a:ext cx="360000" cy="360000"/>
+          </a:xfrm>
+          <a:prstGeom prst="rect">
+            <a:avLst/>
+          </a:prstGeom>
+        </p:spPr>
+      </p:pic>
+      <p:pic>
+        <p:nvPicPr>
+          <p:cNvPr id="461" name="그림 460"/>
+          <p:cNvPicPr>
+            <a:picLocks noChangeAspect="1"/>
+          </p:cNvPicPr>
+          <p:nvPr/>
+        </p:nvPicPr>
+        <p:blipFill>
+          <a:blip r:embed="rId49">
+            <a:extLst>
+              <a:ext uri="{28A0092B-C50C-407E-A947-70E740481C1C}">
+                <a14:useLocalDpi xmlns:a14="http://schemas.microsoft.com/office/drawing/2010/main" val="0"/>
+              </a:ext>
+            </a:extLst>
+          </a:blip>
+          <a:stretch>
+            <a:fillRect/>
+          </a:stretch>
+        </p:blipFill>
+        <p:spPr>
+          <a:xfrm>
+            <a:off x="3598461" y="4411341"/>
+            <a:ext cx="360000" cy="360000"/>
+          </a:xfrm>
+          <a:prstGeom prst="rect">
+            <a:avLst/>
+          </a:prstGeom>
+        </p:spPr>
+      </p:pic>
+      <p:pic>
+        <p:nvPicPr>
+          <p:cNvPr id="462" name="그림 461"/>
+          <p:cNvPicPr>
+            <a:picLocks noChangeAspect="1"/>
+          </p:cNvPicPr>
+          <p:nvPr/>
+        </p:nvPicPr>
+        <p:blipFill>
+          <a:blip r:embed="rId50">
+            <a:extLst>
+              <a:ext uri="{28A0092B-C50C-407E-A947-70E740481C1C}">
+                <a14:useLocalDpi xmlns:a14="http://schemas.microsoft.com/office/drawing/2010/main" val="0"/>
+              </a:ext>
+            </a:extLst>
+          </a:blip>
+          <a:stretch>
+            <a:fillRect/>
+          </a:stretch>
+        </p:blipFill>
+        <p:spPr>
+          <a:xfrm>
+            <a:off x="3598461" y="4033771"/>
+            <a:ext cx="360000" cy="360000"/>
+          </a:xfrm>
+          <a:prstGeom prst="rect">
+            <a:avLst/>
+          </a:prstGeom>
+        </p:spPr>
+      </p:pic>
+      <p:pic>
+        <p:nvPicPr>
+          <p:cNvPr id="463" name="그림 462"/>
+          <p:cNvPicPr>
+            <a:picLocks noChangeAspect="1"/>
+          </p:cNvPicPr>
+          <p:nvPr/>
+        </p:nvPicPr>
+        <p:blipFill>
+          <a:blip r:embed="rId51">
+            <a:extLst>
+              <a:ext uri="{28A0092B-C50C-407E-A947-70E740481C1C}">
+                <a14:useLocalDpi xmlns:a14="http://schemas.microsoft.com/office/drawing/2010/main" val="0"/>
+              </a:ext>
+            </a:extLst>
+          </a:blip>
+          <a:stretch>
+            <a:fillRect/>
+          </a:stretch>
+        </p:blipFill>
+        <p:spPr>
+          <a:xfrm>
+            <a:off x="3598461" y="3644354"/>
+            <a:ext cx="360000" cy="360000"/>
+          </a:xfrm>
+          <a:prstGeom prst="rect">
+            <a:avLst/>
+          </a:prstGeom>
+        </p:spPr>
+      </p:pic>
+      <p:pic>
+        <p:nvPicPr>
+          <p:cNvPr id="467" name="그림 466"/>
+          <p:cNvPicPr>
+            <a:picLocks noChangeAspect="1"/>
+          </p:cNvPicPr>
+          <p:nvPr/>
+        </p:nvPicPr>
+        <p:blipFill>
+          <a:blip r:embed="rId52">
+            <a:extLst>
+              <a:ext uri="{28A0092B-C50C-407E-A947-70E740481C1C}">
+                <a14:useLocalDpi xmlns:a14="http://schemas.microsoft.com/office/drawing/2010/main" val="0"/>
+              </a:ext>
+            </a:extLst>
+          </a:blip>
+          <a:stretch>
+            <a:fillRect/>
+          </a:stretch>
+        </p:blipFill>
+        <p:spPr>
+          <a:xfrm>
+            <a:off x="3598461" y="3261854"/>
+            <a:ext cx="360000" cy="360000"/>
+          </a:xfrm>
+          <a:prstGeom prst="rect">
+            <a:avLst/>
+          </a:prstGeom>
+        </p:spPr>
+      </p:pic>
+      <p:pic>
+        <p:nvPicPr>
+          <p:cNvPr id="468" name="그림 467"/>
+          <p:cNvPicPr>
+            <a:picLocks noChangeAspect="1"/>
+          </p:cNvPicPr>
+          <p:nvPr/>
+        </p:nvPicPr>
+        <p:blipFill>
+          <a:blip r:embed="rId53">
+            <a:extLst>
+              <a:ext uri="{28A0092B-C50C-407E-A947-70E740481C1C}">
+                <a14:useLocalDpi xmlns:a14="http://schemas.microsoft.com/office/drawing/2010/main" val="0"/>
+              </a:ext>
+            </a:extLst>
+          </a:blip>
+          <a:stretch>
+            <a:fillRect/>
+          </a:stretch>
+        </p:blipFill>
+        <p:spPr>
+          <a:xfrm>
+            <a:off x="5507415" y="4806638"/>
+            <a:ext cx="360000" cy="360000"/>
+          </a:xfrm>
+          <a:prstGeom prst="rect">
+            <a:avLst/>
+          </a:prstGeom>
+        </p:spPr>
+      </p:pic>
+      <p:pic>
+        <p:nvPicPr>
+          <p:cNvPr id="469" name="그림 468"/>
+          <p:cNvPicPr>
+            <a:picLocks noChangeAspect="1"/>
+          </p:cNvPicPr>
+          <p:nvPr/>
+        </p:nvPicPr>
+        <p:blipFill>
+          <a:blip r:embed="rId54">
+            <a:extLst>
+              <a:ext uri="{28A0092B-C50C-407E-A947-70E740481C1C}">
+                <a14:useLocalDpi xmlns:a14="http://schemas.microsoft.com/office/drawing/2010/main" val="0"/>
+              </a:ext>
+            </a:extLst>
+          </a:blip>
+          <a:stretch>
+            <a:fillRect/>
+          </a:stretch>
+        </p:blipFill>
+        <p:spPr>
+          <a:xfrm>
+            <a:off x="5503829" y="5180182"/>
+            <a:ext cx="360000" cy="360000"/>
+          </a:xfrm>
+          <a:prstGeom prst="rect">
+            <a:avLst/>
+          </a:prstGeom>
+        </p:spPr>
+      </p:pic>
+      <p:pic>
+        <p:nvPicPr>
+          <p:cNvPr id="470" name="그림 469"/>
+          <p:cNvPicPr>
+            <a:picLocks noChangeAspect="1"/>
+          </p:cNvPicPr>
+          <p:nvPr/>
+        </p:nvPicPr>
+        <p:blipFill>
+          <a:blip r:embed="rId55">
+            <a:extLst>
+              <a:ext uri="{28A0092B-C50C-407E-A947-70E740481C1C}">
+                <a14:useLocalDpi xmlns:a14="http://schemas.microsoft.com/office/drawing/2010/main" val="0"/>
+              </a:ext>
+            </a:extLst>
+          </a:blip>
+          <a:stretch>
+            <a:fillRect/>
+          </a:stretch>
+        </p:blipFill>
+        <p:spPr>
+          <a:xfrm>
+            <a:off x="3599861" y="4807012"/>
+            <a:ext cx="360000" cy="360000"/>
+          </a:xfrm>
+          <a:prstGeom prst="rect">
+            <a:avLst/>
+          </a:prstGeom>
+        </p:spPr>
+      </p:pic>
+      <p:pic>
+        <p:nvPicPr>
+          <p:cNvPr id="471" name="그림 470"/>
+          <p:cNvPicPr>
+            <a:picLocks noChangeAspect="1"/>
+          </p:cNvPicPr>
+          <p:nvPr/>
+        </p:nvPicPr>
+        <p:blipFill>
+          <a:blip r:embed="rId54">
+            <a:extLst>
+              <a:ext uri="{28A0092B-C50C-407E-A947-70E740481C1C}">
+                <a14:useLocalDpi xmlns:a14="http://schemas.microsoft.com/office/drawing/2010/main" val="0"/>
+              </a:ext>
+            </a:extLst>
+          </a:blip>
+          <a:stretch>
+            <a:fillRect/>
+          </a:stretch>
+        </p:blipFill>
+        <p:spPr>
+          <a:xfrm>
+            <a:off x="3600744" y="5195897"/>
+            <a:ext cx="360000" cy="360000"/>
+          </a:xfrm>
+          <a:prstGeom prst="rect">
+            <a:avLst/>
+          </a:prstGeom>
+        </p:spPr>
+      </p:pic>
+      <p:pic>
+        <p:nvPicPr>
+          <p:cNvPr id="473" name="그림 472"/>
+          <p:cNvPicPr>
+            <a:picLocks noChangeAspect="1"/>
+          </p:cNvPicPr>
+          <p:nvPr/>
+        </p:nvPicPr>
+        <p:blipFill>
+          <a:blip r:embed="rId56">
+            <a:extLst>
+              <a:ext uri="{28A0092B-C50C-407E-A947-70E740481C1C}">
+                <a14:useLocalDpi xmlns:a14="http://schemas.microsoft.com/office/drawing/2010/main" val="0"/>
+              </a:ext>
+            </a:extLst>
+          </a:blip>
+          <a:stretch>
+            <a:fillRect/>
+          </a:stretch>
+        </p:blipFill>
+        <p:spPr>
+          <a:xfrm>
+            <a:off x="4361816" y="5172182"/>
+            <a:ext cx="360000" cy="360000"/>
+          </a:xfrm>
+          <a:prstGeom prst="rect">
+            <a:avLst/>
+          </a:prstGeom>
+        </p:spPr>
+      </p:pic>
+      <p:pic>
+        <p:nvPicPr>
+          <p:cNvPr id="475" name="그림 474"/>
+          <p:cNvPicPr>
+            <a:picLocks noChangeAspect="1"/>
+          </p:cNvPicPr>
+          <p:nvPr/>
+        </p:nvPicPr>
+        <p:blipFill>
+          <a:blip r:embed="rId57">
+            <a:extLst>
+              <a:ext uri="{28A0092B-C50C-407E-A947-70E740481C1C}">
+                <a14:useLocalDpi xmlns:a14="http://schemas.microsoft.com/office/drawing/2010/main" val="0"/>
+              </a:ext>
+            </a:extLst>
+          </a:blip>
+          <a:stretch>
+            <a:fillRect/>
+          </a:stretch>
+        </p:blipFill>
+        <p:spPr>
+          <a:xfrm>
+            <a:off x="6259905" y="5167778"/>
+            <a:ext cx="360000" cy="360000"/>
+          </a:xfrm>
+          <a:prstGeom prst="rect">
+            <a:avLst/>
+          </a:prstGeom>
+        </p:spPr>
+      </p:pic>
+      <p:pic>
+        <p:nvPicPr>
+          <p:cNvPr id="476" name="그림 475"/>
+          <p:cNvPicPr>
+            <a:picLocks noChangeAspect="1"/>
+          </p:cNvPicPr>
+          <p:nvPr/>
+        </p:nvPicPr>
+        <p:blipFill>
+          <a:blip r:embed="rId58">
+            <a:extLst>
+              <a:ext uri="{28A0092B-C50C-407E-A947-70E740481C1C}">
+                <a14:useLocalDpi xmlns:a14="http://schemas.microsoft.com/office/drawing/2010/main" val="0"/>
+              </a:ext>
+            </a:extLst>
+          </a:blip>
+          <a:stretch>
+            <a:fillRect/>
+          </a:stretch>
+        </p:blipFill>
+        <p:spPr>
+          <a:xfrm>
+            <a:off x="6259905" y="4799024"/>
+            <a:ext cx="360000" cy="360000"/>
+          </a:xfrm>
+          <a:prstGeom prst="rect">
+            <a:avLst/>
+          </a:prstGeom>
+        </p:spPr>
+      </p:pic>
+      <p:pic>
+        <p:nvPicPr>
+          <p:cNvPr id="477" name="그림 476"/>
+          <p:cNvPicPr>
+            <a:picLocks noChangeAspect="1"/>
+          </p:cNvPicPr>
+          <p:nvPr/>
+        </p:nvPicPr>
+        <p:blipFill>
+          <a:blip r:embed="rId59">
+            <a:extLst>
+              <a:ext uri="{28A0092B-C50C-407E-A947-70E740481C1C}">
+                <a14:useLocalDpi xmlns:a14="http://schemas.microsoft.com/office/drawing/2010/main" val="0"/>
+              </a:ext>
+            </a:extLst>
+          </a:blip>
+          <a:stretch>
+            <a:fillRect/>
+          </a:stretch>
+        </p:blipFill>
+        <p:spPr>
+          <a:xfrm>
+            <a:off x="4361091" y="4800078"/>
+            <a:ext cx="360000" cy="360000"/>
+          </a:xfrm>
+          <a:prstGeom prst="rect">
+            <a:avLst/>
+          </a:prstGeom>
+        </p:spPr>
+      </p:pic>
+      <p:pic>
+        <p:nvPicPr>
+          <p:cNvPr id="478" name="그림 477"/>
+          <p:cNvPicPr>
+            <a:picLocks noChangeAspect="1"/>
+          </p:cNvPicPr>
+          <p:nvPr/>
+        </p:nvPicPr>
+        <p:blipFill>
+          <a:blip r:embed="rId60">
+            <a:extLst>
+              <a:ext uri="{28A0092B-C50C-407E-A947-70E740481C1C}">
+                <a14:useLocalDpi xmlns:a14="http://schemas.microsoft.com/office/drawing/2010/main" val="0"/>
+              </a:ext>
+            </a:extLst>
+          </a:blip>
+          <a:stretch>
+            <a:fillRect/>
+          </a:stretch>
+        </p:blipFill>
+        <p:spPr>
+          <a:xfrm>
+            <a:off x="3975311" y="5189805"/>
+            <a:ext cx="360000" cy="360000"/>
+          </a:xfrm>
+          <a:prstGeom prst="rect">
+            <a:avLst/>
+          </a:prstGeom>
+        </p:spPr>
+      </p:pic>
+      <p:pic>
+        <p:nvPicPr>
+          <p:cNvPr id="479" name="그림 478"/>
+          <p:cNvPicPr>
+            <a:picLocks noChangeAspect="1"/>
+          </p:cNvPicPr>
+          <p:nvPr/>
+        </p:nvPicPr>
+        <p:blipFill>
+          <a:blip r:embed="rId61">
+            <a:extLst>
+              <a:ext uri="{28A0092B-C50C-407E-A947-70E740481C1C}">
+                <a14:useLocalDpi xmlns:a14="http://schemas.microsoft.com/office/drawing/2010/main" val="0"/>
+              </a:ext>
+            </a:extLst>
+          </a:blip>
+          <a:stretch>
+            <a:fillRect/>
+          </a:stretch>
+        </p:blipFill>
+        <p:spPr>
+          <a:xfrm>
+            <a:off x="5884004" y="4806876"/>
+            <a:ext cx="360000" cy="360000"/>
+          </a:xfrm>
+          <a:prstGeom prst="rect">
+            <a:avLst/>
+          </a:prstGeom>
+        </p:spPr>
+      </p:pic>
+      <p:pic>
+        <p:nvPicPr>
+          <p:cNvPr id="480" name="그림 479"/>
+          <p:cNvPicPr>
+            <a:picLocks noChangeAspect="1"/>
+          </p:cNvPicPr>
+          <p:nvPr/>
+        </p:nvPicPr>
+        <p:blipFill>
+          <a:blip r:embed="rId62">
+            <a:extLst>
+              <a:ext uri="{28A0092B-C50C-407E-A947-70E740481C1C}">
+                <a14:useLocalDpi xmlns:a14="http://schemas.microsoft.com/office/drawing/2010/main" val="0"/>
+              </a:ext>
+            </a:extLst>
+          </a:blip>
+          <a:stretch>
+            <a:fillRect/>
+          </a:stretch>
+        </p:blipFill>
+        <p:spPr>
+          <a:xfrm>
+            <a:off x="5884004" y="5176926"/>
+            <a:ext cx="360000" cy="360000"/>
+          </a:xfrm>
+          <a:prstGeom prst="rect">
+            <a:avLst/>
+          </a:prstGeom>
+        </p:spPr>
+      </p:pic>
+      <p:pic>
+        <p:nvPicPr>
+          <p:cNvPr id="481" name="그림 480"/>
+          <p:cNvPicPr>
+            <a:picLocks noChangeAspect="1"/>
+          </p:cNvPicPr>
+          <p:nvPr/>
+        </p:nvPicPr>
+        <p:blipFill>
+          <a:blip r:embed="rId63">
+            <a:extLst>
+              <a:ext uri="{28A0092B-C50C-407E-A947-70E740481C1C}">
+                <a14:useLocalDpi xmlns:a14="http://schemas.microsoft.com/office/drawing/2010/main" val="0"/>
+              </a:ext>
+            </a:extLst>
+          </a:blip>
+          <a:stretch>
+            <a:fillRect/>
+          </a:stretch>
+        </p:blipFill>
+        <p:spPr>
+          <a:xfrm>
+            <a:off x="3973145" y="4806638"/>
+            <a:ext cx="360000" cy="360000"/>
+          </a:xfrm>
+          <a:prstGeom prst="rect">
+            <a:avLst/>
+          </a:prstGeom>
+        </p:spPr>
+      </p:pic>
+      <p:pic>
+        <p:nvPicPr>
+          <p:cNvPr id="482" name="그림 481"/>
+          <p:cNvPicPr>
+            <a:picLocks noChangeAspect="1"/>
+          </p:cNvPicPr>
+          <p:nvPr/>
+        </p:nvPicPr>
+        <p:blipFill>
+          <a:blip r:embed="rId64">
+            <a:extLst>
+              <a:ext uri="{28A0092B-C50C-407E-A947-70E740481C1C}">
+                <a14:useLocalDpi xmlns:a14="http://schemas.microsoft.com/office/drawing/2010/main" val="0"/>
+              </a:ext>
+            </a:extLst>
+          </a:blip>
+          <a:stretch>
+            <a:fillRect/>
+          </a:stretch>
+        </p:blipFill>
+        <p:spPr>
+          <a:xfrm>
+            <a:off x="4742806" y="5180066"/>
+            <a:ext cx="360000" cy="360000"/>
+          </a:xfrm>
+          <a:prstGeom prst="rect">
+            <a:avLst/>
+          </a:prstGeom>
+        </p:spPr>
+      </p:pic>
+      <p:pic>
+        <p:nvPicPr>
+          <p:cNvPr id="483" name="그림 482"/>
+          <p:cNvPicPr>
+            <a:picLocks noChangeAspect="1"/>
+          </p:cNvPicPr>
+          <p:nvPr/>
+        </p:nvPicPr>
+        <p:blipFill>
+          <a:blip r:embed="rId65">
+            <a:extLst>
+              <a:ext uri="{28A0092B-C50C-407E-A947-70E740481C1C}">
+                <a14:useLocalDpi xmlns:a14="http://schemas.microsoft.com/office/drawing/2010/main" val="0"/>
+              </a:ext>
+            </a:extLst>
+          </a:blip>
+          <a:stretch>
+            <a:fillRect/>
+          </a:stretch>
+        </p:blipFill>
+        <p:spPr>
+          <a:xfrm>
+            <a:off x="6625396" y="5173036"/>
+            <a:ext cx="360000" cy="360000"/>
+          </a:xfrm>
+          <a:prstGeom prst="rect">
+            <a:avLst/>
+          </a:prstGeom>
+        </p:spPr>
+      </p:pic>
+      <p:pic>
+        <p:nvPicPr>
+          <p:cNvPr id="484" name="그림 483"/>
+          <p:cNvPicPr>
+            <a:picLocks noChangeAspect="1"/>
+          </p:cNvPicPr>
+          <p:nvPr/>
+        </p:nvPicPr>
+        <p:blipFill>
+          <a:blip r:embed="rId66">
+            <a:extLst>
+              <a:ext uri="{28A0092B-C50C-407E-A947-70E740481C1C}">
+                <a14:useLocalDpi xmlns:a14="http://schemas.microsoft.com/office/drawing/2010/main" val="0"/>
+              </a:ext>
+            </a:extLst>
+          </a:blip>
+          <a:stretch>
+            <a:fillRect/>
+          </a:stretch>
+        </p:blipFill>
+        <p:spPr>
+          <a:xfrm>
+            <a:off x="4739744" y="4804365"/>
+            <a:ext cx="360000" cy="360000"/>
+          </a:xfrm>
+          <a:prstGeom prst="rect">
+            <a:avLst/>
+          </a:prstGeom>
+        </p:spPr>
+      </p:pic>
+      <p:pic>
+        <p:nvPicPr>
+          <p:cNvPr id="485" name="그림 484"/>
+          <p:cNvPicPr>
+            <a:picLocks noChangeAspect="1"/>
+          </p:cNvPicPr>
+          <p:nvPr/>
+        </p:nvPicPr>
+        <p:blipFill>
+          <a:blip r:embed="rId67">
+            <a:extLst>
+              <a:ext uri="{28A0092B-C50C-407E-A947-70E740481C1C}">
+                <a14:useLocalDpi xmlns:a14="http://schemas.microsoft.com/office/drawing/2010/main" val="0"/>
+              </a:ext>
+            </a:extLst>
+          </a:blip>
+          <a:stretch>
+            <a:fillRect/>
+          </a:stretch>
+        </p:blipFill>
+        <p:spPr>
+          <a:xfrm>
+            <a:off x="6630934" y="4803195"/>
+            <a:ext cx="360000" cy="360000"/>
+          </a:xfrm>
+          <a:prstGeom prst="rect">
+            <a:avLst/>
+          </a:prstGeom>
+        </p:spPr>
+      </p:pic>
+      <p:pic>
+        <p:nvPicPr>
+          <p:cNvPr id="486" name="그림 485"/>
+          <p:cNvPicPr>
+            <a:picLocks noChangeAspect="1"/>
+          </p:cNvPicPr>
+          <p:nvPr/>
+        </p:nvPicPr>
+        <p:blipFill>
+          <a:blip r:embed="rId68">
+            <a:extLst>
+              <a:ext uri="{28A0092B-C50C-407E-A947-70E740481C1C}">
+                <a14:useLocalDpi xmlns:a14="http://schemas.microsoft.com/office/drawing/2010/main" val="0"/>
+              </a:ext>
+            </a:extLst>
+          </a:blip>
+          <a:stretch>
+            <a:fillRect/>
+          </a:stretch>
+        </p:blipFill>
+        <p:spPr>
+          <a:xfrm>
+            <a:off x="7007165" y="4799587"/>
+            <a:ext cx="360000" cy="360000"/>
+          </a:xfrm>
+          <a:prstGeom prst="rect">
+            <a:avLst/>
+          </a:prstGeom>
+        </p:spPr>
+      </p:pic>
+      <p:pic>
+        <p:nvPicPr>
+          <p:cNvPr id="487" name="그림 486"/>
+          <p:cNvPicPr>
+            <a:picLocks noChangeAspect="1"/>
+          </p:cNvPicPr>
+          <p:nvPr/>
+        </p:nvPicPr>
+        <p:blipFill>
+          <a:blip r:embed="rId69">
+            <a:extLst>
+              <a:ext uri="{28A0092B-C50C-407E-A947-70E740481C1C}">
+                <a14:useLocalDpi xmlns:a14="http://schemas.microsoft.com/office/drawing/2010/main" val="0"/>
+              </a:ext>
+            </a:extLst>
+          </a:blip>
+          <a:stretch>
+            <a:fillRect/>
+          </a:stretch>
+        </p:blipFill>
+        <p:spPr>
+          <a:xfrm>
+            <a:off x="5126093" y="4809236"/>
+            <a:ext cx="360000" cy="360000"/>
+          </a:xfrm>
+          <a:prstGeom prst="rect">
+            <a:avLst/>
+          </a:prstGeom>
+        </p:spPr>
+      </p:pic>
+      <p:pic>
+        <p:nvPicPr>
+          <p:cNvPr id="488" name="그림 487"/>
+          <p:cNvPicPr>
+            <a:picLocks noChangeAspect="1"/>
+          </p:cNvPicPr>
+          <p:nvPr/>
+        </p:nvPicPr>
+        <p:blipFill>
+          <a:blip r:embed="rId70">
+            <a:extLst>
+              <a:ext uri="{28A0092B-C50C-407E-A947-70E740481C1C}">
+                <a14:useLocalDpi xmlns:a14="http://schemas.microsoft.com/office/drawing/2010/main" val="0"/>
+              </a:ext>
+            </a:extLst>
+          </a:blip>
+          <a:stretch>
+            <a:fillRect/>
+          </a:stretch>
+        </p:blipFill>
+        <p:spPr>
+          <a:xfrm>
+            <a:off x="7000170" y="5183261"/>
+            <a:ext cx="360000" cy="360000"/>
+          </a:xfrm>
+          <a:prstGeom prst="rect">
+            <a:avLst/>
+          </a:prstGeom>
+        </p:spPr>
+      </p:pic>
+      <p:pic>
+        <p:nvPicPr>
+          <p:cNvPr id="489" name="그림 488"/>
+          <p:cNvPicPr>
+            <a:picLocks noChangeAspect="1"/>
+          </p:cNvPicPr>
+          <p:nvPr/>
+        </p:nvPicPr>
+        <p:blipFill>
+          <a:blip r:embed="rId71">
+            <a:extLst>
+              <a:ext uri="{28A0092B-C50C-407E-A947-70E740481C1C}">
+                <a14:useLocalDpi xmlns:a14="http://schemas.microsoft.com/office/drawing/2010/main" val="0"/>
+              </a:ext>
+            </a:extLst>
+          </a:blip>
+          <a:stretch>
+            <a:fillRect/>
+          </a:stretch>
+        </p:blipFill>
+        <p:spPr>
+          <a:xfrm>
+            <a:off x="5126093" y="5182556"/>
+            <a:ext cx="360000" cy="360000"/>
+          </a:xfrm>
+          <a:prstGeom prst="rect">
+            <a:avLst/>
+          </a:prstGeom>
+        </p:spPr>
+      </p:pic>
+      <p:sp>
+        <p:nvSpPr>
+          <p:cNvPr id="406" name="직사각형 405"/>
+          <p:cNvSpPr/>
+          <p:nvPr/>
+        </p:nvSpPr>
+        <p:spPr>
+          <a:xfrm>
+            <a:off x="3135551" y="5301307"/>
+            <a:ext cx="4411316" cy="188471"/>
+          </a:xfrm>
+          <a:prstGeom prst="rect">
+            <a:avLst/>
+          </a:prstGeom>
+          <a:solidFill>
+            <a:srgbClr val="F0F3F6"/>
+          </a:solidFill>
+          <a:ln w="9525">
+            <a:solidFill>
+              <a:srgbClr val="D9D9D9"/>
+            </a:solidFill>
+          </a:ln>
+        </p:spPr>
+        <p:style>
+          <a:lnRef idx="2">
+            <a:schemeClr val="accent1">
+              <a:shade val="50000"/>
+            </a:schemeClr>
+          </a:lnRef>
+          <a:fillRef idx="1">
+            <a:schemeClr val="accent1"/>
+          </a:fillRef>
+          <a:effectRef idx="0">
+            <a:schemeClr val="accent1"/>
+          </a:effectRef>
+          <a:fontRef idx="minor">
+            <a:schemeClr val="lt1"/>
+          </a:fontRef>
+        </p:style>
+        <p:txBody>
+          <a:bodyPr rtlCol="0" anchor="ctr"/>
+          <a:lstStyle/>
+          <a:p>
+            <a:pPr algn="ctr"/>
+            <a:endParaRPr lang="ko-KR" altLang="en-US" sz="1350">
+              <a:latin typeface="Calibri" panose="020F0502020204030204" pitchFamily="34" charset="0"/>
+              <a:cs typeface="Calibri" panose="020F0502020204030204" pitchFamily="34" charset="0"/>
+            </a:endParaRPr>
+          </a:p>
+        </p:txBody>
+      </p:sp>
+      <p:sp>
+        <p:nvSpPr>
+          <p:cNvPr id="412" name="직사각형 411"/>
+          <p:cNvSpPr/>
+          <p:nvPr/>
+        </p:nvSpPr>
+        <p:spPr>
+          <a:xfrm>
+            <a:off x="3135551" y="5492194"/>
+            <a:ext cx="4411316" cy="188471"/>
+          </a:xfrm>
+          <a:prstGeom prst="rect">
+            <a:avLst/>
+          </a:prstGeom>
+          <a:solidFill>
+            <a:schemeClr val="bg1"/>
+          </a:solidFill>
+          <a:ln w="9525">
+            <a:noFill/>
+          </a:ln>
+        </p:spPr>
+        <p:style>
+          <a:lnRef idx="2">
+            <a:schemeClr val="accent1">
+              <a:shade val="50000"/>
+            </a:schemeClr>
+          </a:lnRef>
+          <a:fillRef idx="1">
+            <a:schemeClr val="accent1"/>
+          </a:fillRef>
+          <a:effectRef idx="0">
+            <a:schemeClr val="accent1"/>
+          </a:effectRef>
+          <a:fontRef idx="minor">
+            <a:schemeClr val="lt1"/>
+          </a:fontRef>
+        </p:style>
+        <p:txBody>
+          <a:bodyPr rtlCol="0" anchor="ctr"/>
+          <a:lstStyle/>
+          <a:p>
+            <a:pPr algn="ctr"/>
+            <a:endParaRPr lang="ko-KR" altLang="en-US" sz="1350">
+              <a:latin typeface="Calibri" panose="020F0502020204030204" pitchFamily="34" charset="0"/>
+              <a:cs typeface="Calibri" panose="020F0502020204030204" pitchFamily="34" charset="0"/>
+            </a:endParaRPr>
+          </a:p>
+        </p:txBody>
+      </p:sp>
+      <p:sp>
+        <p:nvSpPr>
+          <p:cNvPr id="422" name="직사각형 421"/>
+          <p:cNvSpPr/>
+          <p:nvPr/>
+        </p:nvSpPr>
+        <p:spPr>
+          <a:xfrm>
+            <a:off x="5220341" y="5378827"/>
+            <a:ext cx="115813" cy="94265"/>
+          </a:xfrm>
+          <a:prstGeom prst="rect">
+            <a:avLst/>
+          </a:prstGeom>
+          <a:noFill/>
+          <a:ln>
+            <a:noFill/>
+          </a:ln>
+        </p:spPr>
+        <p:style>
+          <a:lnRef idx="2">
+            <a:schemeClr val="accent1">
+              <a:shade val="50000"/>
+            </a:schemeClr>
+          </a:lnRef>
+          <a:fillRef idx="1">
+            <a:schemeClr val="accent1"/>
+          </a:fillRef>
+          <a:effectRef idx="0">
+            <a:schemeClr val="accent1"/>
+          </a:effectRef>
+          <a:fontRef idx="minor">
+            <a:schemeClr val="lt1"/>
+          </a:fontRef>
+        </p:style>
+        <p:txBody>
+          <a:bodyPr rtlCol="0" anchor="ctr"/>
+          <a:lstStyle/>
+          <a:p>
+            <a:pPr algn="ctr"/>
+            <a:r>
+              <a:rPr lang="en-US" altLang="ko-KR" sz="525" b="1" u="sng" dirty="0">
+                <a:solidFill>
+                  <a:schemeClr val="tx2"/>
+                </a:solidFill>
+                <a:latin typeface="Calibri" panose="020F0502020204030204" pitchFamily="34" charset="0"/>
+                <a:cs typeface="Calibri" panose="020F0502020204030204" pitchFamily="34" charset="0"/>
+              </a:rPr>
+              <a:t>1</a:t>
+            </a:r>
+            <a:endParaRPr lang="ko-KR" altLang="en-US" sz="525" b="1" u="sng" dirty="0">
+              <a:solidFill>
+                <a:schemeClr val="tx2"/>
+              </a:solidFill>
+              <a:latin typeface="Calibri" panose="020F0502020204030204" pitchFamily="34" charset="0"/>
+              <a:cs typeface="Calibri" panose="020F0502020204030204" pitchFamily="34" charset="0"/>
+            </a:endParaRPr>
+          </a:p>
+        </p:txBody>
+      </p:sp>
+      <p:sp>
+        <p:nvSpPr>
+          <p:cNvPr id="424" name="직사각형 423"/>
+          <p:cNvSpPr/>
+          <p:nvPr/>
+        </p:nvSpPr>
+        <p:spPr>
+          <a:xfrm>
+            <a:off x="5296506" y="5378827"/>
+            <a:ext cx="115813" cy="94265"/>
+          </a:xfrm>
+          <a:prstGeom prst="rect">
+            <a:avLst/>
+          </a:prstGeom>
+          <a:noFill/>
+          <a:ln>
+            <a:noFill/>
+          </a:ln>
+        </p:spPr>
+        <p:style>
+          <a:lnRef idx="2">
+            <a:schemeClr val="accent1">
+              <a:shade val="50000"/>
+            </a:schemeClr>
+          </a:lnRef>
+          <a:fillRef idx="1">
+            <a:schemeClr val="accent1"/>
+          </a:fillRef>
+          <a:effectRef idx="0">
+            <a:schemeClr val="accent1"/>
+          </a:effectRef>
+          <a:fontRef idx="minor">
+            <a:schemeClr val="lt1"/>
+          </a:fontRef>
+        </p:style>
+        <p:txBody>
+          <a:bodyPr rtlCol="0" anchor="ctr"/>
+          <a:lstStyle/>
+          <a:p>
+            <a:pPr algn="ctr"/>
+            <a:r>
+              <a:rPr lang="en-US" altLang="ko-KR" sz="525" b="1" dirty="0">
+                <a:solidFill>
+                  <a:schemeClr val="bg2">
+                    <a:lumMod val="50000"/>
+                  </a:schemeClr>
+                </a:solidFill>
+                <a:latin typeface="Calibri" panose="020F0502020204030204" pitchFamily="34" charset="0"/>
+                <a:cs typeface="Calibri" panose="020F0502020204030204" pitchFamily="34" charset="0"/>
+              </a:rPr>
+              <a:t>2</a:t>
+            </a:r>
+            <a:endParaRPr lang="ko-KR" altLang="en-US" sz="525" b="1" dirty="0">
+              <a:solidFill>
+                <a:schemeClr val="bg2">
+                  <a:lumMod val="50000"/>
+                </a:schemeClr>
+              </a:solidFill>
+              <a:latin typeface="Calibri" panose="020F0502020204030204" pitchFamily="34" charset="0"/>
+              <a:cs typeface="Calibri" panose="020F0502020204030204" pitchFamily="34" charset="0"/>
+            </a:endParaRPr>
+          </a:p>
+        </p:txBody>
+      </p:sp>
+      <p:sp>
+        <p:nvSpPr>
+          <p:cNvPr id="425" name="직사각형 424"/>
+          <p:cNvSpPr/>
+          <p:nvPr/>
+        </p:nvSpPr>
+        <p:spPr>
+          <a:xfrm>
+            <a:off x="5370710" y="5378827"/>
+            <a:ext cx="115813" cy="94265"/>
+          </a:xfrm>
+          <a:prstGeom prst="rect">
+            <a:avLst/>
+          </a:prstGeom>
+          <a:noFill/>
+          <a:ln>
+            <a:noFill/>
+          </a:ln>
+        </p:spPr>
+        <p:style>
+          <a:lnRef idx="2">
+            <a:schemeClr val="accent1">
+              <a:shade val="50000"/>
+            </a:schemeClr>
+          </a:lnRef>
+          <a:fillRef idx="1">
+            <a:schemeClr val="accent1"/>
+          </a:fillRef>
+          <a:effectRef idx="0">
+            <a:schemeClr val="accent1"/>
+          </a:effectRef>
+          <a:fontRef idx="minor">
+            <a:schemeClr val="lt1"/>
+          </a:fontRef>
+        </p:style>
+        <p:txBody>
+          <a:bodyPr rtlCol="0" anchor="ctr"/>
+          <a:lstStyle/>
+          <a:p>
+            <a:pPr algn="ctr"/>
+            <a:r>
+              <a:rPr lang="en-US" altLang="ko-KR" sz="525" b="1" dirty="0">
+                <a:solidFill>
+                  <a:schemeClr val="bg2">
+                    <a:lumMod val="50000"/>
+                  </a:schemeClr>
+                </a:solidFill>
+                <a:latin typeface="Calibri" panose="020F0502020204030204" pitchFamily="34" charset="0"/>
+                <a:cs typeface="Calibri" panose="020F0502020204030204" pitchFamily="34" charset="0"/>
+              </a:rPr>
+              <a:t>3</a:t>
+            </a:r>
+            <a:endParaRPr lang="ko-KR" altLang="en-US" sz="525" b="1" dirty="0">
+              <a:solidFill>
+                <a:schemeClr val="bg2">
+                  <a:lumMod val="50000"/>
+                </a:schemeClr>
+              </a:solidFill>
+              <a:latin typeface="Calibri" panose="020F0502020204030204" pitchFamily="34" charset="0"/>
+              <a:cs typeface="Calibri" panose="020F0502020204030204" pitchFamily="34" charset="0"/>
+            </a:endParaRPr>
+          </a:p>
+        </p:txBody>
+      </p:sp>
+      <p:pic>
+        <p:nvPicPr>
+          <p:cNvPr id="426" name="Picture 2" descr="Next, next arrow, next button, next circle, next icon icon"/>
+          <p:cNvPicPr>
+            <a:picLocks noChangeAspect="1" noChangeArrowheads="1"/>
+          </p:cNvPicPr>
+          <p:nvPr/>
+        </p:nvPicPr>
+        <p:blipFill>
+          <a:blip r:embed="rId3" cstate="print">
+            <a:extLst>
+              <a:ext uri="{28A0092B-C50C-407E-A947-70E740481C1C}">
+                <a14:useLocalDpi xmlns:a14="http://schemas.microsoft.com/office/drawing/2010/main" val="0"/>
+              </a:ext>
+            </a:extLst>
+          </a:blip>
+          <a:srcRect/>
+          <a:stretch>
+            <a:fillRect/>
+          </a:stretch>
+        </p:blipFill>
+        <p:spPr bwMode="auto">
+          <a:xfrm>
+            <a:off x="5483134" y="5398819"/>
+            <a:ext cx="59255" cy="59255"/>
+          </a:xfrm>
+          <a:prstGeom prst="rect">
+            <a:avLst/>
+          </a:prstGeom>
+          <a:noFill/>
+          <a:extLst>
+            <a:ext uri="{909E8E84-426E-40DD-AFC4-6F175D3DCCD1}">
+              <a14:hiddenFill xmlns:a14="http://schemas.microsoft.com/office/drawing/2010/main">
+                <a:solidFill>
+                  <a:srgbClr val="FFFFFF"/>
+                </a:solidFill>
+              </a14:hiddenFill>
+            </a:ext>
+          </a:extLst>
+        </p:spPr>
+      </p:pic>
+    </p:spTree>
+    <p:extLst>
+      <p:ext uri="{BB962C8B-B14F-4D97-AF65-F5344CB8AC3E}">
+        <p14:creationId xmlns:p14="http://schemas.microsoft.com/office/powerpoint/2010/main" val="3368004283"/>
+      </p:ext>
+    </p:extLst>
+  </p:cSld>
+  <p:clrMapOvr>
+    <a:masterClrMapping/>
+  </p:clrMapOvr>
+  <p:timing>
+    <p:tnLst>
+      <p:par>
+        <p:cTn id="1" dur="indefinite" restart="never" nodeType="tmRoot"/>
+      </p:par>
+    </p:tnLst>
+  </p:timing>
+</p:sld>
+</file>
+
+<file path=ppt/slides/slide6.xml><?xml version="1.0" encoding="utf-8"?>
+<p:sld xmlns:a="http://schemas.openxmlformats.org/drawingml/2006/main" xmlns:r="http://schemas.openxmlformats.org/officeDocument/2006/relationships" xmlns:p="http://schemas.openxmlformats.org/presentationml/2006/main">
+  <p:cSld>
+    <p:spTree>
+      <p:nvGrpSpPr>
+        <p:cNvPr id="1" name=""/>
+        <p:cNvGrpSpPr/>
+        <p:nvPr/>
+      </p:nvGrpSpPr>
+      <p:grpSpPr>
+        <a:xfrm>
+          <a:off x="0" y="0"/>
+          <a:ext cx="0" cy="0"/>
+          <a:chOff x="0" y="0"/>
+          <a:chExt cx="0" cy="0"/>
+        </a:xfrm>
+      </p:grpSpPr>
+      <p:sp>
+        <p:nvSpPr>
+          <p:cNvPr id="2" name="제목 1"/>
+          <p:cNvSpPr>
+            <a:spLocks noGrp="1"/>
+          </p:cNvSpPr>
+          <p:nvPr>
+            <p:ph type="title"/>
+          </p:nvPr>
+        </p:nvSpPr>
+        <p:spPr/>
+        <p:txBody>
+          <a:bodyPr/>
+          <a:lstStyle/>
+          <a:p>
+            <a:endParaRPr lang="ko-KR" altLang="en-US"/>
+          </a:p>
+        </p:txBody>
+      </p:sp>
+      <p:pic>
+        <p:nvPicPr>
+          <p:cNvPr id="4" name="그림 3"/>
+          <p:cNvPicPr>
+            <a:picLocks noChangeAspect="1"/>
+          </p:cNvPicPr>
+          <p:nvPr/>
+        </p:nvPicPr>
+        <p:blipFill>
+          <a:blip r:embed="rId2">
+            <a:extLst>
+              <a:ext uri="{28A0092B-C50C-407E-A947-70E740481C1C}">
+                <a14:useLocalDpi xmlns:a14="http://schemas.microsoft.com/office/drawing/2010/main" val="0"/>
+              </a:ext>
+            </a:extLst>
+          </a:blip>
+          <a:stretch>
+            <a:fillRect/>
+          </a:stretch>
+        </p:blipFill>
+        <p:spPr>
+          <a:xfrm>
+            <a:off x="4739274" y="4018212"/>
+            <a:ext cx="360000" cy="360000"/>
+          </a:xfrm>
+          <a:prstGeom prst="rect">
+            <a:avLst/>
+          </a:prstGeom>
+        </p:spPr>
+      </p:pic>
+      <p:pic>
+        <p:nvPicPr>
+          <p:cNvPr id="5" name="그림 4"/>
+          <p:cNvPicPr>
+            <a:picLocks noChangeAspect="1"/>
+          </p:cNvPicPr>
+          <p:nvPr/>
+        </p:nvPicPr>
+        <p:blipFill>
+          <a:blip r:embed="rId3">
+            <a:extLst>
+              <a:ext uri="{28A0092B-C50C-407E-A947-70E740481C1C}">
+                <a14:useLocalDpi xmlns:a14="http://schemas.microsoft.com/office/drawing/2010/main" val="0"/>
+              </a:ext>
+            </a:extLst>
+          </a:blip>
+          <a:stretch>
+            <a:fillRect/>
+          </a:stretch>
+        </p:blipFill>
+        <p:spPr>
+          <a:xfrm>
+            <a:off x="4739917" y="3642413"/>
+            <a:ext cx="360000" cy="360000"/>
+          </a:xfrm>
+          <a:prstGeom prst="rect">
+            <a:avLst/>
+          </a:prstGeom>
+        </p:spPr>
+      </p:pic>
+      <p:pic>
+        <p:nvPicPr>
+          <p:cNvPr id="6" name="그림 5"/>
+          <p:cNvPicPr>
+            <a:picLocks noChangeAspect="1"/>
+          </p:cNvPicPr>
+          <p:nvPr/>
+        </p:nvPicPr>
+        <p:blipFill>
+          <a:blip r:embed="rId4">
+            <a:extLst>
+              <a:ext uri="{28A0092B-C50C-407E-A947-70E740481C1C}">
+                <a14:useLocalDpi xmlns:a14="http://schemas.microsoft.com/office/drawing/2010/main" val="0"/>
+              </a:ext>
+            </a:extLst>
+          </a:blip>
+          <a:stretch>
+            <a:fillRect/>
+          </a:stretch>
+        </p:blipFill>
+        <p:spPr>
+          <a:xfrm>
+            <a:off x="4738877" y="3263359"/>
+            <a:ext cx="360000" cy="360000"/>
+          </a:xfrm>
+          <a:prstGeom prst="rect">
+            <a:avLst/>
+          </a:prstGeom>
+        </p:spPr>
+      </p:pic>
+      <p:pic>
+        <p:nvPicPr>
+          <p:cNvPr id="7" name="그림 6"/>
+          <p:cNvPicPr>
+            <a:picLocks noChangeAspect="1"/>
+          </p:cNvPicPr>
+          <p:nvPr/>
+        </p:nvPicPr>
+        <p:blipFill>
+          <a:blip r:embed="rId5">
+            <a:extLst>
+              <a:ext uri="{28A0092B-C50C-407E-A947-70E740481C1C}">
+                <a14:useLocalDpi xmlns:a14="http://schemas.microsoft.com/office/drawing/2010/main" val="0"/>
+              </a:ext>
+            </a:extLst>
+          </a:blip>
+          <a:stretch>
+            <a:fillRect/>
+          </a:stretch>
+        </p:blipFill>
+        <p:spPr>
+          <a:xfrm>
+            <a:off x="4366991" y="4015875"/>
+            <a:ext cx="360000" cy="360000"/>
+          </a:xfrm>
+          <a:prstGeom prst="rect">
+            <a:avLst/>
+          </a:prstGeom>
+        </p:spPr>
+      </p:pic>
+      <p:pic>
+        <p:nvPicPr>
+          <p:cNvPr id="8" name="그림 7"/>
+          <p:cNvPicPr>
+            <a:picLocks noChangeAspect="1"/>
+          </p:cNvPicPr>
+          <p:nvPr/>
+        </p:nvPicPr>
+        <p:blipFill>
+          <a:blip r:embed="rId6">
+            <a:extLst>
+              <a:ext uri="{28A0092B-C50C-407E-A947-70E740481C1C}">
+                <a14:useLocalDpi xmlns:a14="http://schemas.microsoft.com/office/drawing/2010/main" val="0"/>
+              </a:ext>
+            </a:extLst>
+          </a:blip>
+          <a:stretch>
+            <a:fillRect/>
+          </a:stretch>
+        </p:blipFill>
+        <p:spPr>
+          <a:xfrm>
+            <a:off x="4366991" y="3263411"/>
+            <a:ext cx="360000" cy="360000"/>
+          </a:xfrm>
+          <a:prstGeom prst="rect">
+            <a:avLst/>
+          </a:prstGeom>
+        </p:spPr>
+      </p:pic>
+      <p:pic>
+        <p:nvPicPr>
+          <p:cNvPr id="9" name="그림 8"/>
+          <p:cNvPicPr>
+            <a:picLocks noChangeAspect="1"/>
+          </p:cNvPicPr>
+          <p:nvPr/>
+        </p:nvPicPr>
+        <p:blipFill>
+          <a:blip r:embed="rId7">
+            <a:extLst>
+              <a:ext uri="{28A0092B-C50C-407E-A947-70E740481C1C}">
+                <a14:useLocalDpi xmlns:a14="http://schemas.microsoft.com/office/drawing/2010/main" val="0"/>
+              </a:ext>
+            </a:extLst>
+          </a:blip>
+          <a:stretch>
+            <a:fillRect/>
+          </a:stretch>
+        </p:blipFill>
+        <p:spPr>
+          <a:xfrm>
+            <a:off x="4363556" y="3644148"/>
+            <a:ext cx="360000" cy="360000"/>
+          </a:xfrm>
+          <a:prstGeom prst="rect">
+            <a:avLst/>
+          </a:prstGeom>
+        </p:spPr>
+      </p:pic>
+      <p:pic>
+        <p:nvPicPr>
+          <p:cNvPr id="10" name="그림 9"/>
+          <p:cNvPicPr>
+            <a:picLocks noChangeAspect="1"/>
+          </p:cNvPicPr>
+          <p:nvPr/>
+        </p:nvPicPr>
+        <p:blipFill>
+          <a:blip r:embed="rId8">
+            <a:extLst>
+              <a:ext uri="{28A0092B-C50C-407E-A947-70E740481C1C}">
+                <a14:useLocalDpi xmlns:a14="http://schemas.microsoft.com/office/drawing/2010/main" val="0"/>
+              </a:ext>
+            </a:extLst>
+          </a:blip>
+          <a:stretch>
+            <a:fillRect/>
+          </a:stretch>
+        </p:blipFill>
+        <p:spPr>
+          <a:xfrm>
+            <a:off x="5115238" y="3245652"/>
+            <a:ext cx="360000" cy="360000"/>
+          </a:xfrm>
+          <a:prstGeom prst="rect">
+            <a:avLst/>
+          </a:prstGeom>
+        </p:spPr>
+      </p:pic>
+      <p:pic>
+        <p:nvPicPr>
+          <p:cNvPr id="11" name="그림 10"/>
+          <p:cNvPicPr>
+            <a:picLocks noChangeAspect="1"/>
+          </p:cNvPicPr>
+          <p:nvPr/>
+        </p:nvPicPr>
+        <p:blipFill>
+          <a:blip r:embed="rId9">
+            <a:extLst>
+              <a:ext uri="{28A0092B-C50C-407E-A947-70E740481C1C}">
+                <a14:useLocalDpi xmlns:a14="http://schemas.microsoft.com/office/drawing/2010/main" val="0"/>
+              </a:ext>
+            </a:extLst>
+          </a:blip>
+          <a:stretch>
+            <a:fillRect/>
+          </a:stretch>
+        </p:blipFill>
+        <p:spPr>
+          <a:xfrm>
+            <a:off x="5110694" y="3641567"/>
+            <a:ext cx="360000" cy="360000"/>
+          </a:xfrm>
+          <a:prstGeom prst="rect">
+            <a:avLst/>
+          </a:prstGeom>
+        </p:spPr>
+      </p:pic>
+      <p:pic>
+        <p:nvPicPr>
+          <p:cNvPr id="12" name="그림 11"/>
+          <p:cNvPicPr>
+            <a:picLocks noChangeAspect="1"/>
+          </p:cNvPicPr>
+          <p:nvPr/>
+        </p:nvPicPr>
+        <p:blipFill>
+          <a:blip r:embed="rId10">
+            <a:extLst>
+              <a:ext uri="{28A0092B-C50C-407E-A947-70E740481C1C}">
+                <a14:useLocalDpi xmlns:a14="http://schemas.microsoft.com/office/drawing/2010/main" val="0"/>
+              </a:ext>
+            </a:extLst>
+          </a:blip>
+          <a:stretch>
+            <a:fillRect/>
+          </a:stretch>
+        </p:blipFill>
+        <p:spPr>
+          <a:xfrm>
+            <a:off x="5110694" y="4018212"/>
+            <a:ext cx="360000" cy="360000"/>
+          </a:xfrm>
+          <a:prstGeom prst="rect">
+            <a:avLst/>
+          </a:prstGeom>
+        </p:spPr>
+      </p:pic>
+      <p:pic>
+        <p:nvPicPr>
+          <p:cNvPr id="13" name="그림 12"/>
+          <p:cNvPicPr>
+            <a:picLocks noChangeAspect="1"/>
+          </p:cNvPicPr>
+          <p:nvPr/>
+        </p:nvPicPr>
+        <p:blipFill>
+          <a:blip r:embed="rId11">
+            <a:extLst>
+              <a:ext uri="{28A0092B-C50C-407E-A947-70E740481C1C}">
+                <a14:useLocalDpi xmlns:a14="http://schemas.microsoft.com/office/drawing/2010/main" val="0"/>
+              </a:ext>
+            </a:extLst>
+          </a:blip>
+          <a:stretch>
+            <a:fillRect/>
+          </a:stretch>
+        </p:blipFill>
+        <p:spPr>
+          <a:xfrm>
+            <a:off x="7002798" y="4029816"/>
+            <a:ext cx="360000" cy="360000"/>
+          </a:xfrm>
+          <a:prstGeom prst="rect">
+            <a:avLst/>
+          </a:prstGeom>
+        </p:spPr>
+      </p:pic>
+      <p:pic>
+        <p:nvPicPr>
+          <p:cNvPr id="14" name="그림 13"/>
+          <p:cNvPicPr>
+            <a:picLocks noChangeAspect="1"/>
+          </p:cNvPicPr>
+          <p:nvPr/>
+        </p:nvPicPr>
+        <p:blipFill>
+          <a:blip r:embed="rId12">
+            <a:extLst>
+              <a:ext uri="{28A0092B-C50C-407E-A947-70E740481C1C}">
+                <a14:useLocalDpi xmlns:a14="http://schemas.microsoft.com/office/drawing/2010/main" val="0"/>
+              </a:ext>
+            </a:extLst>
+          </a:blip>
+          <a:stretch>
+            <a:fillRect/>
+          </a:stretch>
+        </p:blipFill>
+        <p:spPr>
+          <a:xfrm>
+            <a:off x="7011516" y="3640245"/>
+            <a:ext cx="360000" cy="360000"/>
+          </a:xfrm>
+          <a:prstGeom prst="rect">
+            <a:avLst/>
+          </a:prstGeom>
+        </p:spPr>
+      </p:pic>
+      <p:pic>
+        <p:nvPicPr>
+          <p:cNvPr id="15" name="그림 14"/>
+          <p:cNvPicPr>
+            <a:picLocks noChangeAspect="1"/>
+          </p:cNvPicPr>
+          <p:nvPr/>
+        </p:nvPicPr>
+        <p:blipFill>
+          <a:blip r:embed="rId13">
+            <a:extLst>
+              <a:ext uri="{28A0092B-C50C-407E-A947-70E740481C1C}">
+                <a14:useLocalDpi xmlns:a14="http://schemas.microsoft.com/office/drawing/2010/main" val="0"/>
+              </a:ext>
+            </a:extLst>
+          </a:blip>
+          <a:stretch>
+            <a:fillRect/>
+          </a:stretch>
+        </p:blipFill>
+        <p:spPr>
+          <a:xfrm>
+            <a:off x="7011516" y="3259627"/>
+            <a:ext cx="360000" cy="360000"/>
+          </a:xfrm>
+          <a:prstGeom prst="rect">
+            <a:avLst/>
+          </a:prstGeom>
+        </p:spPr>
+      </p:pic>
+      <p:pic>
+        <p:nvPicPr>
+          <p:cNvPr id="16" name="그림 15"/>
+          <p:cNvPicPr>
+            <a:picLocks noChangeAspect="1"/>
+          </p:cNvPicPr>
+          <p:nvPr/>
+        </p:nvPicPr>
+        <p:blipFill>
+          <a:blip r:embed="rId14">
+            <a:extLst>
+              <a:ext uri="{28A0092B-C50C-407E-A947-70E740481C1C}">
+                <a14:useLocalDpi xmlns:a14="http://schemas.microsoft.com/office/drawing/2010/main" val="0"/>
+              </a:ext>
+            </a:extLst>
+          </a:blip>
+          <a:stretch>
+            <a:fillRect/>
+          </a:stretch>
+        </p:blipFill>
+        <p:spPr>
+          <a:xfrm>
+            <a:off x="6622609" y="3264638"/>
+            <a:ext cx="360000" cy="360000"/>
+          </a:xfrm>
+          <a:prstGeom prst="rect">
+            <a:avLst/>
+          </a:prstGeom>
+        </p:spPr>
+      </p:pic>
+      <p:pic>
+        <p:nvPicPr>
+          <p:cNvPr id="17" name="그림 16"/>
+          <p:cNvPicPr>
+            <a:picLocks noChangeAspect="1"/>
+          </p:cNvPicPr>
+          <p:nvPr/>
+        </p:nvPicPr>
+        <p:blipFill>
+          <a:blip r:embed="rId15">
+            <a:extLst>
+              <a:ext uri="{28A0092B-C50C-407E-A947-70E740481C1C}">
+                <a14:useLocalDpi xmlns:a14="http://schemas.microsoft.com/office/drawing/2010/main" val="0"/>
+              </a:ext>
+            </a:extLst>
+          </a:blip>
+          <a:stretch>
+            <a:fillRect/>
+          </a:stretch>
+        </p:blipFill>
+        <p:spPr>
+          <a:xfrm>
+            <a:off x="6624402" y="3646590"/>
+            <a:ext cx="360000" cy="360000"/>
+          </a:xfrm>
+          <a:prstGeom prst="rect">
+            <a:avLst/>
+          </a:prstGeom>
+        </p:spPr>
+      </p:pic>
+      <p:pic>
+        <p:nvPicPr>
+          <p:cNvPr id="18" name="그림 17"/>
+          <p:cNvPicPr>
+            <a:picLocks noChangeAspect="1"/>
+          </p:cNvPicPr>
+          <p:nvPr/>
+        </p:nvPicPr>
+        <p:blipFill>
+          <a:blip r:embed="rId16">
+            <a:extLst>
+              <a:ext uri="{28A0092B-C50C-407E-A947-70E740481C1C}">
+                <a14:useLocalDpi xmlns:a14="http://schemas.microsoft.com/office/drawing/2010/main" val="0"/>
+              </a:ext>
+            </a:extLst>
+          </a:blip>
+          <a:stretch>
+            <a:fillRect/>
+          </a:stretch>
+        </p:blipFill>
+        <p:spPr>
+          <a:xfrm>
+            <a:off x="6623690" y="4019636"/>
+            <a:ext cx="360000" cy="360000"/>
+          </a:xfrm>
+          <a:prstGeom prst="rect">
+            <a:avLst/>
+          </a:prstGeom>
+        </p:spPr>
+      </p:pic>
+      <p:pic>
+        <p:nvPicPr>
+          <p:cNvPr id="19" name="그림 18"/>
+          <p:cNvPicPr>
+            <a:picLocks noChangeAspect="1"/>
+          </p:cNvPicPr>
+          <p:nvPr/>
+        </p:nvPicPr>
+        <p:blipFill>
+          <a:blip r:embed="rId17">
+            <a:extLst>
+              <a:ext uri="{28A0092B-C50C-407E-A947-70E740481C1C}">
+                <a14:useLocalDpi xmlns:a14="http://schemas.microsoft.com/office/drawing/2010/main" val="0"/>
+              </a:ext>
+            </a:extLst>
+          </a:blip>
+          <a:stretch>
+            <a:fillRect/>
+          </a:stretch>
+        </p:blipFill>
+        <p:spPr>
+          <a:xfrm>
+            <a:off x="6244004" y="3266546"/>
+            <a:ext cx="360000" cy="360000"/>
+          </a:xfrm>
+          <a:prstGeom prst="rect">
+            <a:avLst/>
+          </a:prstGeom>
+        </p:spPr>
+      </p:pic>
+      <p:pic>
+        <p:nvPicPr>
+          <p:cNvPr id="20" name="그림 19"/>
+          <p:cNvPicPr>
+            <a:picLocks noChangeAspect="1"/>
+          </p:cNvPicPr>
+          <p:nvPr/>
+        </p:nvPicPr>
+        <p:blipFill>
+          <a:blip r:embed="rId18">
+            <a:extLst>
+              <a:ext uri="{28A0092B-C50C-407E-A947-70E740481C1C}">
+                <a14:useLocalDpi xmlns:a14="http://schemas.microsoft.com/office/drawing/2010/main" val="0"/>
+              </a:ext>
+            </a:extLst>
+          </a:blip>
+          <a:stretch>
+            <a:fillRect/>
+          </a:stretch>
+        </p:blipFill>
+        <p:spPr>
+          <a:xfrm>
+            <a:off x="6244004" y="3644721"/>
+            <a:ext cx="360000" cy="360000"/>
+          </a:xfrm>
+          <a:prstGeom prst="rect">
+            <a:avLst/>
+          </a:prstGeom>
+        </p:spPr>
+      </p:pic>
+      <p:pic>
+        <p:nvPicPr>
+          <p:cNvPr id="21" name="그림 20"/>
+          <p:cNvPicPr>
+            <a:picLocks noChangeAspect="1"/>
+          </p:cNvPicPr>
+          <p:nvPr/>
+        </p:nvPicPr>
+        <p:blipFill>
+          <a:blip r:embed="rId19">
+            <a:extLst>
+              <a:ext uri="{28A0092B-C50C-407E-A947-70E740481C1C}">
+                <a14:useLocalDpi xmlns:a14="http://schemas.microsoft.com/office/drawing/2010/main" val="0"/>
+              </a:ext>
+            </a:extLst>
+          </a:blip>
+          <a:stretch>
+            <a:fillRect/>
+          </a:stretch>
+        </p:blipFill>
+        <p:spPr>
+          <a:xfrm>
+            <a:off x="6244004" y="4022049"/>
+            <a:ext cx="360000" cy="360000"/>
+          </a:xfrm>
+          <a:prstGeom prst="rect">
+            <a:avLst/>
+          </a:prstGeom>
+        </p:spPr>
+      </p:pic>
+      <p:pic>
+        <p:nvPicPr>
+          <p:cNvPr id="22" name="그림 21"/>
+          <p:cNvPicPr>
+            <a:picLocks noChangeAspect="1"/>
+          </p:cNvPicPr>
+          <p:nvPr/>
+        </p:nvPicPr>
+        <p:blipFill>
+          <a:blip r:embed="rId20">
+            <a:extLst>
+              <a:ext uri="{28A0092B-C50C-407E-A947-70E740481C1C}">
+                <a14:useLocalDpi xmlns:a14="http://schemas.microsoft.com/office/drawing/2010/main" val="0"/>
+              </a:ext>
+            </a:extLst>
+          </a:blip>
+          <a:stretch>
+            <a:fillRect/>
+          </a:stretch>
+        </p:blipFill>
+        <p:spPr>
+          <a:xfrm>
+            <a:off x="5866738" y="3646590"/>
+            <a:ext cx="360000" cy="360000"/>
+          </a:xfrm>
+          <a:prstGeom prst="rect">
+            <a:avLst/>
+          </a:prstGeom>
+        </p:spPr>
+      </p:pic>
+      <p:pic>
+        <p:nvPicPr>
+          <p:cNvPr id="23" name="그림 22"/>
+          <p:cNvPicPr>
+            <a:picLocks noChangeAspect="1"/>
+          </p:cNvPicPr>
+          <p:nvPr/>
+        </p:nvPicPr>
+        <p:blipFill>
+          <a:blip r:embed="rId21">
+            <a:extLst>
+              <a:ext uri="{28A0092B-C50C-407E-A947-70E740481C1C}">
+                <a14:useLocalDpi xmlns:a14="http://schemas.microsoft.com/office/drawing/2010/main" val="0"/>
+              </a:ext>
+            </a:extLst>
+          </a:blip>
+          <a:stretch>
+            <a:fillRect/>
+          </a:stretch>
+        </p:blipFill>
+        <p:spPr>
+          <a:xfrm>
+            <a:off x="5868187" y="4019710"/>
+            <a:ext cx="360000" cy="360000"/>
+          </a:xfrm>
+          <a:prstGeom prst="rect">
+            <a:avLst/>
+          </a:prstGeom>
+        </p:spPr>
+      </p:pic>
+      <p:pic>
+        <p:nvPicPr>
+          <p:cNvPr id="24" name="그림 23"/>
+          <p:cNvPicPr>
+            <a:picLocks noChangeAspect="1"/>
+          </p:cNvPicPr>
+          <p:nvPr/>
+        </p:nvPicPr>
+        <p:blipFill>
+          <a:blip r:embed="rId22">
+            <a:extLst>
+              <a:ext uri="{28A0092B-C50C-407E-A947-70E740481C1C}">
+                <a14:useLocalDpi xmlns:a14="http://schemas.microsoft.com/office/drawing/2010/main" val="0"/>
+              </a:ext>
+            </a:extLst>
+          </a:blip>
+          <a:stretch>
+            <a:fillRect/>
+          </a:stretch>
+        </p:blipFill>
+        <p:spPr>
+          <a:xfrm>
+            <a:off x="3980325" y="3265326"/>
+            <a:ext cx="360000" cy="360000"/>
+          </a:xfrm>
+          <a:prstGeom prst="rect">
+            <a:avLst/>
+          </a:prstGeom>
+        </p:spPr>
+      </p:pic>
+      <p:pic>
+        <p:nvPicPr>
+          <p:cNvPr id="25" name="그림 24"/>
+          <p:cNvPicPr>
+            <a:picLocks noChangeAspect="1"/>
+          </p:cNvPicPr>
+          <p:nvPr/>
+        </p:nvPicPr>
+        <p:blipFill>
+          <a:blip r:embed="rId23">
+            <a:extLst>
+              <a:ext uri="{28A0092B-C50C-407E-A947-70E740481C1C}">
+                <a14:useLocalDpi xmlns:a14="http://schemas.microsoft.com/office/drawing/2010/main" val="0"/>
+              </a:ext>
+            </a:extLst>
+          </a:blip>
+          <a:stretch>
+            <a:fillRect/>
+          </a:stretch>
+        </p:blipFill>
+        <p:spPr>
+          <a:xfrm>
+            <a:off x="3980325" y="4023854"/>
+            <a:ext cx="360000" cy="360000"/>
+          </a:xfrm>
+          <a:prstGeom prst="rect">
+            <a:avLst/>
+          </a:prstGeom>
+        </p:spPr>
+      </p:pic>
+      <p:pic>
+        <p:nvPicPr>
+          <p:cNvPr id="26" name="그림 25"/>
+          <p:cNvPicPr>
+            <a:picLocks noChangeAspect="1"/>
+          </p:cNvPicPr>
+          <p:nvPr/>
+        </p:nvPicPr>
+        <p:blipFill>
+          <a:blip r:embed="rId24">
+            <a:extLst>
+              <a:ext uri="{28A0092B-C50C-407E-A947-70E740481C1C}">
+                <a14:useLocalDpi xmlns:a14="http://schemas.microsoft.com/office/drawing/2010/main" val="0"/>
+              </a:ext>
+            </a:extLst>
+          </a:blip>
+          <a:stretch>
+            <a:fillRect/>
+          </a:stretch>
+        </p:blipFill>
+        <p:spPr>
+          <a:xfrm>
+            <a:off x="3980325" y="3645856"/>
+            <a:ext cx="360000" cy="360000"/>
+          </a:xfrm>
+          <a:prstGeom prst="rect">
+            <a:avLst/>
+          </a:prstGeom>
+        </p:spPr>
+      </p:pic>
+      <p:pic>
+        <p:nvPicPr>
+          <p:cNvPr id="27" name="그림 26"/>
+          <p:cNvPicPr>
+            <a:picLocks noChangeAspect="1"/>
+          </p:cNvPicPr>
+          <p:nvPr/>
+        </p:nvPicPr>
+        <p:blipFill>
+          <a:blip r:embed="rId25">
+            <a:extLst>
+              <a:ext uri="{28A0092B-C50C-407E-A947-70E740481C1C}">
+                <a14:useLocalDpi xmlns:a14="http://schemas.microsoft.com/office/drawing/2010/main" val="0"/>
+              </a:ext>
+            </a:extLst>
+          </a:blip>
+          <a:stretch>
+            <a:fillRect/>
+          </a:stretch>
+        </p:blipFill>
+        <p:spPr>
+          <a:xfrm>
+            <a:off x="5491316" y="3640037"/>
+            <a:ext cx="360000" cy="360000"/>
+          </a:xfrm>
+          <a:prstGeom prst="rect">
+            <a:avLst/>
+          </a:prstGeom>
+        </p:spPr>
+      </p:pic>
+      <p:pic>
+        <p:nvPicPr>
+          <p:cNvPr id="28" name="그림 27"/>
+          <p:cNvPicPr>
+            <a:picLocks noChangeAspect="1"/>
+          </p:cNvPicPr>
+          <p:nvPr/>
+        </p:nvPicPr>
+        <p:blipFill>
+          <a:blip r:embed="rId26">
+            <a:extLst>
+              <a:ext uri="{28A0092B-C50C-407E-A947-70E740481C1C}">
+                <a14:useLocalDpi xmlns:a14="http://schemas.microsoft.com/office/drawing/2010/main" val="0"/>
+              </a:ext>
+            </a:extLst>
+          </a:blip>
+          <a:stretch>
+            <a:fillRect/>
+          </a:stretch>
+        </p:blipFill>
+        <p:spPr>
+          <a:xfrm>
+            <a:off x="5499591" y="4018212"/>
+            <a:ext cx="360000" cy="360000"/>
+          </a:xfrm>
+          <a:prstGeom prst="rect">
+            <a:avLst/>
+          </a:prstGeom>
+        </p:spPr>
+      </p:pic>
+      <p:pic>
+        <p:nvPicPr>
+          <p:cNvPr id="29" name="그림 28"/>
+          <p:cNvPicPr>
+            <a:picLocks noChangeAspect="1"/>
+          </p:cNvPicPr>
+          <p:nvPr/>
+        </p:nvPicPr>
+        <p:blipFill>
+          <a:blip r:embed="rId27">
+            <a:extLst>
+              <a:ext uri="{28A0092B-C50C-407E-A947-70E740481C1C}">
+                <a14:useLocalDpi xmlns:a14="http://schemas.microsoft.com/office/drawing/2010/main" val="0"/>
+              </a:ext>
+            </a:extLst>
+          </a:blip>
+          <a:stretch>
+            <a:fillRect/>
+          </a:stretch>
+        </p:blipFill>
+        <p:spPr>
+          <a:xfrm>
+            <a:off x="5500248" y="3252055"/>
+            <a:ext cx="360000" cy="360000"/>
+          </a:xfrm>
+          <a:prstGeom prst="rect">
+            <a:avLst/>
+          </a:prstGeom>
+        </p:spPr>
+      </p:pic>
+      <p:pic>
+        <p:nvPicPr>
+          <p:cNvPr id="30" name="그림 29"/>
+          <p:cNvPicPr>
+            <a:picLocks noChangeAspect="1"/>
+          </p:cNvPicPr>
+          <p:nvPr/>
+        </p:nvPicPr>
+        <p:blipFill>
+          <a:blip r:embed="rId28">
+            <a:extLst>
+              <a:ext uri="{28A0092B-C50C-407E-A947-70E740481C1C}">
+                <a14:useLocalDpi xmlns:a14="http://schemas.microsoft.com/office/drawing/2010/main" val="0"/>
+              </a:ext>
+            </a:extLst>
+          </a:blip>
+          <a:stretch>
+            <a:fillRect/>
+          </a:stretch>
+        </p:blipFill>
+        <p:spPr>
+          <a:xfrm>
+            <a:off x="3598461" y="4033771"/>
+            <a:ext cx="360000" cy="360000"/>
+          </a:xfrm>
+          <a:prstGeom prst="rect">
+            <a:avLst/>
+          </a:prstGeom>
+        </p:spPr>
+      </p:pic>
+      <p:pic>
+        <p:nvPicPr>
+          <p:cNvPr id="31" name="그림 30"/>
+          <p:cNvPicPr>
+            <a:picLocks noChangeAspect="1"/>
+          </p:cNvPicPr>
+          <p:nvPr/>
+        </p:nvPicPr>
+        <p:blipFill>
+          <a:blip r:embed="rId29">
+            <a:extLst>
+              <a:ext uri="{28A0092B-C50C-407E-A947-70E740481C1C}">
+                <a14:useLocalDpi xmlns:a14="http://schemas.microsoft.com/office/drawing/2010/main" val="0"/>
+              </a:ext>
+            </a:extLst>
+          </a:blip>
+          <a:stretch>
+            <a:fillRect/>
+          </a:stretch>
+        </p:blipFill>
+        <p:spPr>
+          <a:xfrm>
+            <a:off x="3598461" y="3644354"/>
+            <a:ext cx="360000" cy="360000"/>
+          </a:xfrm>
+          <a:prstGeom prst="rect">
+            <a:avLst/>
+          </a:prstGeom>
+        </p:spPr>
+      </p:pic>
+      <p:pic>
+        <p:nvPicPr>
+          <p:cNvPr id="32" name="그림 31"/>
+          <p:cNvPicPr>
+            <a:picLocks noChangeAspect="1"/>
+          </p:cNvPicPr>
+          <p:nvPr/>
+        </p:nvPicPr>
+        <p:blipFill>
+          <a:blip r:embed="rId30">
+            <a:extLst>
+              <a:ext uri="{28A0092B-C50C-407E-A947-70E740481C1C}">
+                <a14:useLocalDpi xmlns:a14="http://schemas.microsoft.com/office/drawing/2010/main" val="0"/>
+              </a:ext>
+            </a:extLst>
+          </a:blip>
+          <a:stretch>
+            <a:fillRect/>
+          </a:stretch>
+        </p:blipFill>
+        <p:spPr>
+          <a:xfrm>
+            <a:off x="3598461" y="3261854"/>
+            <a:ext cx="360000" cy="360000"/>
+          </a:xfrm>
+          <a:prstGeom prst="rect">
+            <a:avLst/>
+          </a:prstGeom>
+        </p:spPr>
+      </p:pic>
+      <p:pic>
+        <p:nvPicPr>
+          <p:cNvPr id="33" name="그림 32"/>
+          <p:cNvPicPr>
+            <a:picLocks noChangeAspect="1"/>
+          </p:cNvPicPr>
+          <p:nvPr/>
+        </p:nvPicPr>
+        <p:blipFill>
+          <a:blip r:embed="rId31">
+            <a:extLst>
+              <a:ext uri="{28A0092B-C50C-407E-A947-70E740481C1C}">
+                <a14:useLocalDpi xmlns:a14="http://schemas.microsoft.com/office/drawing/2010/main" val="0"/>
+              </a:ext>
+            </a:extLst>
+          </a:blip>
+          <a:stretch>
+            <a:fillRect/>
+          </a:stretch>
+        </p:blipFill>
+        <p:spPr>
+          <a:xfrm>
+            <a:off x="5866738" y="3259627"/>
+            <a:ext cx="360000" cy="360000"/>
+          </a:xfrm>
+          <a:prstGeom prst="rect">
+            <a:avLst/>
+          </a:prstGeom>
+        </p:spPr>
+      </p:pic>
+      <p:sp>
+        <p:nvSpPr>
+          <p:cNvPr id="34" name="TextBox 33"/>
+          <p:cNvSpPr txBox="1"/>
+          <p:nvPr/>
+        </p:nvSpPr>
+        <p:spPr>
+          <a:xfrm>
+            <a:off x="3501881" y="3073626"/>
+            <a:ext cx="548358" cy="196208"/>
+          </a:xfrm>
+          <a:prstGeom prst="rect">
+            <a:avLst/>
+          </a:prstGeom>
+          <a:noFill/>
+        </p:spPr>
+        <p:txBody>
+          <a:bodyPr wrap="square" rtlCol="0">
+            <a:spAutoFit/>
+          </a:bodyPr>
+          <a:lstStyle/>
+          <a:p>
+            <a:pPr algn="ctr"/>
+            <a:r>
+              <a:rPr lang="en-US" altLang="ko-KR" sz="675" dirty="0" smtClean="0">
+                <a:latin typeface="Calibri" panose="020F0502020204030204" pitchFamily="34" charset="0"/>
+                <a:cs typeface="Calibri" panose="020F0502020204030204" pitchFamily="34" charset="0"/>
+              </a:rPr>
+              <a:t>ladybug</a:t>
+            </a:r>
+            <a:endParaRPr lang="ko-KR" altLang="en-US" sz="675" dirty="0">
+              <a:latin typeface="Calibri" panose="020F0502020204030204" pitchFamily="34" charset="0"/>
+              <a:cs typeface="Calibri" panose="020F0502020204030204" pitchFamily="34" charset="0"/>
+            </a:endParaRPr>
+          </a:p>
+        </p:txBody>
+      </p:sp>
+      <p:sp>
+        <p:nvSpPr>
+          <p:cNvPr id="35" name="TextBox 34"/>
+          <p:cNvSpPr txBox="1"/>
+          <p:nvPr/>
+        </p:nvSpPr>
+        <p:spPr>
+          <a:xfrm>
+            <a:off x="3889056" y="3073626"/>
+            <a:ext cx="548358" cy="196208"/>
+          </a:xfrm>
+          <a:prstGeom prst="rect">
+            <a:avLst/>
+          </a:prstGeom>
+          <a:noFill/>
+        </p:spPr>
+        <p:txBody>
+          <a:bodyPr wrap="square" rtlCol="0">
+            <a:spAutoFit/>
+          </a:bodyPr>
+          <a:lstStyle/>
+          <a:p>
+            <a:pPr algn="ctr"/>
+            <a:r>
+              <a:rPr lang="en-US" altLang="ko-KR" sz="675" dirty="0" smtClean="0">
+                <a:latin typeface="Calibri" panose="020F0502020204030204" pitchFamily="34" charset="0"/>
+                <a:cs typeface="Calibri" panose="020F0502020204030204" pitchFamily="34" charset="0"/>
+              </a:rPr>
+              <a:t>ladybug</a:t>
+            </a:r>
+            <a:endParaRPr lang="ko-KR" altLang="en-US" sz="675" dirty="0">
+              <a:latin typeface="Calibri" panose="020F0502020204030204" pitchFamily="34" charset="0"/>
+              <a:cs typeface="Calibri" panose="020F0502020204030204" pitchFamily="34" charset="0"/>
+            </a:endParaRPr>
+          </a:p>
+        </p:txBody>
+      </p:sp>
+      <p:sp>
+        <p:nvSpPr>
+          <p:cNvPr id="36" name="TextBox 35"/>
+          <p:cNvSpPr txBox="1"/>
+          <p:nvPr/>
+        </p:nvSpPr>
+        <p:spPr>
+          <a:xfrm>
+            <a:off x="4292349" y="3073626"/>
+            <a:ext cx="548358" cy="196208"/>
+          </a:xfrm>
+          <a:prstGeom prst="rect">
+            <a:avLst/>
+          </a:prstGeom>
+          <a:noFill/>
+        </p:spPr>
+        <p:txBody>
+          <a:bodyPr wrap="square" rtlCol="0">
+            <a:spAutoFit/>
+          </a:bodyPr>
+          <a:lstStyle/>
+          <a:p>
+            <a:pPr algn="ctr"/>
+            <a:r>
+              <a:rPr lang="en-US" altLang="ko-KR" sz="675" dirty="0" smtClean="0">
+                <a:latin typeface="Calibri" panose="020F0502020204030204" pitchFamily="34" charset="0"/>
+                <a:cs typeface="Calibri" panose="020F0502020204030204" pitchFamily="34" charset="0"/>
+              </a:rPr>
+              <a:t>ladybug</a:t>
+            </a:r>
+            <a:endParaRPr lang="ko-KR" altLang="en-US" sz="675" dirty="0">
+              <a:latin typeface="Calibri" panose="020F0502020204030204" pitchFamily="34" charset="0"/>
+              <a:cs typeface="Calibri" panose="020F0502020204030204" pitchFamily="34" charset="0"/>
+            </a:endParaRPr>
+          </a:p>
+        </p:txBody>
+      </p:sp>
+      <p:sp>
+        <p:nvSpPr>
+          <p:cNvPr id="37" name="TextBox 36"/>
+          <p:cNvSpPr txBox="1"/>
+          <p:nvPr/>
+        </p:nvSpPr>
+        <p:spPr>
+          <a:xfrm>
+            <a:off x="4640569" y="3073626"/>
+            <a:ext cx="548358" cy="196208"/>
+          </a:xfrm>
+          <a:prstGeom prst="rect">
+            <a:avLst/>
+          </a:prstGeom>
+          <a:noFill/>
+        </p:spPr>
+        <p:txBody>
+          <a:bodyPr wrap="square" rtlCol="0">
+            <a:spAutoFit/>
+          </a:bodyPr>
+          <a:lstStyle/>
+          <a:p>
+            <a:pPr algn="ctr"/>
+            <a:r>
+              <a:rPr lang="en-US" altLang="ko-KR" sz="675" dirty="0" smtClean="0">
+                <a:latin typeface="Calibri" panose="020F0502020204030204" pitchFamily="34" charset="0"/>
+                <a:cs typeface="Calibri" panose="020F0502020204030204" pitchFamily="34" charset="0"/>
+              </a:rPr>
+              <a:t>ladybug</a:t>
+            </a:r>
+            <a:endParaRPr lang="ko-KR" altLang="en-US" sz="675" dirty="0">
+              <a:latin typeface="Calibri" panose="020F0502020204030204" pitchFamily="34" charset="0"/>
+              <a:cs typeface="Calibri" panose="020F0502020204030204" pitchFamily="34" charset="0"/>
+            </a:endParaRPr>
+          </a:p>
+        </p:txBody>
+      </p:sp>
+      <p:sp>
+        <p:nvSpPr>
+          <p:cNvPr id="38" name="TextBox 37"/>
+          <p:cNvSpPr txBox="1"/>
+          <p:nvPr/>
+        </p:nvSpPr>
+        <p:spPr>
+          <a:xfrm>
+            <a:off x="5013056" y="3073626"/>
+            <a:ext cx="548358" cy="196208"/>
+          </a:xfrm>
+          <a:prstGeom prst="rect">
+            <a:avLst/>
+          </a:prstGeom>
+          <a:noFill/>
+        </p:spPr>
+        <p:txBody>
+          <a:bodyPr wrap="square" rtlCol="0">
+            <a:spAutoFit/>
+          </a:bodyPr>
+          <a:lstStyle/>
+          <a:p>
+            <a:pPr algn="ctr"/>
+            <a:r>
+              <a:rPr lang="en-US" altLang="ko-KR" sz="675" dirty="0" smtClean="0">
+                <a:latin typeface="Calibri" panose="020F0502020204030204" pitchFamily="34" charset="0"/>
+                <a:cs typeface="Calibri" panose="020F0502020204030204" pitchFamily="34" charset="0"/>
+              </a:rPr>
+              <a:t>ladybug</a:t>
+            </a:r>
+            <a:endParaRPr lang="ko-KR" altLang="en-US" sz="675" dirty="0">
+              <a:latin typeface="Calibri" panose="020F0502020204030204" pitchFamily="34" charset="0"/>
+              <a:cs typeface="Calibri" panose="020F0502020204030204" pitchFamily="34" charset="0"/>
+            </a:endParaRPr>
+          </a:p>
+        </p:txBody>
+      </p:sp>
+    </p:spTree>
+    <p:extLst>
+      <p:ext uri="{BB962C8B-B14F-4D97-AF65-F5344CB8AC3E}">
+        <p14:creationId xmlns:p14="http://schemas.microsoft.com/office/powerpoint/2010/main" val="1644150359"/>
+      </p:ext>
+    </p:extLst>
+  </p:cSld>
+  <p:clrMapOvr>
+    <a:masterClrMapping/>
+  </p:clrMapOvr>
+</p:sld>
+</file>
+
+<file path=ppt/slides/slide7.xml><?xml version="1.0" encoding="utf-8"?>
+<p:sld xmlns:a="http://schemas.openxmlformats.org/drawingml/2006/main" xmlns:r="http://schemas.openxmlformats.org/officeDocument/2006/relationships" xmlns:p="http://schemas.openxmlformats.org/presentationml/2006/main">
+  <p:cSld>
+    <p:spTree>
+      <p:nvGrpSpPr>
+        <p:cNvPr id="1" name=""/>
+        <p:cNvGrpSpPr/>
+        <p:nvPr/>
+      </p:nvGrpSpPr>
+      <p:grpSpPr>
+        <a:xfrm>
+          <a:off x="0" y="0"/>
+          <a:ext cx="0" cy="0"/>
+          <a:chOff x="0" y="0"/>
+          <a:chExt cx="0" cy="0"/>
+        </a:xfrm>
+      </p:grpSpPr>
+      <p:sp>
+        <p:nvSpPr>
+          <p:cNvPr id="194" name="한쪽 모서리가 잘린 사각형 193"/>
+          <p:cNvSpPr/>
+          <p:nvPr/>
+        </p:nvSpPr>
+        <p:spPr>
+          <a:xfrm>
+            <a:off x="5428612" y="2154369"/>
+            <a:ext cx="756000" cy="163004"/>
+          </a:xfrm>
+          <a:prstGeom prst="snip1Rect">
+            <a:avLst/>
+          </a:prstGeom>
+          <a:solidFill>
+            <a:srgbClr val="E5E7EA"/>
+          </a:solidFill>
+          <a:ln w="9525">
+            <a:solidFill>
+              <a:schemeClr val="bg2">
+                <a:lumMod val="75000"/>
+              </a:schemeClr>
+            </a:solidFill>
+          </a:ln>
+        </p:spPr>
+        <p:style>
+          <a:lnRef idx="2">
+            <a:schemeClr val="accent1">
+              <a:shade val="50000"/>
+            </a:schemeClr>
+          </a:lnRef>
+          <a:fillRef idx="1">
+            <a:schemeClr val="accent1"/>
+          </a:fillRef>
+          <a:effectRef idx="0">
+            <a:schemeClr val="accent1"/>
+          </a:effectRef>
+          <a:fontRef idx="minor">
+            <a:schemeClr val="lt1"/>
+          </a:fontRef>
+        </p:style>
+        <p:txBody>
+          <a:bodyPr rtlCol="0" anchor="ctr"/>
+          <a:lstStyle/>
+          <a:p>
+            <a:pPr algn="ctr"/>
+            <a:r>
+              <a:rPr lang="en-US" altLang="ko-KR" sz="675" b="1" dirty="0">
+                <a:solidFill>
+                  <a:schemeClr val="tx1"/>
+                </a:solidFill>
+                <a:latin typeface="Calibri" panose="020F0502020204030204" pitchFamily="34" charset="0"/>
+                <a:cs typeface="Calibri" panose="020F0502020204030204" pitchFamily="34" charset="0"/>
+              </a:rPr>
+              <a:t>Meta Test</a:t>
+            </a:r>
+            <a:endParaRPr lang="ko-KR" altLang="en-US" sz="675" b="1" dirty="0">
+              <a:solidFill>
+                <a:schemeClr val="tx1"/>
+              </a:solidFill>
+              <a:latin typeface="Calibri" panose="020F0502020204030204" pitchFamily="34" charset="0"/>
+              <a:cs typeface="Calibri" panose="020F0502020204030204" pitchFamily="34" charset="0"/>
+            </a:endParaRPr>
+          </a:p>
+        </p:txBody>
+      </p:sp>
+      <p:sp>
+        <p:nvSpPr>
+          <p:cNvPr id="193" name="한쪽 모서리가 잘린 사각형 192"/>
+          <p:cNvSpPr/>
+          <p:nvPr/>
+        </p:nvSpPr>
+        <p:spPr>
+          <a:xfrm>
+            <a:off x="4665023" y="2151628"/>
+            <a:ext cx="756000" cy="163004"/>
+          </a:xfrm>
+          <a:prstGeom prst="snip1Rect">
+            <a:avLst/>
+          </a:prstGeom>
+          <a:solidFill>
+            <a:srgbClr val="002060"/>
+          </a:solidFill>
+          <a:ln w="9525">
+            <a:solidFill>
+              <a:schemeClr val="bg2">
+                <a:lumMod val="75000"/>
+              </a:schemeClr>
+            </a:solidFill>
+          </a:ln>
+        </p:spPr>
+        <p:style>
+          <a:lnRef idx="2">
+            <a:schemeClr val="accent1">
+              <a:shade val="50000"/>
+            </a:schemeClr>
+          </a:lnRef>
+          <a:fillRef idx="1">
+            <a:schemeClr val="accent1"/>
+          </a:fillRef>
+          <a:effectRef idx="0">
+            <a:schemeClr val="accent1"/>
+          </a:effectRef>
+          <a:fontRef idx="minor">
+            <a:schemeClr val="lt1"/>
+          </a:fontRef>
+        </p:style>
+        <p:txBody>
+          <a:bodyPr rtlCol="0" anchor="ctr"/>
+          <a:lstStyle/>
+          <a:p>
+            <a:pPr algn="ctr"/>
+            <a:r>
+              <a:rPr lang="en-US" altLang="ko-KR" sz="675" b="1" dirty="0">
+                <a:solidFill>
+                  <a:schemeClr val="bg1"/>
+                </a:solidFill>
+                <a:latin typeface="Calibri" panose="020F0502020204030204" pitchFamily="34" charset="0"/>
+                <a:cs typeface="Calibri" panose="020F0502020204030204" pitchFamily="34" charset="0"/>
+              </a:rPr>
+              <a:t>Meta Train</a:t>
+            </a:r>
+            <a:endParaRPr lang="ko-KR" altLang="en-US" sz="675" b="1" dirty="0">
+              <a:solidFill>
+                <a:schemeClr val="bg1"/>
+              </a:solidFill>
+              <a:latin typeface="Calibri" panose="020F0502020204030204" pitchFamily="34" charset="0"/>
+              <a:cs typeface="Calibri" panose="020F0502020204030204" pitchFamily="34" charset="0"/>
+            </a:endParaRPr>
+          </a:p>
+        </p:txBody>
+      </p:sp>
+      <p:sp>
+        <p:nvSpPr>
+          <p:cNvPr id="404" name="한쪽 모서리가 잘린 사각형 403"/>
+          <p:cNvSpPr/>
+          <p:nvPr/>
+        </p:nvSpPr>
+        <p:spPr>
+          <a:xfrm>
+            <a:off x="3135368" y="2151628"/>
+            <a:ext cx="756000" cy="163004"/>
+          </a:xfrm>
+          <a:prstGeom prst="snip1Rect">
+            <a:avLst/>
+          </a:prstGeom>
+          <a:solidFill>
+            <a:srgbClr val="E5E7EA"/>
+          </a:solidFill>
+          <a:ln w="9525">
+            <a:solidFill>
+              <a:srgbClr val="969696"/>
+            </a:solidFill>
+          </a:ln>
+        </p:spPr>
+        <p:style>
+          <a:lnRef idx="2">
+            <a:schemeClr val="accent1">
+              <a:shade val="50000"/>
+            </a:schemeClr>
+          </a:lnRef>
+          <a:fillRef idx="1">
+            <a:schemeClr val="accent1"/>
+          </a:fillRef>
+          <a:effectRef idx="0">
+            <a:schemeClr val="accent1"/>
+          </a:effectRef>
+          <a:fontRef idx="minor">
+            <a:schemeClr val="lt1"/>
+          </a:fontRef>
+        </p:style>
+        <p:txBody>
+          <a:bodyPr rtlCol="0" anchor="ctr"/>
+          <a:lstStyle/>
+          <a:p>
+            <a:pPr algn="ctr"/>
+            <a:r>
+              <a:rPr lang="en-US" altLang="ko-KR" sz="675" b="1" dirty="0">
+                <a:solidFill>
+                  <a:schemeClr val="tx1"/>
+                </a:solidFill>
+                <a:latin typeface="Calibri" panose="020F0502020204030204" pitchFamily="34" charset="0"/>
+                <a:cs typeface="Calibri" panose="020F0502020204030204" pitchFamily="34" charset="0"/>
+              </a:rPr>
+              <a:t>Data Preview</a:t>
+            </a:r>
+            <a:endParaRPr lang="ko-KR" altLang="en-US" sz="675" b="1" dirty="0">
+              <a:solidFill>
+                <a:schemeClr val="tx1"/>
+              </a:solidFill>
+              <a:latin typeface="Calibri" panose="020F0502020204030204" pitchFamily="34" charset="0"/>
+              <a:cs typeface="Calibri" panose="020F0502020204030204" pitchFamily="34" charset="0"/>
+            </a:endParaRPr>
+          </a:p>
+        </p:txBody>
+      </p:sp>
+      <p:sp>
+        <p:nvSpPr>
+          <p:cNvPr id="2" name="제목 1"/>
+          <p:cNvSpPr>
+            <a:spLocks noGrp="1"/>
+          </p:cNvSpPr>
+          <p:nvPr>
+            <p:ph type="title"/>
+          </p:nvPr>
+        </p:nvSpPr>
+        <p:spPr/>
+        <p:txBody>
+          <a:bodyPr/>
+          <a:lstStyle/>
+          <a:p>
+            <a:pPr algn="l"/>
+            <a:r>
+              <a:rPr lang="ko-KR" altLang="en-US" dirty="0">
+                <a:latin typeface="나눔스퀘어" panose="020B0600000101010101" pitchFamily="50" charset="-127"/>
+                <a:ea typeface="나눔스퀘어" panose="020B0600000101010101" pitchFamily="50" charset="-127"/>
+              </a:rPr>
+              <a:t>총괄 데모 계획</a:t>
+            </a:r>
+          </a:p>
+        </p:txBody>
+      </p:sp>
+      <p:sp>
+        <p:nvSpPr>
+          <p:cNvPr id="1447" name="내용 개체 틀 2"/>
+          <p:cNvSpPr>
+            <a:spLocks noGrp="1"/>
+          </p:cNvSpPr>
+          <p:nvPr>
+            <p:ph idx="1"/>
+          </p:nvPr>
+        </p:nvSpPr>
+        <p:spPr>
+          <a:xfrm>
+            <a:off x="1614488" y="1543053"/>
+            <a:ext cx="6062316" cy="3946922"/>
+          </a:xfrm>
+        </p:spPr>
+        <p:txBody>
+          <a:bodyPr>
+            <a:normAutofit/>
+          </a:bodyPr>
+          <a:lstStyle/>
+          <a:p>
+            <a:pPr>
+              <a:buClr>
+                <a:srgbClr val="002060"/>
+              </a:buClr>
+              <a:buFont typeface="Wingdings" panose="05000000000000000000" pitchFamily="2" charset="2"/>
+              <a:buChar char="§"/>
+            </a:pPr>
+            <a:r>
+              <a:rPr lang="en-US" altLang="ko-KR" sz="1500" dirty="0">
+                <a:latin typeface="나눔스퀘어" panose="020B0600000101010101" pitchFamily="50" charset="-127"/>
+                <a:cs typeface="Arial" panose="020B0604020202020204" pitchFamily="34" charset="0"/>
+              </a:rPr>
+              <a:t>i-stream </a:t>
+            </a:r>
+            <a:r>
+              <a:rPr lang="ko-KR" altLang="en-US" sz="1500" dirty="0">
+                <a:latin typeface="나눔스퀘어" panose="020B0600000101010101" pitchFamily="50" charset="-127"/>
+                <a:cs typeface="Arial" panose="020B0604020202020204" pitchFamily="34" charset="0"/>
+              </a:rPr>
+              <a:t>및 </a:t>
+            </a:r>
+            <a:r>
+              <a:rPr lang="en-US" altLang="ko-KR" sz="1500" dirty="0">
+                <a:latin typeface="나눔스퀘어" panose="020B0600000101010101" pitchFamily="50" charset="-127"/>
+                <a:cs typeface="Arial" panose="020B0604020202020204" pitchFamily="34" charset="0"/>
+              </a:rPr>
+              <a:t>i-canvas </a:t>
+            </a:r>
+            <a:r>
+              <a:rPr lang="ko-KR" altLang="en-US" sz="1500" dirty="0">
+                <a:latin typeface="나눔스퀘어" panose="020B0600000101010101" pitchFamily="50" charset="-127"/>
+                <a:cs typeface="Arial" panose="020B0604020202020204" pitchFamily="34" charset="0"/>
+              </a:rPr>
+              <a:t>연동</a:t>
+            </a:r>
+          </a:p>
+        </p:txBody>
+      </p:sp>
+      <p:sp>
+        <p:nvSpPr>
+          <p:cNvPr id="4" name="슬라이드 번호 개체 틀 3"/>
+          <p:cNvSpPr>
+            <a:spLocks noGrp="1"/>
+          </p:cNvSpPr>
+          <p:nvPr>
+            <p:ph type="sldNum" sz="quarter" idx="12"/>
+          </p:nvPr>
+        </p:nvSpPr>
+        <p:spPr/>
+        <p:txBody>
+          <a:bodyPr/>
+          <a:lstStyle/>
+          <a:p>
+            <a:fld id="{13C990A7-D049-4301-8B88-F956647A1F50}" type="slidenum">
+              <a:rPr lang="ko-KR" altLang="en-US" smtClean="0"/>
+              <a:pPr/>
+              <a:t>7</a:t>
             </a:fld>
             <a:endParaRPr lang="ko-KR" altLang="en-US" dirty="0"/>
           </a:p>
@@ -22447,7 +31591,7 @@
 </p:sld>
 </file>
 
-<file path=ppt/slides/slide6.xml><?xml version="1.0" encoding="utf-8"?>
+<file path=ppt/slides/slide8.xml><?xml version="1.0" encoding="utf-8"?>
 <p:sld xmlns:a="http://schemas.openxmlformats.org/drawingml/2006/main" xmlns:r="http://schemas.openxmlformats.org/officeDocument/2006/relationships" xmlns:p="http://schemas.openxmlformats.org/presentationml/2006/main">
   <p:cSld>
     <p:spTree>
@@ -22764,7 +31908,7 @@
             <a:fld id="{13C990A7-D049-4301-8B88-F956647A1F50}" type="slidenum">
               <a:rPr lang="ko-KR" altLang="en-US" smtClean="0"/>
               <a:pPr/>
-              <a:t>6</a:t>
+              <a:t>8</a:t>
             </a:fld>
             <a:endParaRPr lang="ko-KR" altLang="en-US" dirty="0"/>
           </a:p>
